--- a/template.pptx
+++ b/template.pptx
@@ -216,7 +216,7 @@
           <a:p>
             <a:fld id="{647EC357-122F-48AB-88E5-025D5C11C6B3}" type="datetimeFigureOut">
               <a:rPr lang="en-US" smtClean="0"/>
-              <a:t>2/2/19</a:t>
+              <a:t>2/3/19</a:t>
             </a:fld>
             <a:endParaRPr lang="en-US"/>
           </a:p>
@@ -4568,7 +4568,7 @@
           <a:p>
             <a:r>
               <a:rPr lang="de-DE" dirty="0" err="1"/>
-              <a:t>AvrgYleft</a:t>
+              <a:t>AvrgYLeft</a:t>
             </a:r>
             <a:endParaRPr lang="de-DE" dirty="0"/>
           </a:p>
@@ -4604,14 +4604,14 @@
           <a:p>
             <a:r>
               <a:rPr lang="de-DE" dirty="0" err="1"/>
-              <a:t>AvrgXLeft</a:t>
+              <a:t>AvrgXRight</a:t>
             </a:r>
             <a:endParaRPr lang="de-DE" dirty="0"/>
           </a:p>
           <a:p>
             <a:r>
               <a:rPr lang="de-DE" dirty="0" err="1"/>
-              <a:t>AvrgYleft</a:t>
+              <a:t>AvrgYRight</a:t>
             </a:r>
             <a:endParaRPr lang="de-DE" dirty="0"/>
           </a:p>

--- a/template.pptx
+++ b/template.pptx
@@ -5,15 +5,16 @@
     <p:sldMasterId id="2147483660" r:id="rId1"/>
   </p:sldMasterIdLst>
   <p:notesMasterIdLst>
-    <p:notesMasterId r:id="rId8"/>
+    <p:notesMasterId r:id="rId9"/>
   </p:notesMasterIdLst>
   <p:sldIdLst>
     <p:sldId id="629" r:id="rId2"/>
-    <p:sldId id="777" r:id="rId3"/>
-    <p:sldId id="778" r:id="rId4"/>
-    <p:sldId id="779" r:id="rId5"/>
-    <p:sldId id="780" r:id="rId6"/>
-    <p:sldId id="781" r:id="rId7"/>
+    <p:sldId id="782" r:id="rId3"/>
+    <p:sldId id="777" r:id="rId4"/>
+    <p:sldId id="778" r:id="rId5"/>
+    <p:sldId id="779" r:id="rId6"/>
+    <p:sldId id="780" r:id="rId7"/>
+    <p:sldId id="781" r:id="rId8"/>
   </p:sldIdLst>
   <p:sldSz cx="9144000" cy="6858000" type="screen4x3"/>
   <p:notesSz cx="6858000" cy="9144000"/>
@@ -216,7 +217,7 @@
           <a:p>
             <a:fld id="{647EC357-122F-48AB-88E5-025D5C11C6B3}" type="datetimeFigureOut">
               <a:rPr lang="en-US" smtClean="0"/>
-              <a:t>2/3/19</a:t>
+              <a:t>2/3/2019</a:t>
             </a:fld>
             <a:endParaRPr lang="en-US"/>
           </a:p>
@@ -527,51 +528,28 @@
           <a:bodyPr/>
           <a:lstStyle/>
           <a:p>
-            <a:pPr marL="171450" indent="-171450">
-              <a:buFont typeface="Arial" panose="020B0604020202020204" pitchFamily="34" charset="0"/>
-              <a:buChar char="•"/>
-            </a:pPr>
             <a:r>
               <a:rPr lang="de-DE" dirty="0"/>
-              <a:t>2 Klassen</a:t>
-            </a:r>
-          </a:p>
-          <a:p>
-            <a:pPr marL="171450" indent="-171450">
-              <a:buFont typeface="Arial" panose="020B0604020202020204" pitchFamily="34" charset="0"/>
-              <a:buChar char="•"/>
-            </a:pPr>
+              <a:t>Objekt wird folgendermaßen ausgewählt:</a:t>
+            </a:r>
+          </a:p>
+          <a:p>
             <a:r>
               <a:rPr lang="de-DE" dirty="0"/>
-              <a:t>Main Klasse hat Setup und Draw Methode und setzt die Pong Implementierung um</a:t>
-            </a:r>
-          </a:p>
-          <a:p>
-            <a:pPr marL="171450" indent="-171450">
-              <a:buFont typeface="Arial" panose="020B0604020202020204" pitchFamily="34" charset="0"/>
-              <a:buChar char="•"/>
-            </a:pPr>
-            <a:r>
+              <a:t>Spieler1 klickt auf farbiges Steuerobjekt im Kamerabild</a:t>
+            </a:r>
+            <a:br>
               <a:rPr lang="de-DE" dirty="0"/>
-              <a:t>Color Tracking beinhaltet den Color Tracking Algorithmus</a:t>
-            </a:r>
-          </a:p>
-          <a:p>
-            <a:pPr marL="171450" indent="-171450">
-              <a:buFont typeface="Arial" panose="020B0604020202020204" pitchFamily="34" charset="0"/>
-              <a:buChar char="•"/>
-            </a:pPr>
+            </a:br>
             <a:r>
               <a:rPr lang="de-DE" dirty="0"/>
-              <a:t>Berechnet die Durchschnittliche X und Y Position, welche dann der Main Klasse zur </a:t>
-            </a:r>
-            <a:r>
-              <a:rPr lang="de-DE" dirty="0" err="1"/>
-              <a:t>verfügung</a:t>
-            </a:r>
+              <a:t>Spieler2 klickt auf farbiges Steuerobjekt im Kamerabild</a:t>
+            </a:r>
+          </a:p>
+          <a:p>
             <a:r>
               <a:rPr lang="de-DE" dirty="0"/>
-              <a:t> steht.</a:t>
+              <a:t>Spiel wird durch Tastendruck gestartet</a:t>
             </a:r>
           </a:p>
         </p:txBody>
@@ -602,7 +580,7 @@
     </p:spTree>
     <p:extLst>
       <p:ext uri="{BB962C8B-B14F-4D97-AF65-F5344CB8AC3E}">
-        <p14:creationId xmlns:p14="http://schemas.microsoft.com/office/powerpoint/2010/main" val="3583421188"/>
+        <p14:creationId xmlns:p14="http://schemas.microsoft.com/office/powerpoint/2010/main" val="4294470332"/>
       </p:ext>
     </p:extLst>
   </p:cSld>
@@ -661,12 +639,8 @@
               <a:buChar char="•"/>
             </a:pPr>
             <a:r>
-              <a:rPr lang="de-DE" dirty="0" err="1"/>
-              <a:t>UpdatVideo</a:t>
-            </a:r>
-            <a:r>
               <a:rPr lang="de-DE" dirty="0"/>
-              <a:t> wird in der Draw Methode aufgerufen, also einmal für jeden Frame</a:t>
+              <a:t>2 Klassen</a:t>
             </a:r>
           </a:p>
           <a:p>
@@ -675,20 +649,8 @@
               <a:buChar char="•"/>
             </a:pPr>
             <a:r>
-              <a:rPr lang="de-DE" dirty="0" err="1"/>
-              <a:t>UpdateVideo</a:t>
-            </a:r>
-            <a:r>
               <a:rPr lang="de-DE" dirty="0"/>
-              <a:t> ließt das </a:t>
-            </a:r>
-            <a:r>
-              <a:rPr lang="de-DE" dirty="0" err="1"/>
-              <a:t>Kamerabuild</a:t>
-            </a:r>
-            <a:r>
-              <a:rPr lang="de-DE" dirty="0"/>
-              <a:t> und lädt das Pixel Array, sodass auf einzelne Pixel zugegriffen werden können</a:t>
+              <a:t>Main Klasse hat Setup und Draw Methode und setzt die Pong Implementierung um</a:t>
             </a:r>
           </a:p>
           <a:p>
@@ -697,28 +659,8 @@
               <a:buChar char="•"/>
             </a:pPr>
             <a:r>
-              <a:rPr lang="de-DE" dirty="0" err="1"/>
-              <a:t>UpdateVideo</a:t>
-            </a:r>
-            <a:r>
               <a:rPr lang="de-DE" dirty="0"/>
-              <a:t> ruft </a:t>
-            </a:r>
-            <a:r>
-              <a:rPr lang="de-DE" dirty="0" err="1"/>
-              <a:t>CalculateAvrgLeft</a:t>
-            </a:r>
-            <a:r>
-              <a:rPr lang="de-DE" dirty="0"/>
-              <a:t> und </a:t>
-            </a:r>
-            <a:r>
-              <a:rPr lang="de-DE" dirty="0" err="1"/>
-              <a:t>CalculateAvrgRight</a:t>
-            </a:r>
-            <a:r>
-              <a:rPr lang="de-DE" dirty="0"/>
-              <a:t> auf</a:t>
+              <a:t>Color Tracking beinhaltet den Color Tracking Algorithmus</a:t>
             </a:r>
           </a:p>
           <a:p>
@@ -726,7 +668,18 @@
               <a:buFont typeface="Arial" panose="020B0604020202020204" pitchFamily="34" charset="0"/>
               <a:buChar char="•"/>
             </a:pPr>
-            <a:endParaRPr lang="de-DE" dirty="0"/>
+            <a:r>
+              <a:rPr lang="de-DE" dirty="0"/>
+              <a:t>Berechnet die Durchschnittliche X und Y Position, welche dann der Main Klasse zur </a:t>
+            </a:r>
+            <a:r>
+              <a:rPr lang="de-DE" dirty="0" err="1"/>
+              <a:t>verfügung</a:t>
+            </a:r>
+            <a:r>
+              <a:rPr lang="de-DE" dirty="0"/>
+              <a:t> steht.</a:t>
+            </a:r>
           </a:p>
         </p:txBody>
       </p:sp>
@@ -756,7 +709,7 @@
     </p:spTree>
     <p:extLst>
       <p:ext uri="{BB962C8B-B14F-4D97-AF65-F5344CB8AC3E}">
-        <p14:creationId xmlns:p14="http://schemas.microsoft.com/office/powerpoint/2010/main" val="2221909011"/>
+        <p14:creationId xmlns:p14="http://schemas.microsoft.com/office/powerpoint/2010/main" val="3583421188"/>
       </p:ext>
     </p:extLst>
   </p:cSld>
@@ -815,9 +768,72 @@
               <a:buChar char="•"/>
             </a:pPr>
             <a:r>
+              <a:rPr lang="de-DE" dirty="0" err="1"/>
+              <a:t>UpdatVideo</a:t>
+            </a:r>
+            <a:r>
               <a:rPr lang="de-DE" dirty="0"/>
-              <a:t>Code Erklärung</a:t>
-            </a:r>
+              <a:t> wird in der Draw Methode aufgerufen, also einmal für jeden Frame</a:t>
+            </a:r>
+          </a:p>
+          <a:p>
+            <a:pPr marL="171450" indent="-171450">
+              <a:buFont typeface="Arial" panose="020B0604020202020204" pitchFamily="34" charset="0"/>
+              <a:buChar char="•"/>
+            </a:pPr>
+            <a:r>
+              <a:rPr lang="de-DE" dirty="0" err="1"/>
+              <a:t>UpdateVideo</a:t>
+            </a:r>
+            <a:r>
+              <a:rPr lang="de-DE" dirty="0"/>
+              <a:t> ließt das </a:t>
+            </a:r>
+            <a:r>
+              <a:rPr lang="de-DE" dirty="0" err="1"/>
+              <a:t>Kamerabuild</a:t>
+            </a:r>
+            <a:r>
+              <a:rPr lang="de-DE" dirty="0"/>
+              <a:t> und lädt das Pixel Array, sodass auf einzelne Pixel zugegriffen werden können</a:t>
+            </a:r>
+          </a:p>
+          <a:p>
+            <a:pPr marL="171450" indent="-171450">
+              <a:buFont typeface="Arial" panose="020B0604020202020204" pitchFamily="34" charset="0"/>
+              <a:buChar char="•"/>
+            </a:pPr>
+            <a:r>
+              <a:rPr lang="de-DE" dirty="0" err="1"/>
+              <a:t>UpdateVideo</a:t>
+            </a:r>
+            <a:r>
+              <a:rPr lang="de-DE" dirty="0"/>
+              <a:t> ruft </a:t>
+            </a:r>
+            <a:r>
+              <a:rPr lang="de-DE" dirty="0" err="1"/>
+              <a:t>CalculateAvrgLeft</a:t>
+            </a:r>
+            <a:r>
+              <a:rPr lang="de-DE" dirty="0"/>
+              <a:t> und </a:t>
+            </a:r>
+            <a:r>
+              <a:rPr lang="de-DE" dirty="0" err="1"/>
+              <a:t>CalculateAvrgRight</a:t>
+            </a:r>
+            <a:r>
+              <a:rPr lang="de-DE" dirty="0"/>
+              <a:t> auf</a:t>
+            </a:r>
+          </a:p>
+          <a:p>
+            <a:pPr marL="171450" indent="-171450">
+              <a:buFont typeface="Arial" panose="020B0604020202020204" pitchFamily="34" charset="0"/>
+              <a:buChar char="•"/>
+            </a:pPr>
+            <a:endParaRPr lang="de-DE" dirty="0"/>
           </a:p>
         </p:txBody>
       </p:sp>
@@ -847,7 +863,7 @@
     </p:spTree>
     <p:extLst>
       <p:ext uri="{BB962C8B-B14F-4D97-AF65-F5344CB8AC3E}">
-        <p14:creationId xmlns:p14="http://schemas.microsoft.com/office/powerpoint/2010/main" val="4235381433"/>
+        <p14:creationId xmlns:p14="http://schemas.microsoft.com/office/powerpoint/2010/main" val="2221909011"/>
       </p:ext>
     </p:extLst>
   </p:cSld>
@@ -905,7 +921,10 @@
               <a:buFont typeface="Arial" panose="020B0604020202020204" pitchFamily="34" charset="0"/>
               <a:buChar char="•"/>
             </a:pPr>
-            <a:endParaRPr lang="de-DE" dirty="0"/>
+            <a:r>
+              <a:rPr lang="de-DE" dirty="0"/>
+              <a:t>Code Erklärung</a:t>
+            </a:r>
           </a:p>
         </p:txBody>
       </p:sp>
@@ -935,7 +954,7 @@
     </p:spTree>
     <p:extLst>
       <p:ext uri="{BB962C8B-B14F-4D97-AF65-F5344CB8AC3E}">
-        <p14:creationId xmlns:p14="http://schemas.microsoft.com/office/powerpoint/2010/main" val="2425645686"/>
+        <p14:creationId xmlns:p14="http://schemas.microsoft.com/office/powerpoint/2010/main" val="4235381433"/>
       </p:ext>
     </p:extLst>
   </p:cSld>
@@ -993,34 +1012,6 @@
               <a:buFont typeface="Arial" panose="020B0604020202020204" pitchFamily="34" charset="0"/>
               <a:buChar char="•"/>
             </a:pPr>
-            <a:r>
-              <a:rPr lang="de-DE" dirty="0"/>
-              <a:t>Zu verfolgende Farbe kann für beide Hälften mit der Maus ausgewählt werden</a:t>
-            </a:r>
-          </a:p>
-          <a:p>
-            <a:pPr marL="171450" indent="-171450">
-              <a:buFont typeface="Arial" panose="020B0604020202020204" pitchFamily="34" charset="0"/>
-              <a:buChar char="•"/>
-            </a:pPr>
-            <a:r>
-              <a:rPr lang="de-DE" dirty="0"/>
-              <a:t>Durchschnittliche Positionswerte können dann in der </a:t>
-            </a:r>
-            <a:r>
-              <a:rPr lang="de-DE" dirty="0" err="1"/>
-              <a:t>main</a:t>
-            </a:r>
-            <a:r>
-              <a:rPr lang="de-DE" dirty="0"/>
-              <a:t> Klasse abgefragt werden</a:t>
-            </a:r>
-          </a:p>
-          <a:p>
-            <a:pPr marL="171450" indent="-171450">
-              <a:buFont typeface="Arial" panose="020B0604020202020204" pitchFamily="34" charset="0"/>
-              <a:buChar char="•"/>
-            </a:pPr>
             <a:endParaRPr lang="de-DE" dirty="0"/>
           </a:p>
         </p:txBody>
@@ -1043,6 +1034,122 @@
             <a:fld id="{394E9D05-C789-4FAD-87B0-3F6DD2D06BCC}" type="slidenum">
               <a:rPr lang="en-US" smtClean="0"/>
               <a:t>6</a:t>
+            </a:fld>
+            <a:endParaRPr lang="en-US"/>
+          </a:p>
+        </p:txBody>
+      </p:sp>
+    </p:spTree>
+    <p:extLst>
+      <p:ext uri="{BB962C8B-B14F-4D97-AF65-F5344CB8AC3E}">
+        <p14:creationId xmlns:p14="http://schemas.microsoft.com/office/powerpoint/2010/main" val="2425645686"/>
+      </p:ext>
+    </p:extLst>
+  </p:cSld>
+  <p:clrMapOvr>
+    <a:masterClrMapping/>
+  </p:clrMapOvr>
+</p:notes>
+</file>
+
+<file path=ppt/notesSlides/notesSlide6.xml><?xml version="1.0" encoding="utf-8"?>
+<p:notes xmlns:a="http://schemas.openxmlformats.org/drawingml/2006/main" xmlns:r="http://schemas.openxmlformats.org/officeDocument/2006/relationships" xmlns:p="http://schemas.openxmlformats.org/presentationml/2006/main">
+  <p:cSld>
+    <p:spTree>
+      <p:nvGrpSpPr>
+        <p:cNvPr id="1" name=""/>
+        <p:cNvGrpSpPr/>
+        <p:nvPr/>
+      </p:nvGrpSpPr>
+      <p:grpSpPr>
+        <a:xfrm>
+          <a:off x="0" y="0"/>
+          <a:ext cx="0" cy="0"/>
+          <a:chOff x="0" y="0"/>
+          <a:chExt cx="0" cy="0"/>
+        </a:xfrm>
+      </p:grpSpPr>
+      <p:sp>
+        <p:nvSpPr>
+          <p:cNvPr id="2" name="Folienbildplatzhalter 1"/>
+          <p:cNvSpPr>
+            <a:spLocks noGrp="1" noRot="1" noChangeAspect="1"/>
+          </p:cNvSpPr>
+          <p:nvPr>
+            <p:ph type="sldImg"/>
+          </p:nvPr>
+        </p:nvSpPr>
+        <p:spPr/>
+      </p:sp>
+      <p:sp>
+        <p:nvSpPr>
+          <p:cNvPr id="3" name="Notizenplatzhalter 2"/>
+          <p:cNvSpPr>
+            <a:spLocks noGrp="1"/>
+          </p:cNvSpPr>
+          <p:nvPr>
+            <p:ph type="body" idx="1"/>
+          </p:nvPr>
+        </p:nvSpPr>
+        <p:spPr/>
+        <p:txBody>
+          <a:bodyPr/>
+          <a:lstStyle/>
+          <a:p>
+            <a:pPr marL="171450" indent="-171450">
+              <a:buFont typeface="Arial" panose="020B0604020202020204" pitchFamily="34" charset="0"/>
+              <a:buChar char="•"/>
+            </a:pPr>
+            <a:r>
+              <a:rPr lang="de-DE" dirty="0"/>
+              <a:t>Zu verfolgende Farbe kann für beide Hälften mit der Maus ausgewählt werden</a:t>
+            </a:r>
+          </a:p>
+          <a:p>
+            <a:pPr marL="171450" indent="-171450">
+              <a:buFont typeface="Arial" panose="020B0604020202020204" pitchFamily="34" charset="0"/>
+              <a:buChar char="•"/>
+            </a:pPr>
+            <a:r>
+              <a:rPr lang="de-DE" dirty="0"/>
+              <a:t>Durchschnittliche Positionswerte können dann in der </a:t>
+            </a:r>
+            <a:r>
+              <a:rPr lang="de-DE" dirty="0" err="1"/>
+              <a:t>main</a:t>
+            </a:r>
+            <a:r>
+              <a:rPr lang="de-DE" dirty="0"/>
+              <a:t> Klasse abgefragt werden</a:t>
+            </a:r>
+          </a:p>
+          <a:p>
+            <a:pPr marL="171450" indent="-171450">
+              <a:buFont typeface="Arial" panose="020B0604020202020204" pitchFamily="34" charset="0"/>
+              <a:buChar char="•"/>
+            </a:pPr>
+            <a:endParaRPr lang="de-DE" dirty="0"/>
+          </a:p>
+        </p:txBody>
+      </p:sp>
+      <p:sp>
+        <p:nvSpPr>
+          <p:cNvPr id="4" name="Foliennummernplatzhalter 3"/>
+          <p:cNvSpPr>
+            <a:spLocks noGrp="1"/>
+          </p:cNvSpPr>
+          <p:nvPr>
+            <p:ph type="sldNum" sz="quarter" idx="5"/>
+          </p:nvPr>
+        </p:nvSpPr>
+        <p:spPr/>
+        <p:txBody>
+          <a:bodyPr/>
+          <a:lstStyle/>
+          <a:p>
+            <a:fld id="{394E9D05-C789-4FAD-87B0-3F6DD2D06BCC}" type="slidenum">
+              <a:rPr lang="en-US" smtClean="0"/>
+              <a:t>7</a:t>
             </a:fld>
             <a:endParaRPr lang="en-US"/>
           </a:p>
@@ -2544,7 +2651,10 @@
           <a:bodyPr/>
           <a:lstStyle/>
           <a:p>
-            <a:endParaRPr lang="en-US" dirty="0"/>
+            <a:r>
+              <a:rPr lang="de-DE" dirty="0"/>
+              <a:t>Pong-Spiel mit Color Tracking</a:t>
+            </a:r>
           </a:p>
         </p:txBody>
       </p:sp>
@@ -2570,9 +2680,12 @@
           </a:bodyPr>
           <a:lstStyle/>
           <a:p>
-            <a:endParaRPr lang="en-US" sz="1800" dirty="0">
-              <a:latin typeface="+mn-lt"/>
-            </a:endParaRPr>
+            <a:r>
+              <a:rPr lang="de-DE" sz="1800">
+                <a:latin typeface="+mn-lt"/>
+              </a:rPr>
+              <a:t>Verwendung von Color Tracking zur Steuerung der Spielelemente</a:t>
+            </a:r>
           </a:p>
         </p:txBody>
       </p:sp>
@@ -2614,6 +2727,230 @@
           </a:fontRef>
         </p:style>
       </p:cxnSp>
+      <p:sp>
+        <p:nvSpPr>
+          <p:cNvPr id="5" name="Subtitle 2">
+            <a:extLst>
+              <a:ext uri="{FF2B5EF4-FFF2-40B4-BE49-F238E27FC236}">
+                <a16:creationId xmlns:a16="http://schemas.microsoft.com/office/drawing/2014/main" id="{AE33A215-6A8D-47D9-9697-84C6B1678248}"/>
+              </a:ext>
+            </a:extLst>
+          </p:cNvPr>
+          <p:cNvSpPr txBox="1">
+            <a:spLocks/>
+          </p:cNvSpPr>
+          <p:nvPr/>
+        </p:nvSpPr>
+        <p:spPr>
+          <a:xfrm>
+            <a:off x="320485" y="5242655"/>
+            <a:ext cx="8640960" cy="994652"/>
+          </a:xfrm>
+          <a:prstGeom prst="rect">
+            <a:avLst/>
+          </a:prstGeom>
+        </p:spPr>
+        <p:txBody>
+          <a:bodyPr vert="horz" lIns="91440" tIns="45720" rIns="91440" bIns="45720" rtlCol="0">
+            <a:noAutofit/>
+          </a:bodyPr>
+          <a:lstStyle>
+            <a:lvl1pPr marL="0" indent="0" algn="l" defTabSz="914400" rtl="0" eaLnBrk="1" latinLnBrk="0" hangingPunct="1">
+              <a:spcBef>
+                <a:spcPct val="20000"/>
+              </a:spcBef>
+              <a:buClr>
+                <a:srgbClr val="137CBE"/>
+              </a:buClr>
+              <a:buFont typeface="Wingdings" pitchFamily="2" charset="2"/>
+              <a:buNone/>
+              <a:defRPr sz="2000" b="0" i="0" kern="1200">
+                <a:solidFill>
+                  <a:schemeClr val="accent6"/>
+                </a:solidFill>
+                <a:latin typeface="+mj-lt"/>
+                <a:ea typeface="Segoe UI" pitchFamily="34" charset="0"/>
+                <a:cs typeface="Segoe UI" pitchFamily="34" charset="0"/>
+              </a:defRPr>
+            </a:lvl1pPr>
+            <a:lvl2pPr marL="457200" indent="0" algn="ctr" defTabSz="914400" rtl="0" eaLnBrk="1" latinLnBrk="0" hangingPunct="1">
+              <a:spcBef>
+                <a:spcPct val="20000"/>
+              </a:spcBef>
+              <a:buClr>
+                <a:srgbClr val="137CBE"/>
+              </a:buClr>
+              <a:buFont typeface="Wingdings" pitchFamily="2" charset="2"/>
+              <a:buNone/>
+              <a:defRPr sz="1800" kern="1200">
+                <a:solidFill>
+                  <a:schemeClr val="tx1">
+                    <a:tint val="75000"/>
+                  </a:schemeClr>
+                </a:solidFill>
+                <a:latin typeface="+mn-lt"/>
+                <a:ea typeface="Segoe UI" pitchFamily="34" charset="0"/>
+                <a:cs typeface="Segoe UI" pitchFamily="34" charset="0"/>
+              </a:defRPr>
+            </a:lvl2pPr>
+            <a:lvl3pPr marL="914400" indent="0" algn="ctr" defTabSz="914400" rtl="0" eaLnBrk="1" latinLnBrk="0" hangingPunct="1">
+              <a:spcBef>
+                <a:spcPct val="20000"/>
+              </a:spcBef>
+              <a:buClr>
+                <a:srgbClr val="137CBE"/>
+              </a:buClr>
+              <a:buFont typeface="Wingdings" pitchFamily="2" charset="2"/>
+              <a:buNone/>
+              <a:defRPr sz="1600" kern="1200">
+                <a:solidFill>
+                  <a:schemeClr val="tx1">
+                    <a:tint val="75000"/>
+                  </a:schemeClr>
+                </a:solidFill>
+                <a:latin typeface="+mn-lt"/>
+                <a:ea typeface="Segoe UI" pitchFamily="34" charset="0"/>
+                <a:cs typeface="Segoe UI" pitchFamily="34" charset="0"/>
+              </a:defRPr>
+            </a:lvl3pPr>
+            <a:lvl4pPr marL="1371600" indent="0" algn="ctr" defTabSz="914400" rtl="0" eaLnBrk="1" latinLnBrk="0" hangingPunct="1">
+              <a:spcBef>
+                <a:spcPct val="20000"/>
+              </a:spcBef>
+              <a:buClr>
+                <a:srgbClr val="137CBE"/>
+              </a:buClr>
+              <a:buFont typeface="Wingdings" pitchFamily="2" charset="2"/>
+              <a:buNone/>
+              <a:defRPr sz="1400" kern="1200">
+                <a:solidFill>
+                  <a:schemeClr val="tx1">
+                    <a:tint val="75000"/>
+                  </a:schemeClr>
+                </a:solidFill>
+                <a:latin typeface="+mn-lt"/>
+                <a:ea typeface="Segoe UI" pitchFamily="34" charset="0"/>
+                <a:cs typeface="Segoe UI" pitchFamily="34" charset="0"/>
+              </a:defRPr>
+            </a:lvl4pPr>
+            <a:lvl5pPr marL="1828800" indent="0" algn="ctr" defTabSz="914400" rtl="0" eaLnBrk="1" latinLnBrk="0" hangingPunct="1">
+              <a:spcBef>
+                <a:spcPct val="20000"/>
+              </a:spcBef>
+              <a:buClr>
+                <a:srgbClr val="137CBE"/>
+              </a:buClr>
+              <a:buFont typeface="Wingdings" pitchFamily="2" charset="2"/>
+              <a:buNone/>
+              <a:defRPr sz="1400" kern="1200">
+                <a:solidFill>
+                  <a:schemeClr val="tx1">
+                    <a:tint val="75000"/>
+                  </a:schemeClr>
+                </a:solidFill>
+                <a:latin typeface="+mn-lt"/>
+                <a:ea typeface="Segoe UI" pitchFamily="34" charset="0"/>
+                <a:cs typeface="Segoe UI" pitchFamily="34" charset="0"/>
+              </a:defRPr>
+            </a:lvl5pPr>
+            <a:lvl6pPr marL="2286000" indent="0" algn="ctr" defTabSz="914400" rtl="0" eaLnBrk="1" latinLnBrk="0" hangingPunct="1">
+              <a:spcBef>
+                <a:spcPct val="20000"/>
+              </a:spcBef>
+              <a:buFont typeface="Arial" pitchFamily="34" charset="0"/>
+              <a:buNone/>
+              <a:defRPr sz="2000" kern="1200">
+                <a:solidFill>
+                  <a:schemeClr val="tx1">
+                    <a:tint val="75000"/>
+                  </a:schemeClr>
+                </a:solidFill>
+                <a:latin typeface="+mn-lt"/>
+                <a:ea typeface="+mn-ea"/>
+                <a:cs typeface="+mn-cs"/>
+              </a:defRPr>
+            </a:lvl6pPr>
+            <a:lvl7pPr marL="2743200" indent="0" algn="ctr" defTabSz="914400" rtl="0" eaLnBrk="1" latinLnBrk="0" hangingPunct="1">
+              <a:spcBef>
+                <a:spcPct val="20000"/>
+              </a:spcBef>
+              <a:buFont typeface="Arial" pitchFamily="34" charset="0"/>
+              <a:buNone/>
+              <a:defRPr sz="2000" kern="1200">
+                <a:solidFill>
+                  <a:schemeClr val="tx1">
+                    <a:tint val="75000"/>
+                  </a:schemeClr>
+                </a:solidFill>
+                <a:latin typeface="+mn-lt"/>
+                <a:ea typeface="+mn-ea"/>
+                <a:cs typeface="+mn-cs"/>
+              </a:defRPr>
+            </a:lvl7pPr>
+            <a:lvl8pPr marL="3200400" indent="0" algn="ctr" defTabSz="914400" rtl="0" eaLnBrk="1" latinLnBrk="0" hangingPunct="1">
+              <a:spcBef>
+                <a:spcPct val="20000"/>
+              </a:spcBef>
+              <a:buFont typeface="Arial" pitchFamily="34" charset="0"/>
+              <a:buNone/>
+              <a:defRPr sz="2000" kern="1200">
+                <a:solidFill>
+                  <a:schemeClr val="tx1">
+                    <a:tint val="75000"/>
+                  </a:schemeClr>
+                </a:solidFill>
+                <a:latin typeface="+mn-lt"/>
+                <a:ea typeface="+mn-ea"/>
+                <a:cs typeface="+mn-cs"/>
+              </a:defRPr>
+            </a:lvl8pPr>
+            <a:lvl9pPr marL="3657600" indent="0" algn="ctr" defTabSz="914400" rtl="0" eaLnBrk="1" latinLnBrk="0" hangingPunct="1">
+              <a:spcBef>
+                <a:spcPct val="20000"/>
+              </a:spcBef>
+              <a:buFont typeface="Arial" pitchFamily="34" charset="0"/>
+              <a:buNone/>
+              <a:defRPr sz="2000" kern="1200">
+                <a:solidFill>
+                  <a:schemeClr val="tx1">
+                    <a:tint val="75000"/>
+                  </a:schemeClr>
+                </a:solidFill>
+                <a:latin typeface="+mn-lt"/>
+                <a:ea typeface="+mn-ea"/>
+                <a:cs typeface="+mn-cs"/>
+              </a:defRPr>
+            </a:lvl9pPr>
+          </a:lstStyle>
+          <a:p>
+            <a:pPr algn="r"/>
+            <a:r>
+              <a:rPr lang="de-DE" sz="1800">
+                <a:latin typeface="+mn-lt"/>
+              </a:rPr>
+              <a:t>Jonas Wallmann</a:t>
+            </a:r>
+          </a:p>
+          <a:p>
+            <a:pPr algn="r"/>
+            <a:r>
+              <a:rPr lang="de-DE" sz="1800">
+                <a:latin typeface="+mn-lt"/>
+              </a:rPr>
+              <a:t>Patrick Kachelmuss</a:t>
+            </a:r>
+          </a:p>
+          <a:p>
+            <a:pPr algn="r"/>
+            <a:r>
+              <a:rPr lang="de-DE" sz="1800">
+                <a:latin typeface="+mn-lt"/>
+              </a:rPr>
+              <a:t>Kai Durst</a:t>
+            </a:r>
+          </a:p>
+        </p:txBody>
+      </p:sp>
     </p:spTree>
     <p:extLst>
       <p:ext uri="{BB962C8B-B14F-4D97-AF65-F5344CB8AC3E}">
@@ -2646,10 +2983,55 @@
       </p:grpSpPr>
       <p:sp>
         <p:nvSpPr>
-          <p:cNvPr id="3" name="Slide Number Placeholder 2">
-            <a:extLst>
-              <a:ext uri="{FF2B5EF4-FFF2-40B4-BE49-F238E27FC236}">
-                <a16:creationId xmlns:a16="http://schemas.microsoft.com/office/drawing/2014/main" id="{4DC56EF3-A049-C444-9150-96DD6F5E12C3}"/>
+          <p:cNvPr id="2" name="Inhaltsplatzhalter 1">
+            <a:extLst>
+              <a:ext uri="{FF2B5EF4-FFF2-40B4-BE49-F238E27FC236}">
+                <a16:creationId xmlns:a16="http://schemas.microsoft.com/office/drawing/2014/main" id="{BF28E841-892A-4861-93B6-E6C64F64F75B}"/>
+              </a:ext>
+            </a:extLst>
+          </p:cNvPr>
+          <p:cNvSpPr>
+            <a:spLocks noGrp="1"/>
+          </p:cNvSpPr>
+          <p:nvPr>
+            <p:ph idx="1"/>
+          </p:nvPr>
+        </p:nvSpPr>
+        <p:spPr>
+          <a:xfrm>
+            <a:off x="251520" y="1603432"/>
+            <a:ext cx="8640960" cy="1753560"/>
+          </a:xfrm>
+        </p:spPr>
+        <p:txBody>
+          <a:bodyPr/>
+          <a:lstStyle/>
+          <a:p>
+            <a:r>
+              <a:rPr lang="de-DE" dirty="0"/>
+              <a:t>zweigeteilter Bildschirm für 2 Spieler</a:t>
+            </a:r>
+          </a:p>
+          <a:p>
+            <a:r>
+              <a:rPr lang="de-DE" dirty="0"/>
+              <a:t>Steuerung über Tasten oder Mausbewegung</a:t>
+            </a:r>
+          </a:p>
+          <a:p>
+            <a:r>
+              <a:rPr lang="de-DE" dirty="0"/>
+              <a:t>einfacher Hintergrund</a:t>
+            </a:r>
+          </a:p>
+        </p:txBody>
+      </p:sp>
+      <p:sp>
+        <p:nvSpPr>
+          <p:cNvPr id="3" name="Foliennummernplatzhalter 2">
+            <a:extLst>
+              <a:ext uri="{FF2B5EF4-FFF2-40B4-BE49-F238E27FC236}">
+                <a16:creationId xmlns:a16="http://schemas.microsoft.com/office/drawing/2014/main" id="{BC772436-3B64-4CA3-AD1D-E3745047EE06}"/>
               </a:ext>
             </a:extLst>
           </p:cNvPr>
@@ -2676,10 +3058,10 @@
       </p:sp>
       <p:sp>
         <p:nvSpPr>
-          <p:cNvPr id="4" name="Title 3">
-            <a:extLst>
-              <a:ext uri="{FF2B5EF4-FFF2-40B4-BE49-F238E27FC236}">
-                <a16:creationId xmlns:a16="http://schemas.microsoft.com/office/drawing/2014/main" id="{ECAB825E-D1BC-474A-9BA0-2F75805A952D}"/>
+          <p:cNvPr id="4" name="Titel 3">
+            <a:extLst>
+              <a:ext uri="{FF2B5EF4-FFF2-40B4-BE49-F238E27FC236}">
+                <a16:creationId xmlns:a16="http://schemas.microsoft.com/office/drawing/2014/main" id="{B5ABBD74-2652-4518-B90D-36B73D3A51B6}"/>
               </a:ext>
             </a:extLst>
           </p:cNvPr>
@@ -2697,192 +3079,301 @@
           <a:p>
             <a:r>
               <a:rPr lang="de-DE" dirty="0"/>
-              <a:t>Klassen Struktur</a:t>
-            </a:r>
-          </a:p>
-        </p:txBody>
-      </p:sp>
-      <p:sp>
-        <p:nvSpPr>
-          <p:cNvPr id="5" name="Abgerundetes Rechteck 4">
-            <a:extLst>
-              <a:ext uri="{FF2B5EF4-FFF2-40B4-BE49-F238E27FC236}">
-                <a16:creationId xmlns:a16="http://schemas.microsoft.com/office/drawing/2014/main" id="{BCCD28ED-299E-6A4B-BBDF-BEA545C267A7}"/>
-              </a:ext>
-            </a:extLst>
-          </p:cNvPr>
-          <p:cNvSpPr/>
+              <a:t>Klassisches Pong-Spiel</a:t>
+            </a:r>
+          </a:p>
+        </p:txBody>
+      </p:sp>
+      <p:pic>
+        <p:nvPicPr>
+          <p:cNvPr id="10" name="Grafik 9">
+            <a:extLst>
+              <a:ext uri="{FF2B5EF4-FFF2-40B4-BE49-F238E27FC236}">
+                <a16:creationId xmlns:a16="http://schemas.microsoft.com/office/drawing/2014/main" id="{1910F74B-1F14-44DC-BAD5-A138290DD876}"/>
+              </a:ext>
+            </a:extLst>
+          </p:cNvPr>
+          <p:cNvPicPr>
+            <a:picLocks noChangeAspect="1"/>
+          </p:cNvPicPr>
           <p:nvPr/>
-        </p:nvSpPr>
-        <p:spPr>
-          <a:xfrm>
-            <a:off x="395536" y="1536391"/>
-            <a:ext cx="4032448" cy="2304256"/>
-          </a:xfrm>
-          <a:prstGeom prst="roundRect">
-            <a:avLst/>
-          </a:prstGeom>
-        </p:spPr>
-        <p:style>
-          <a:lnRef idx="2">
-            <a:schemeClr val="accent1">
-              <a:shade val="50000"/>
-            </a:schemeClr>
-          </a:lnRef>
-          <a:fillRef idx="1">
-            <a:schemeClr val="accent1"/>
-          </a:fillRef>
-          <a:effectRef idx="0">
-            <a:schemeClr val="accent1"/>
-          </a:effectRef>
-          <a:fontRef idx="minor">
-            <a:schemeClr val="lt1"/>
-          </a:fontRef>
-        </p:style>
-        <p:txBody>
-          <a:bodyPr rtlCol="0" anchor="ctr"/>
-          <a:lstStyle/>
-          <a:p>
-            <a:pPr algn="ctr"/>
-            <a:r>
-              <a:rPr lang="de-DE" sz="2800" dirty="0"/>
-              <a:t>Main</a:t>
-            </a:r>
-          </a:p>
-          <a:p>
-            <a:pPr marL="285750" indent="-285750" algn="ctr">
-              <a:buFont typeface="Arial" panose="020B0604020202020204" pitchFamily="34" charset="0"/>
+        </p:nvPicPr>
+        <p:blipFill>
+          <a:blip r:embed="rId3" cstate="print">
+            <a:extLst>
+              <a:ext uri="{28A0092B-C50C-407E-A947-70E740481C1C}">
+                <a14:useLocalDpi xmlns:a14="http://schemas.microsoft.com/office/drawing/2010/main" val="0"/>
+              </a:ext>
+            </a:extLst>
+          </a:blip>
+          <a:stretch>
+            <a:fillRect/>
+          </a:stretch>
+        </p:blipFill>
+        <p:spPr>
+          <a:xfrm>
+            <a:off x="5940152" y="1390097"/>
+            <a:ext cx="2886680" cy="1804175"/>
+          </a:xfrm>
+          <a:prstGeom prst="rect">
+            <a:avLst/>
+          </a:prstGeom>
+        </p:spPr>
+      </p:pic>
+      <p:sp>
+        <p:nvSpPr>
+          <p:cNvPr id="11" name="Titel 3">
+            <a:extLst>
+              <a:ext uri="{FF2B5EF4-FFF2-40B4-BE49-F238E27FC236}">
+                <a16:creationId xmlns:a16="http://schemas.microsoft.com/office/drawing/2014/main" id="{28ADC718-2CB0-4E74-95EC-D4CEB2C2EDA2}"/>
+              </a:ext>
+            </a:extLst>
+          </p:cNvPr>
+          <p:cNvSpPr txBox="1">
+            <a:spLocks/>
+          </p:cNvSpPr>
+          <p:nvPr/>
+        </p:nvSpPr>
+        <p:spPr>
+          <a:xfrm>
+            <a:off x="403920" y="3194272"/>
+            <a:ext cx="8641006" cy="1094166"/>
+          </a:xfrm>
+          <a:prstGeom prst="rect">
+            <a:avLst/>
+          </a:prstGeom>
+        </p:spPr>
+        <p:txBody>
+          <a:bodyPr vert="horz" lIns="91440" tIns="45720" rIns="91440" bIns="45720" rtlCol="0" anchor="ctr" anchorCtr="0">
+            <a:noAutofit/>
+          </a:bodyPr>
+          <a:lstStyle>
+            <a:lvl1pPr algn="l" defTabSz="914400" rtl="0" eaLnBrk="1" latinLnBrk="0" hangingPunct="1">
+              <a:spcBef>
+                <a:spcPct val="0"/>
+              </a:spcBef>
+              <a:buNone/>
+              <a:defRPr lang="de-DE" sz="3800" kern="1200">
+                <a:solidFill>
+                  <a:srgbClr val="137CBE"/>
+                </a:solidFill>
+                <a:latin typeface="+mj-lt"/>
+                <a:ea typeface="+mj-ea"/>
+                <a:cs typeface="+mj-cs"/>
+              </a:defRPr>
+            </a:lvl1pPr>
+          </a:lstStyle>
+          <a:p>
+            <a:r>
+              <a:rPr lang="de-DE" dirty="0"/>
+              <a:t>Pong-Spiel mit Color Tracking</a:t>
+            </a:r>
+          </a:p>
+        </p:txBody>
+      </p:sp>
+      <p:sp>
+        <p:nvSpPr>
+          <p:cNvPr id="12" name="Inhaltsplatzhalter 1">
+            <a:extLst>
+              <a:ext uri="{FF2B5EF4-FFF2-40B4-BE49-F238E27FC236}">
+                <a16:creationId xmlns:a16="http://schemas.microsoft.com/office/drawing/2014/main" id="{6CD56387-37AF-4FB1-8651-BA51F342F35F}"/>
+              </a:ext>
+            </a:extLst>
+          </p:cNvPr>
+          <p:cNvSpPr txBox="1">
+            <a:spLocks/>
+          </p:cNvSpPr>
+          <p:nvPr/>
+        </p:nvSpPr>
+        <p:spPr>
+          <a:xfrm>
+            <a:off x="251566" y="4288438"/>
+            <a:ext cx="8640960" cy="1753560"/>
+          </a:xfrm>
+          <a:prstGeom prst="rect">
+            <a:avLst/>
+          </a:prstGeom>
+        </p:spPr>
+        <p:txBody>
+          <a:bodyPr vert="horz" lIns="91440" tIns="45720" rIns="91440" bIns="45720" rtlCol="0">
+            <a:normAutofit/>
+          </a:bodyPr>
+          <a:lstStyle>
+            <a:lvl1pPr marL="342900" indent="-342900" algn="l" defTabSz="914400" rtl="0" eaLnBrk="1" latinLnBrk="0" hangingPunct="1">
+              <a:spcBef>
+                <a:spcPct val="20000"/>
+              </a:spcBef>
+              <a:buClr>
+                <a:srgbClr val="137CBE"/>
+              </a:buClr>
+              <a:buFont typeface="Wingdings" pitchFamily="2" charset="2"/>
+              <a:buChar char="§"/>
+              <a:defRPr sz="2000" kern="1200">
+                <a:solidFill>
+                  <a:schemeClr val="tx1"/>
+                </a:solidFill>
+                <a:latin typeface="+mn-lt"/>
+                <a:ea typeface="Segoe UI" pitchFamily="34" charset="0"/>
+                <a:cs typeface="Segoe UI" pitchFamily="34" charset="0"/>
+              </a:defRPr>
+            </a:lvl1pPr>
+            <a:lvl2pPr marL="742950" indent="-285750" algn="l" defTabSz="914400" rtl="0" eaLnBrk="1" latinLnBrk="0" hangingPunct="1">
+              <a:spcBef>
+                <a:spcPct val="20000"/>
+              </a:spcBef>
+              <a:buClr>
+                <a:srgbClr val="137CBE"/>
+              </a:buClr>
+              <a:buFont typeface="Wingdings" pitchFamily="2" charset="2"/>
+              <a:buChar char="§"/>
+              <a:defRPr sz="1800" kern="1200">
+                <a:solidFill>
+                  <a:schemeClr val="tx1"/>
+                </a:solidFill>
+                <a:latin typeface="+mn-lt"/>
+                <a:ea typeface="Segoe UI" pitchFamily="34" charset="0"/>
+                <a:cs typeface="Segoe UI" pitchFamily="34" charset="0"/>
+              </a:defRPr>
+            </a:lvl2pPr>
+            <a:lvl3pPr marL="1143000" indent="-228600" algn="l" defTabSz="914400" rtl="0" eaLnBrk="1" latinLnBrk="0" hangingPunct="1">
+              <a:spcBef>
+                <a:spcPct val="20000"/>
+              </a:spcBef>
+              <a:buClr>
+                <a:srgbClr val="137CBE"/>
+              </a:buClr>
+              <a:buFont typeface="Wingdings" pitchFamily="2" charset="2"/>
+              <a:buChar char="§"/>
+              <a:defRPr sz="1600" kern="1200">
+                <a:solidFill>
+                  <a:schemeClr val="tx1"/>
+                </a:solidFill>
+                <a:latin typeface="+mn-lt"/>
+                <a:ea typeface="Segoe UI" pitchFamily="34" charset="0"/>
+                <a:cs typeface="Segoe UI" pitchFamily="34" charset="0"/>
+              </a:defRPr>
+            </a:lvl3pPr>
+            <a:lvl4pPr marL="1600200" indent="-228600" algn="l" defTabSz="914400" rtl="0" eaLnBrk="1" latinLnBrk="0" hangingPunct="1">
+              <a:spcBef>
+                <a:spcPct val="20000"/>
+              </a:spcBef>
+              <a:buClr>
+                <a:srgbClr val="137CBE"/>
+              </a:buClr>
+              <a:buFont typeface="Wingdings" pitchFamily="2" charset="2"/>
+              <a:buChar char="§"/>
+              <a:defRPr sz="1400" kern="1200">
+                <a:solidFill>
+                  <a:schemeClr val="tx1"/>
+                </a:solidFill>
+                <a:latin typeface="+mn-lt"/>
+                <a:ea typeface="Segoe UI" pitchFamily="34" charset="0"/>
+                <a:cs typeface="Segoe UI" pitchFamily="34" charset="0"/>
+              </a:defRPr>
+            </a:lvl4pPr>
+            <a:lvl5pPr marL="2057400" indent="-228600" algn="l" defTabSz="914400" rtl="0" eaLnBrk="1" latinLnBrk="0" hangingPunct="1">
+              <a:spcBef>
+                <a:spcPct val="20000"/>
+              </a:spcBef>
+              <a:buClr>
+                <a:srgbClr val="137CBE"/>
+              </a:buClr>
+              <a:buFont typeface="Wingdings" pitchFamily="2" charset="2"/>
+              <a:buChar char="§"/>
+              <a:defRPr sz="1400" kern="1200">
+                <a:solidFill>
+                  <a:schemeClr val="tx1"/>
+                </a:solidFill>
+                <a:latin typeface="+mn-lt"/>
+                <a:ea typeface="Segoe UI" pitchFamily="34" charset="0"/>
+                <a:cs typeface="Segoe UI" pitchFamily="34" charset="0"/>
+              </a:defRPr>
+            </a:lvl5pPr>
+            <a:lvl6pPr marL="2514600" indent="-228600" algn="l" defTabSz="914400" rtl="0" eaLnBrk="1" latinLnBrk="0" hangingPunct="1">
+              <a:spcBef>
+                <a:spcPct val="20000"/>
+              </a:spcBef>
+              <a:buFont typeface="Arial" pitchFamily="34" charset="0"/>
               <a:buChar char="•"/>
-            </a:pPr>
+              <a:defRPr sz="2000" kern="1200">
+                <a:solidFill>
+                  <a:schemeClr val="tx1"/>
+                </a:solidFill>
+                <a:latin typeface="+mn-lt"/>
+                <a:ea typeface="+mn-ea"/>
+                <a:cs typeface="+mn-cs"/>
+              </a:defRPr>
+            </a:lvl6pPr>
+            <a:lvl7pPr marL="2971800" indent="-228600" algn="l" defTabSz="914400" rtl="0" eaLnBrk="1" latinLnBrk="0" hangingPunct="1">
+              <a:spcBef>
+                <a:spcPct val="20000"/>
+              </a:spcBef>
+              <a:buFont typeface="Arial" pitchFamily="34" charset="0"/>
+              <a:buChar char="•"/>
+              <a:defRPr sz="2000" kern="1200">
+                <a:solidFill>
+                  <a:schemeClr val="tx1"/>
+                </a:solidFill>
+                <a:latin typeface="+mn-lt"/>
+                <a:ea typeface="+mn-ea"/>
+                <a:cs typeface="+mn-cs"/>
+              </a:defRPr>
+            </a:lvl7pPr>
+            <a:lvl8pPr marL="3429000" indent="-228600" algn="l" defTabSz="914400" rtl="0" eaLnBrk="1" latinLnBrk="0" hangingPunct="1">
+              <a:spcBef>
+                <a:spcPct val="20000"/>
+              </a:spcBef>
+              <a:buFont typeface="Arial" pitchFamily="34" charset="0"/>
+              <a:buChar char="•"/>
+              <a:defRPr sz="2000" kern="1200">
+                <a:solidFill>
+                  <a:schemeClr val="tx1"/>
+                </a:solidFill>
+                <a:latin typeface="+mn-lt"/>
+                <a:ea typeface="+mn-ea"/>
+                <a:cs typeface="+mn-cs"/>
+              </a:defRPr>
+            </a:lvl8pPr>
+            <a:lvl9pPr marL="3886200" indent="-228600" algn="l" defTabSz="914400" rtl="0" eaLnBrk="1" latinLnBrk="0" hangingPunct="1">
+              <a:spcBef>
+                <a:spcPct val="20000"/>
+              </a:spcBef>
+              <a:buFont typeface="Arial" pitchFamily="34" charset="0"/>
+              <a:buChar char="•"/>
+              <a:defRPr sz="2000" kern="1200">
+                <a:solidFill>
+                  <a:schemeClr val="tx1"/>
+                </a:solidFill>
+                <a:latin typeface="+mn-lt"/>
+                <a:ea typeface="+mn-ea"/>
+                <a:cs typeface="+mn-cs"/>
+              </a:defRPr>
+            </a:lvl9pPr>
+          </a:lstStyle>
+          <a:p>
             <a:r>
               <a:rPr lang="de-DE" dirty="0"/>
-              <a:t>Setup</a:t>
-            </a:r>
-          </a:p>
-          <a:p>
-            <a:pPr marL="285750" indent="-285750" algn="ctr">
-              <a:buFont typeface="Arial" panose="020B0604020202020204" pitchFamily="34" charset="0"/>
-              <a:buChar char="•"/>
-            </a:pPr>
+              <a:t>zweigeteilter Bildschirm für 2 Spieler</a:t>
+            </a:r>
+          </a:p>
+          <a:p>
             <a:r>
               <a:rPr lang="de-DE" dirty="0"/>
-              <a:t>Draw</a:t>
-            </a:r>
-          </a:p>
-          <a:p>
-            <a:pPr marL="285750" indent="-285750" algn="ctr">
-              <a:buFont typeface="Arial" panose="020B0604020202020204" pitchFamily="34" charset="0"/>
-              <a:buChar char="•"/>
-            </a:pPr>
+              <a:t>Steuerung über auswählbares (farbiges) Objekt vor der Kamera</a:t>
+            </a:r>
+          </a:p>
+          <a:p>
             <a:r>
               <a:rPr lang="de-DE" dirty="0"/>
-              <a:t>Pong Implementation</a:t>
-            </a:r>
-          </a:p>
-          <a:p>
-            <a:pPr marL="285750" indent="-285750" algn="ctr">
-              <a:buFont typeface="Arial" panose="020B0604020202020204" pitchFamily="34" charset="0"/>
-              <a:buChar char="•"/>
-            </a:pPr>
-            <a:endParaRPr lang="de-DE" dirty="0"/>
-          </a:p>
-        </p:txBody>
-      </p:sp>
-      <p:sp>
-        <p:nvSpPr>
-          <p:cNvPr id="6" name="Abgerundetes Rechteck 5">
-            <a:extLst>
-              <a:ext uri="{FF2B5EF4-FFF2-40B4-BE49-F238E27FC236}">
-                <a16:creationId xmlns:a16="http://schemas.microsoft.com/office/drawing/2014/main" id="{FB755024-D0FA-8D46-8721-74C591AB3EE0}"/>
-              </a:ext>
-            </a:extLst>
-          </p:cNvPr>
-          <p:cNvSpPr/>
-          <p:nvPr/>
-        </p:nvSpPr>
-        <p:spPr>
-          <a:xfrm>
-            <a:off x="4884018" y="2852936"/>
-            <a:ext cx="4032448" cy="2304256"/>
-          </a:xfrm>
-          <a:prstGeom prst="roundRect">
-            <a:avLst/>
-          </a:prstGeom>
-        </p:spPr>
-        <p:style>
-          <a:lnRef idx="2">
-            <a:schemeClr val="accent1">
-              <a:shade val="50000"/>
-            </a:schemeClr>
-          </a:lnRef>
-          <a:fillRef idx="1">
-            <a:schemeClr val="accent1"/>
-          </a:fillRef>
-          <a:effectRef idx="0">
-            <a:schemeClr val="accent1"/>
-          </a:effectRef>
-          <a:fontRef idx="minor">
-            <a:schemeClr val="lt1"/>
-          </a:fontRef>
-        </p:style>
-        <p:txBody>
-          <a:bodyPr rtlCol="0" anchor="ctr"/>
-          <a:lstStyle/>
-          <a:p>
-            <a:pPr algn="ctr"/>
-            <a:r>
-              <a:rPr lang="de-DE" sz="2800" dirty="0"/>
-              <a:t>Color Tracking Implementation</a:t>
-            </a:r>
-          </a:p>
-        </p:txBody>
-      </p:sp>
-      <p:cxnSp>
-        <p:nvCxnSpPr>
-          <p:cNvPr id="8" name="Gewinkelte Verbindung 7">
-            <a:extLst>
-              <a:ext uri="{FF2B5EF4-FFF2-40B4-BE49-F238E27FC236}">
-                <a16:creationId xmlns:a16="http://schemas.microsoft.com/office/drawing/2014/main" id="{6C50F440-0CBF-434C-A42B-80359356FEFB}"/>
-              </a:ext>
-            </a:extLst>
-          </p:cNvPr>
-          <p:cNvCxnSpPr>
-            <a:stCxn id="6" idx="0"/>
-          </p:cNvCxnSpPr>
-          <p:nvPr/>
-        </p:nvCxnSpPr>
-        <p:spPr>
-          <a:xfrm rot="16200000" flipV="1">
-            <a:off x="5268069" y="1220763"/>
-            <a:ext cx="792088" cy="2472258"/>
-          </a:xfrm>
-          <a:prstGeom prst="bentConnector2">
-            <a:avLst/>
-          </a:prstGeom>
-          <a:ln>
-            <a:headEnd type="arrow" w="med" len="med"/>
-            <a:tailEnd type="arrow" w="med" len="med"/>
-          </a:ln>
-        </p:spPr>
-        <p:style>
-          <a:lnRef idx="3">
-            <a:schemeClr val="accent1"/>
-          </a:lnRef>
-          <a:fillRef idx="0">
-            <a:schemeClr val="accent1"/>
-          </a:fillRef>
-          <a:effectRef idx="2">
-            <a:schemeClr val="accent1"/>
-          </a:effectRef>
-          <a:fontRef idx="minor">
-            <a:schemeClr val="tx1"/>
-          </a:fontRef>
-        </p:style>
-      </p:cxnSp>
+              <a:t>Hintergrund = Kamerabild</a:t>
+            </a:r>
+          </a:p>
+        </p:txBody>
+      </p:sp>
     </p:spTree>
     <p:extLst>
       <p:ext uri="{BB962C8B-B14F-4D97-AF65-F5344CB8AC3E}">
-        <p14:creationId xmlns:p14="http://schemas.microsoft.com/office/powerpoint/2010/main" val="7657933"/>
+        <p14:creationId xmlns:p14="http://schemas.microsoft.com/office/powerpoint/2010/main" val="4223649129"/>
       </p:ext>
     </p:extLst>
   </p:cSld>
@@ -2962,7 +3453,7 @@
           <a:p>
             <a:r>
               <a:rPr lang="de-DE" dirty="0"/>
-              <a:t>Color Tracking</a:t>
+              <a:t>Klassen Struktur</a:t>
             </a:r>
           </a:p>
         </p:txBody>
@@ -2981,8 +3472,8 @@
         </p:nvSpPr>
         <p:spPr>
           <a:xfrm>
-            <a:off x="4283968" y="1126568"/>
-            <a:ext cx="2232248" cy="956505"/>
+            <a:off x="395536" y="1536391"/>
+            <a:ext cx="4032448" cy="2304256"/>
           </a:xfrm>
           <a:prstGeom prst="roundRect">
             <a:avLst/>
@@ -3010,19 +3501,55 @@
           <a:p>
             <a:pPr algn="ctr"/>
             <a:r>
-              <a:rPr lang="de-DE" dirty="0" err="1"/>
-              <a:t>UpdateVideo</a:t>
-            </a:r>
+              <a:rPr lang="de-DE" sz="2800" dirty="0"/>
+              <a:t>Main</a:t>
+            </a:r>
+          </a:p>
+          <a:p>
+            <a:pPr marL="285750" indent="-285750" algn="ctr">
+              <a:buFont typeface="Arial" panose="020B0604020202020204" pitchFamily="34" charset="0"/>
+              <a:buChar char="•"/>
+            </a:pPr>
+            <a:r>
+              <a:rPr lang="de-DE" dirty="0"/>
+              <a:t>Setup</a:t>
+            </a:r>
+          </a:p>
+          <a:p>
+            <a:pPr marL="285750" indent="-285750" algn="ctr">
+              <a:buFont typeface="Arial" panose="020B0604020202020204" pitchFamily="34" charset="0"/>
+              <a:buChar char="•"/>
+            </a:pPr>
+            <a:r>
+              <a:rPr lang="de-DE" dirty="0"/>
+              <a:t>Draw</a:t>
+            </a:r>
+          </a:p>
+          <a:p>
+            <a:pPr marL="285750" indent="-285750" algn="ctr">
+              <a:buFont typeface="Arial" panose="020B0604020202020204" pitchFamily="34" charset="0"/>
+              <a:buChar char="•"/>
+            </a:pPr>
+            <a:r>
+              <a:rPr lang="de-DE" dirty="0"/>
+              <a:t>Pong Implementation</a:t>
+            </a:r>
+          </a:p>
+          <a:p>
+            <a:pPr marL="285750" indent="-285750" algn="ctr">
+              <a:buFont typeface="Arial" panose="020B0604020202020204" pitchFamily="34" charset="0"/>
+              <a:buChar char="•"/>
+            </a:pPr>
             <a:endParaRPr lang="de-DE" dirty="0"/>
           </a:p>
         </p:txBody>
       </p:sp>
       <p:sp>
         <p:nvSpPr>
-          <p:cNvPr id="7" name="Abgerundetes Rechteck 6">
-            <a:extLst>
-              <a:ext uri="{FF2B5EF4-FFF2-40B4-BE49-F238E27FC236}">
-                <a16:creationId xmlns:a16="http://schemas.microsoft.com/office/drawing/2014/main" id="{7FF67A48-16CC-2248-99E4-1FCD225F9FED}"/>
+          <p:cNvPr id="6" name="Abgerundetes Rechteck 5">
+            <a:extLst>
+              <a:ext uri="{FF2B5EF4-FFF2-40B4-BE49-F238E27FC236}">
+                <a16:creationId xmlns:a16="http://schemas.microsoft.com/office/drawing/2014/main" id="{FB755024-D0FA-8D46-8721-74C591AB3EE0}"/>
               </a:ext>
             </a:extLst>
           </p:cNvPr>
@@ -3031,8 +3558,8 @@
         </p:nvSpPr>
         <p:spPr>
           <a:xfrm>
-            <a:off x="2699792" y="2790895"/>
-            <a:ext cx="2232248" cy="956505"/>
+            <a:off x="4884018" y="2852936"/>
+            <a:ext cx="4032448" cy="2304256"/>
           </a:xfrm>
           <a:prstGeom prst="roundRect">
             <a:avLst/>
@@ -3060,467 +3587,37 @@
           <a:p>
             <a:pPr algn="ctr"/>
             <a:r>
-              <a:rPr lang="de-DE" dirty="0" err="1"/>
-              <a:t>CalculateAvrgLeft</a:t>
-            </a:r>
-            <a:endParaRPr lang="de-DE" dirty="0"/>
-          </a:p>
-        </p:txBody>
-      </p:sp>
-      <p:sp>
-        <p:nvSpPr>
-          <p:cNvPr id="9" name="Abgerundetes Rechteck 8">
-            <a:extLst>
-              <a:ext uri="{FF2B5EF4-FFF2-40B4-BE49-F238E27FC236}">
-                <a16:creationId xmlns:a16="http://schemas.microsoft.com/office/drawing/2014/main" id="{96ED2E7C-E771-5940-A7D1-4A924D42781B}"/>
-              </a:ext>
-            </a:extLst>
-          </p:cNvPr>
-          <p:cNvSpPr/>
-          <p:nvPr/>
-        </p:nvSpPr>
-        <p:spPr>
-          <a:xfrm>
-            <a:off x="6183179" y="2790895"/>
-            <a:ext cx="2232248" cy="956505"/>
-          </a:xfrm>
-          <a:prstGeom prst="roundRect">
-            <a:avLst/>
-          </a:prstGeom>
-        </p:spPr>
-        <p:style>
-          <a:lnRef idx="2">
-            <a:schemeClr val="accent1">
-              <a:shade val="50000"/>
-            </a:schemeClr>
-          </a:lnRef>
-          <a:fillRef idx="1">
-            <a:schemeClr val="accent1"/>
-          </a:fillRef>
-          <a:effectRef idx="0">
-            <a:schemeClr val="accent1"/>
-          </a:effectRef>
-          <a:fontRef idx="minor">
-            <a:schemeClr val="lt1"/>
-          </a:fontRef>
-        </p:style>
-        <p:txBody>
-          <a:bodyPr rtlCol="0" anchor="ctr"/>
-          <a:lstStyle/>
-          <a:p>
-            <a:pPr algn="ctr"/>
-            <a:r>
-              <a:rPr lang="de-DE" dirty="0" err="1"/>
-              <a:t>CalculateAvrgRight</a:t>
-            </a:r>
-            <a:endParaRPr lang="de-DE" dirty="0"/>
-          </a:p>
-        </p:txBody>
-      </p:sp>
-      <p:sp>
-        <p:nvSpPr>
-          <p:cNvPr id="10" name="Abgerundetes Rechteck 9">
-            <a:extLst>
-              <a:ext uri="{FF2B5EF4-FFF2-40B4-BE49-F238E27FC236}">
-                <a16:creationId xmlns:a16="http://schemas.microsoft.com/office/drawing/2014/main" id="{49E03186-EAC6-0C44-9A51-640517BE3B02}"/>
-              </a:ext>
-            </a:extLst>
-          </p:cNvPr>
-          <p:cNvSpPr/>
-          <p:nvPr/>
-        </p:nvSpPr>
-        <p:spPr>
-          <a:xfrm>
-            <a:off x="251474" y="1127967"/>
-            <a:ext cx="2232248" cy="956505"/>
-          </a:xfrm>
-          <a:prstGeom prst="roundRect">
-            <a:avLst/>
-          </a:prstGeom>
-        </p:spPr>
-        <p:style>
-          <a:lnRef idx="2">
-            <a:schemeClr val="accent1">
-              <a:shade val="50000"/>
-            </a:schemeClr>
-          </a:lnRef>
-          <a:fillRef idx="1">
-            <a:schemeClr val="accent1"/>
-          </a:fillRef>
-          <a:effectRef idx="0">
-            <a:schemeClr val="accent1"/>
-          </a:effectRef>
-          <a:fontRef idx="minor">
-            <a:schemeClr val="lt1"/>
-          </a:fontRef>
-        </p:style>
-        <p:txBody>
-          <a:bodyPr rtlCol="0" anchor="ctr"/>
-          <a:lstStyle/>
-          <a:p>
-            <a:pPr algn="ctr"/>
-            <a:r>
-              <a:rPr lang="de-DE" dirty="0" err="1"/>
-              <a:t>draw</a:t>
-            </a:r>
-            <a:endParaRPr lang="de-DE" dirty="0"/>
-          </a:p>
-        </p:txBody>
-      </p:sp>
-      <p:sp>
-        <p:nvSpPr>
-          <p:cNvPr id="2" name="Textfeld 1">
-            <a:extLst>
-              <a:ext uri="{FF2B5EF4-FFF2-40B4-BE49-F238E27FC236}">
-                <a16:creationId xmlns:a16="http://schemas.microsoft.com/office/drawing/2014/main" id="{C366E013-AE33-6A46-8419-AFFD540121D0}"/>
-              </a:ext>
-            </a:extLst>
-          </p:cNvPr>
-          <p:cNvSpPr txBox="1"/>
-          <p:nvPr/>
-        </p:nvSpPr>
-        <p:spPr>
-          <a:xfrm>
-            <a:off x="3275856" y="4311508"/>
-            <a:ext cx="1514524" cy="646331"/>
-          </a:xfrm>
-          <a:prstGeom prst="rect">
-            <a:avLst/>
-          </a:prstGeom>
-          <a:noFill/>
-        </p:spPr>
-        <p:txBody>
-          <a:bodyPr wrap="square" rtlCol="0">
-            <a:spAutoFit/>
-          </a:bodyPr>
-          <a:lstStyle/>
-          <a:p>
-            <a:r>
-              <a:rPr lang="de-DE" dirty="0" err="1"/>
-              <a:t>AvrgXLeft</a:t>
-            </a:r>
-            <a:endParaRPr lang="de-DE" dirty="0"/>
-          </a:p>
-          <a:p>
-            <a:r>
-              <a:rPr lang="de-DE" dirty="0" err="1"/>
-              <a:t>AvrgYleft</a:t>
-            </a:r>
-            <a:endParaRPr lang="de-DE" dirty="0"/>
-          </a:p>
-        </p:txBody>
-      </p:sp>
-      <p:sp>
-        <p:nvSpPr>
-          <p:cNvPr id="13" name="Textfeld 12">
-            <a:extLst>
-              <a:ext uri="{FF2B5EF4-FFF2-40B4-BE49-F238E27FC236}">
-                <a16:creationId xmlns:a16="http://schemas.microsoft.com/office/drawing/2014/main" id="{467941B9-F8F0-C34C-84CE-4CCA7F2CB522}"/>
-              </a:ext>
-            </a:extLst>
-          </p:cNvPr>
-          <p:cNvSpPr txBox="1"/>
-          <p:nvPr/>
-        </p:nvSpPr>
-        <p:spPr>
-          <a:xfrm>
-            <a:off x="6780567" y="4311507"/>
-            <a:ext cx="1514524" cy="646331"/>
-          </a:xfrm>
-          <a:prstGeom prst="rect">
-            <a:avLst/>
-          </a:prstGeom>
-          <a:noFill/>
-        </p:spPr>
-        <p:txBody>
-          <a:bodyPr wrap="square" rtlCol="0">
-            <a:spAutoFit/>
-          </a:bodyPr>
-          <a:lstStyle/>
-          <a:p>
-            <a:r>
-              <a:rPr lang="de-DE" dirty="0" err="1"/>
-              <a:t>AvrgXLeft</a:t>
-            </a:r>
-            <a:endParaRPr lang="de-DE" dirty="0"/>
-          </a:p>
-          <a:p>
-            <a:r>
-              <a:rPr lang="de-DE" dirty="0" err="1"/>
-              <a:t>AvrgYleft</a:t>
-            </a:r>
-            <a:endParaRPr lang="de-DE" dirty="0"/>
+              <a:rPr lang="de-DE" sz="2800" dirty="0"/>
+              <a:t>Color Tracking Implementation</a:t>
+            </a:r>
           </a:p>
         </p:txBody>
       </p:sp>
       <p:cxnSp>
         <p:nvCxnSpPr>
-          <p:cNvPr id="19" name="Gewinkelte Verbindung 18">
-            <a:extLst>
-              <a:ext uri="{FF2B5EF4-FFF2-40B4-BE49-F238E27FC236}">
-                <a16:creationId xmlns:a16="http://schemas.microsoft.com/office/drawing/2014/main" id="{B18CE037-1308-FE42-AE5A-08460A50667D}"/>
+          <p:cNvPr id="8" name="Gewinkelte Verbindung 7">
+            <a:extLst>
+              <a:ext uri="{FF2B5EF4-FFF2-40B4-BE49-F238E27FC236}">
+                <a16:creationId xmlns:a16="http://schemas.microsoft.com/office/drawing/2014/main" id="{6C50F440-0CBF-434C-A42B-80359356FEFB}"/>
               </a:ext>
             </a:extLst>
           </p:cNvPr>
           <p:cNvCxnSpPr>
-            <a:stCxn id="5" idx="2"/>
-            <a:endCxn id="7" idx="0"/>
+            <a:stCxn id="6" idx="0"/>
           </p:cNvCxnSpPr>
           <p:nvPr/>
         </p:nvCxnSpPr>
         <p:spPr>
-          <a:xfrm rot="5400000">
-            <a:off x="4254093" y="1644896"/>
-            <a:ext cx="707822" cy="1584176"/>
-          </a:xfrm>
-          <a:prstGeom prst="bentConnector3">
+          <a:xfrm rot="16200000" flipV="1">
+            <a:off x="5268069" y="1220763"/>
+            <a:ext cx="792088" cy="2472258"/>
+          </a:xfrm>
+          <a:prstGeom prst="bentConnector2">
             <a:avLst/>
           </a:prstGeom>
           <a:ln>
-            <a:tailEnd type="triangle"/>
-          </a:ln>
-        </p:spPr>
-        <p:style>
-          <a:lnRef idx="3">
-            <a:schemeClr val="accent1"/>
-          </a:lnRef>
-          <a:fillRef idx="0">
-            <a:schemeClr val="accent1"/>
-          </a:fillRef>
-          <a:effectRef idx="2">
-            <a:schemeClr val="accent1"/>
-          </a:effectRef>
-          <a:fontRef idx="minor">
-            <a:schemeClr val="tx1"/>
-          </a:fontRef>
-        </p:style>
-      </p:cxnSp>
-      <p:cxnSp>
-        <p:nvCxnSpPr>
-          <p:cNvPr id="21" name="Gewinkelte Verbindung 20">
-            <a:extLst>
-              <a:ext uri="{FF2B5EF4-FFF2-40B4-BE49-F238E27FC236}">
-                <a16:creationId xmlns:a16="http://schemas.microsoft.com/office/drawing/2014/main" id="{47049A8B-E7ED-C247-B38E-CE1282091F96}"/>
-              </a:ext>
-            </a:extLst>
-          </p:cNvPr>
-          <p:cNvCxnSpPr>
-            <a:stCxn id="5" idx="2"/>
-            <a:endCxn id="9" idx="0"/>
-          </p:cNvCxnSpPr>
-          <p:nvPr/>
-        </p:nvCxnSpPr>
-        <p:spPr>
-          <a:xfrm rot="16200000" flipH="1">
-            <a:off x="5995786" y="1487378"/>
-            <a:ext cx="707822" cy="1899211"/>
-          </a:xfrm>
-          <a:prstGeom prst="bentConnector3">
-            <a:avLst/>
-          </a:prstGeom>
-          <a:ln>
-            <a:tailEnd type="triangle"/>
-          </a:ln>
-        </p:spPr>
-        <p:style>
-          <a:lnRef idx="3">
-            <a:schemeClr val="accent1"/>
-          </a:lnRef>
-          <a:fillRef idx="0">
-            <a:schemeClr val="accent1"/>
-          </a:fillRef>
-          <a:effectRef idx="2">
-            <a:schemeClr val="accent1"/>
-          </a:effectRef>
-          <a:fontRef idx="minor">
-            <a:schemeClr val="tx1"/>
-          </a:fontRef>
-        </p:style>
-      </p:cxnSp>
-      <p:cxnSp>
-        <p:nvCxnSpPr>
-          <p:cNvPr id="26" name="Gerade Verbindung mit Pfeil 25">
-            <a:extLst>
-              <a:ext uri="{FF2B5EF4-FFF2-40B4-BE49-F238E27FC236}">
-                <a16:creationId xmlns:a16="http://schemas.microsoft.com/office/drawing/2014/main" id="{B3D39C90-BFC5-F840-B946-C3DEF1C490ED}"/>
-              </a:ext>
-            </a:extLst>
-          </p:cNvPr>
-          <p:cNvCxnSpPr>
-            <a:stCxn id="7" idx="2"/>
-          </p:cNvCxnSpPr>
-          <p:nvPr/>
-        </p:nvCxnSpPr>
-        <p:spPr>
-          <a:xfrm>
-            <a:off x="3815916" y="3747400"/>
-            <a:ext cx="0" cy="564107"/>
-          </a:xfrm>
-          <a:prstGeom prst="straightConnector1">
-            <a:avLst/>
-          </a:prstGeom>
-          <a:ln>
-            <a:tailEnd type="triangle"/>
-          </a:ln>
-        </p:spPr>
-        <p:style>
-          <a:lnRef idx="3">
-            <a:schemeClr val="accent1"/>
-          </a:lnRef>
-          <a:fillRef idx="0">
-            <a:schemeClr val="accent1"/>
-          </a:fillRef>
-          <a:effectRef idx="2">
-            <a:schemeClr val="accent1"/>
-          </a:effectRef>
-          <a:fontRef idx="minor">
-            <a:schemeClr val="tx1"/>
-          </a:fontRef>
-        </p:style>
-      </p:cxnSp>
-      <p:cxnSp>
-        <p:nvCxnSpPr>
-          <p:cNvPr id="28" name="Gerade Verbindung mit Pfeil 27">
-            <a:extLst>
-              <a:ext uri="{FF2B5EF4-FFF2-40B4-BE49-F238E27FC236}">
-                <a16:creationId xmlns:a16="http://schemas.microsoft.com/office/drawing/2014/main" id="{D51EBE71-4106-6F42-85E9-757BEFAA35F4}"/>
-              </a:ext>
-            </a:extLst>
-          </p:cNvPr>
-          <p:cNvCxnSpPr>
-            <a:stCxn id="9" idx="2"/>
-          </p:cNvCxnSpPr>
-          <p:nvPr/>
-        </p:nvCxnSpPr>
-        <p:spPr>
-          <a:xfrm>
-            <a:off x="7299303" y="3747400"/>
-            <a:ext cx="9001" cy="564107"/>
-          </a:xfrm>
-          <a:prstGeom prst="straightConnector1">
-            <a:avLst/>
-          </a:prstGeom>
-          <a:ln>
-            <a:tailEnd type="triangle"/>
-          </a:ln>
-        </p:spPr>
-        <p:style>
-          <a:lnRef idx="3">
-            <a:schemeClr val="accent1"/>
-          </a:lnRef>
-          <a:fillRef idx="0">
-            <a:schemeClr val="accent1"/>
-          </a:fillRef>
-          <a:effectRef idx="2">
-            <a:schemeClr val="accent1"/>
-          </a:effectRef>
-          <a:fontRef idx="minor">
-            <a:schemeClr val="tx1"/>
-          </a:fontRef>
-        </p:style>
-      </p:cxnSp>
-      <p:cxnSp>
-        <p:nvCxnSpPr>
-          <p:cNvPr id="33" name="Gewinkelte Verbindung 32">
-            <a:extLst>
-              <a:ext uri="{FF2B5EF4-FFF2-40B4-BE49-F238E27FC236}">
-                <a16:creationId xmlns:a16="http://schemas.microsoft.com/office/drawing/2014/main" id="{C19F0BD6-5E42-2744-8B58-3D7135D71E73}"/>
-              </a:ext>
-            </a:extLst>
-          </p:cNvPr>
-          <p:cNvCxnSpPr>
-            <a:stCxn id="13" idx="2"/>
-          </p:cNvCxnSpPr>
-          <p:nvPr/>
-        </p:nvCxnSpPr>
-        <p:spPr>
-          <a:xfrm rot="5400000">
-            <a:off x="3794998" y="1990425"/>
-            <a:ext cx="775418" cy="6710245"/>
-          </a:xfrm>
-          <a:prstGeom prst="bentConnector2">
-            <a:avLst/>
-          </a:prstGeom>
-          <a:ln>
-            <a:tailEnd type="triangle"/>
-          </a:ln>
-        </p:spPr>
-        <p:style>
-          <a:lnRef idx="3">
-            <a:schemeClr val="accent1"/>
-          </a:lnRef>
-          <a:fillRef idx="0">
-            <a:schemeClr val="accent1"/>
-          </a:fillRef>
-          <a:effectRef idx="2">
-            <a:schemeClr val="accent1"/>
-          </a:effectRef>
-          <a:fontRef idx="minor">
-            <a:schemeClr val="tx1"/>
-          </a:fontRef>
-        </p:style>
-      </p:cxnSp>
-      <p:cxnSp>
-        <p:nvCxnSpPr>
-          <p:cNvPr id="35" name="Gerade Verbindung 34">
-            <a:extLst>
-              <a:ext uri="{FF2B5EF4-FFF2-40B4-BE49-F238E27FC236}">
-                <a16:creationId xmlns:a16="http://schemas.microsoft.com/office/drawing/2014/main" id="{2FDC609C-1A34-F542-8084-62526DFDA5C2}"/>
-              </a:ext>
-            </a:extLst>
-          </p:cNvPr>
-          <p:cNvCxnSpPr/>
-          <p:nvPr/>
-        </p:nvCxnSpPr>
-        <p:spPr>
-          <a:xfrm>
-            <a:off x="3815916" y="4957838"/>
-            <a:ext cx="0" cy="772195"/>
-          </a:xfrm>
-          <a:prstGeom prst="line">
-            <a:avLst/>
-          </a:prstGeom>
-        </p:spPr>
-        <p:style>
-          <a:lnRef idx="3">
-            <a:schemeClr val="accent1"/>
-          </a:lnRef>
-          <a:fillRef idx="0">
-            <a:schemeClr val="accent1"/>
-          </a:fillRef>
-          <a:effectRef idx="2">
-            <a:schemeClr val="accent1"/>
-          </a:effectRef>
-          <a:fontRef idx="minor">
-            <a:schemeClr val="tx1"/>
-          </a:fontRef>
-        </p:style>
-      </p:cxnSp>
-      <p:cxnSp>
-        <p:nvCxnSpPr>
-          <p:cNvPr id="37" name="Gerade Verbindung mit Pfeil 36">
-            <a:extLst>
-              <a:ext uri="{FF2B5EF4-FFF2-40B4-BE49-F238E27FC236}">
-                <a16:creationId xmlns:a16="http://schemas.microsoft.com/office/drawing/2014/main" id="{C785965B-95B0-874F-B758-C1505F5F5825}"/>
-              </a:ext>
-            </a:extLst>
-          </p:cNvPr>
-          <p:cNvCxnSpPr>
-            <a:stCxn id="10" idx="3"/>
-            <a:endCxn id="5" idx="1"/>
-          </p:cNvCxnSpPr>
-          <p:nvPr/>
-        </p:nvCxnSpPr>
-        <p:spPr>
-          <a:xfrm flipV="1">
-            <a:off x="2483722" y="1604821"/>
-            <a:ext cx="1800246" cy="1399"/>
-          </a:xfrm>
-          <a:prstGeom prst="straightConnector1">
-            <a:avLst/>
-          </a:prstGeom>
-          <a:ln>
-            <a:tailEnd type="triangle"/>
+            <a:headEnd type="arrow" w="med" len="med"/>
+            <a:tailEnd type="arrow" w="med" len="med"/>
           </a:ln>
         </p:spPr>
         <p:style>
@@ -3541,7 +3638,7 @@
     </p:spTree>
     <p:extLst>
       <p:ext uri="{BB962C8B-B14F-4D97-AF65-F5344CB8AC3E}">
-        <p14:creationId xmlns:p14="http://schemas.microsoft.com/office/powerpoint/2010/main" val="4196180933"/>
+        <p14:creationId xmlns:p14="http://schemas.microsoft.com/office/powerpoint/2010/main" val="7657933"/>
       </p:ext>
     </p:extLst>
   </p:cSld>
@@ -4197,56 +4294,10 @@
           </a:fontRef>
         </p:style>
       </p:cxnSp>
-      <p:pic>
-        <p:nvPicPr>
-          <p:cNvPr id="8" name="Grafik 7">
-            <a:extLst>
-              <a:ext uri="{FF2B5EF4-FFF2-40B4-BE49-F238E27FC236}">
-                <a16:creationId xmlns:a16="http://schemas.microsoft.com/office/drawing/2014/main" id="{DEC6F43B-4FF2-6D4B-B7DD-FAC96E1D5917}"/>
-              </a:ext>
-            </a:extLst>
-          </p:cNvPr>
-          <p:cNvPicPr>
-            <a:picLocks noChangeAspect="1"/>
-          </p:cNvPicPr>
-          <p:nvPr/>
-        </p:nvPicPr>
-        <p:blipFill>
-          <a:blip r:embed="rId3">
-            <a:extLst>
-              <a:ext uri="{28A0092B-C50C-407E-A947-70E740481C1C}">
-                <a14:useLocalDpi xmlns:a14="http://schemas.microsoft.com/office/drawing/2010/main" val="0"/>
-              </a:ext>
-            </a:extLst>
-          </a:blip>
-          <a:stretch>
-            <a:fillRect/>
-          </a:stretch>
-        </p:blipFill>
-        <p:spPr>
-          <a:xfrm>
-            <a:off x="1812115" y="119975"/>
-            <a:ext cx="5323587" cy="6618050"/>
-          </a:xfrm>
-          <a:prstGeom prst="rect">
-            <a:avLst/>
-          </a:prstGeom>
-          <a:ln>
-            <a:noFill/>
-          </a:ln>
-          <a:effectLst>
-            <a:outerShdw blurRad="292100" dist="139700" dir="2700000" algn="tl" rotWithShape="0">
-              <a:srgbClr val="333333">
-                <a:alpha val="65000"/>
-              </a:srgbClr>
-            </a:outerShdw>
-          </a:effectLst>
-        </p:spPr>
-      </p:pic>
     </p:spTree>
     <p:extLst>
       <p:ext uri="{BB962C8B-B14F-4D97-AF65-F5344CB8AC3E}">
-        <p14:creationId xmlns:p14="http://schemas.microsoft.com/office/powerpoint/2010/main" val="3096992655"/>
+        <p14:creationId xmlns:p14="http://schemas.microsoft.com/office/powerpoint/2010/main" val="4196180933"/>
       </p:ext>
     </p:extLst>
   </p:cSld>
@@ -4568,7 +4619,7 @@
           <a:p>
             <a:r>
               <a:rPr lang="de-DE" dirty="0" err="1"/>
-              <a:t>AvrgYLeft</a:t>
+              <a:t>AvrgYleft</a:t>
             </a:r>
             <a:endParaRPr lang="de-DE" dirty="0"/>
           </a:p>
@@ -4604,14 +4655,14 @@
           <a:p>
             <a:r>
               <a:rPr lang="de-DE" dirty="0" err="1"/>
-              <a:t>AvrgXRight</a:t>
+              <a:t>AvrgXLeft</a:t>
             </a:r>
             <a:endParaRPr lang="de-DE" dirty="0"/>
           </a:p>
           <a:p>
             <a:r>
               <a:rPr lang="de-DE" dirty="0" err="1"/>
-              <a:t>AvrgYRight</a:t>
+              <a:t>AvrgYleft</a:t>
             </a:r>
             <a:endParaRPr lang="de-DE" dirty="0"/>
           </a:p>
@@ -4907,7 +4958,7 @@
           <p:cNvPr id="8" name="Grafik 7">
             <a:extLst>
               <a:ext uri="{FF2B5EF4-FFF2-40B4-BE49-F238E27FC236}">
-                <a16:creationId xmlns:a16="http://schemas.microsoft.com/office/drawing/2014/main" id="{C21D9661-1379-2243-B384-089200DC77CC}"/>
+                <a16:creationId xmlns:a16="http://schemas.microsoft.com/office/drawing/2014/main" id="{DEC6F43B-4FF2-6D4B-B7DD-FAC96E1D5917}"/>
               </a:ext>
             </a:extLst>
           </p:cNvPr>
@@ -4930,8 +4981,8 @@
         </p:blipFill>
         <p:spPr>
           <a:xfrm>
-            <a:off x="533400" y="2965450"/>
-            <a:ext cx="8077200" cy="927100"/>
+            <a:off x="1812115" y="119975"/>
+            <a:ext cx="5323587" cy="6618050"/>
           </a:xfrm>
           <a:prstGeom prst="rect">
             <a:avLst/>
@@ -4951,7 +5002,7 @@
     </p:spTree>
     <p:extLst>
       <p:ext uri="{BB962C8B-B14F-4D97-AF65-F5344CB8AC3E}">
-        <p14:creationId xmlns:p14="http://schemas.microsoft.com/office/powerpoint/2010/main" val="3004307711"/>
+        <p14:creationId xmlns:p14="http://schemas.microsoft.com/office/powerpoint/2010/main" val="3096992655"/>
       </p:ext>
     </p:extLst>
   </p:cSld>
@@ -5003,6 +5054,711 @@
               <a:rPr lang="de-DE" smtClean="0"/>
               <a:pPr/>
               <a:t>6</a:t>
+            </a:fld>
+            <a:endParaRPr lang="de-DE" dirty="0"/>
+          </a:p>
+        </p:txBody>
+      </p:sp>
+      <p:sp>
+        <p:nvSpPr>
+          <p:cNvPr id="4" name="Title 3">
+            <a:extLst>
+              <a:ext uri="{FF2B5EF4-FFF2-40B4-BE49-F238E27FC236}">
+                <a16:creationId xmlns:a16="http://schemas.microsoft.com/office/drawing/2014/main" id="{ECAB825E-D1BC-474A-9BA0-2F75805A952D}"/>
+              </a:ext>
+            </a:extLst>
+          </p:cNvPr>
+          <p:cNvSpPr>
+            <a:spLocks noGrp="1"/>
+          </p:cNvSpPr>
+          <p:nvPr>
+            <p:ph type="title"/>
+          </p:nvPr>
+        </p:nvSpPr>
+        <p:spPr/>
+        <p:txBody>
+          <a:bodyPr/>
+          <a:lstStyle/>
+          <a:p>
+            <a:r>
+              <a:rPr lang="de-DE" dirty="0"/>
+              <a:t>Color Tracking</a:t>
+            </a:r>
+          </a:p>
+        </p:txBody>
+      </p:sp>
+      <p:sp>
+        <p:nvSpPr>
+          <p:cNvPr id="5" name="Abgerundetes Rechteck 4">
+            <a:extLst>
+              <a:ext uri="{FF2B5EF4-FFF2-40B4-BE49-F238E27FC236}">
+                <a16:creationId xmlns:a16="http://schemas.microsoft.com/office/drawing/2014/main" id="{BCCD28ED-299E-6A4B-BBDF-BEA545C267A7}"/>
+              </a:ext>
+            </a:extLst>
+          </p:cNvPr>
+          <p:cNvSpPr/>
+          <p:nvPr/>
+        </p:nvSpPr>
+        <p:spPr>
+          <a:xfrm>
+            <a:off x="4283968" y="1126568"/>
+            <a:ext cx="2232248" cy="956505"/>
+          </a:xfrm>
+          <a:prstGeom prst="roundRect">
+            <a:avLst/>
+          </a:prstGeom>
+        </p:spPr>
+        <p:style>
+          <a:lnRef idx="2">
+            <a:schemeClr val="accent1">
+              <a:shade val="50000"/>
+            </a:schemeClr>
+          </a:lnRef>
+          <a:fillRef idx="1">
+            <a:schemeClr val="accent1"/>
+          </a:fillRef>
+          <a:effectRef idx="0">
+            <a:schemeClr val="accent1"/>
+          </a:effectRef>
+          <a:fontRef idx="minor">
+            <a:schemeClr val="lt1"/>
+          </a:fontRef>
+        </p:style>
+        <p:txBody>
+          <a:bodyPr rtlCol="0" anchor="ctr"/>
+          <a:lstStyle/>
+          <a:p>
+            <a:pPr algn="ctr"/>
+            <a:r>
+              <a:rPr lang="de-DE" dirty="0" err="1"/>
+              <a:t>UpdateVideo</a:t>
+            </a:r>
+            <a:endParaRPr lang="de-DE" dirty="0"/>
+          </a:p>
+        </p:txBody>
+      </p:sp>
+      <p:sp>
+        <p:nvSpPr>
+          <p:cNvPr id="7" name="Abgerundetes Rechteck 6">
+            <a:extLst>
+              <a:ext uri="{FF2B5EF4-FFF2-40B4-BE49-F238E27FC236}">
+                <a16:creationId xmlns:a16="http://schemas.microsoft.com/office/drawing/2014/main" id="{7FF67A48-16CC-2248-99E4-1FCD225F9FED}"/>
+              </a:ext>
+            </a:extLst>
+          </p:cNvPr>
+          <p:cNvSpPr/>
+          <p:nvPr/>
+        </p:nvSpPr>
+        <p:spPr>
+          <a:xfrm>
+            <a:off x="2699792" y="2790895"/>
+            <a:ext cx="2232248" cy="956505"/>
+          </a:xfrm>
+          <a:prstGeom prst="roundRect">
+            <a:avLst/>
+          </a:prstGeom>
+        </p:spPr>
+        <p:style>
+          <a:lnRef idx="2">
+            <a:schemeClr val="accent1">
+              <a:shade val="50000"/>
+            </a:schemeClr>
+          </a:lnRef>
+          <a:fillRef idx="1">
+            <a:schemeClr val="accent1"/>
+          </a:fillRef>
+          <a:effectRef idx="0">
+            <a:schemeClr val="accent1"/>
+          </a:effectRef>
+          <a:fontRef idx="minor">
+            <a:schemeClr val="lt1"/>
+          </a:fontRef>
+        </p:style>
+        <p:txBody>
+          <a:bodyPr rtlCol="0" anchor="ctr"/>
+          <a:lstStyle/>
+          <a:p>
+            <a:pPr algn="ctr"/>
+            <a:r>
+              <a:rPr lang="de-DE" dirty="0" err="1"/>
+              <a:t>CalculateAvrgLeft</a:t>
+            </a:r>
+            <a:endParaRPr lang="de-DE" dirty="0"/>
+          </a:p>
+        </p:txBody>
+      </p:sp>
+      <p:sp>
+        <p:nvSpPr>
+          <p:cNvPr id="9" name="Abgerundetes Rechteck 8">
+            <a:extLst>
+              <a:ext uri="{FF2B5EF4-FFF2-40B4-BE49-F238E27FC236}">
+                <a16:creationId xmlns:a16="http://schemas.microsoft.com/office/drawing/2014/main" id="{96ED2E7C-E771-5940-A7D1-4A924D42781B}"/>
+              </a:ext>
+            </a:extLst>
+          </p:cNvPr>
+          <p:cNvSpPr/>
+          <p:nvPr/>
+        </p:nvSpPr>
+        <p:spPr>
+          <a:xfrm>
+            <a:off x="6183179" y="2790895"/>
+            <a:ext cx="2232248" cy="956505"/>
+          </a:xfrm>
+          <a:prstGeom prst="roundRect">
+            <a:avLst/>
+          </a:prstGeom>
+        </p:spPr>
+        <p:style>
+          <a:lnRef idx="2">
+            <a:schemeClr val="accent1">
+              <a:shade val="50000"/>
+            </a:schemeClr>
+          </a:lnRef>
+          <a:fillRef idx="1">
+            <a:schemeClr val="accent1"/>
+          </a:fillRef>
+          <a:effectRef idx="0">
+            <a:schemeClr val="accent1"/>
+          </a:effectRef>
+          <a:fontRef idx="minor">
+            <a:schemeClr val="lt1"/>
+          </a:fontRef>
+        </p:style>
+        <p:txBody>
+          <a:bodyPr rtlCol="0" anchor="ctr"/>
+          <a:lstStyle/>
+          <a:p>
+            <a:pPr algn="ctr"/>
+            <a:r>
+              <a:rPr lang="de-DE" dirty="0" err="1"/>
+              <a:t>CalculateAvrgRight</a:t>
+            </a:r>
+            <a:endParaRPr lang="de-DE" dirty="0"/>
+          </a:p>
+        </p:txBody>
+      </p:sp>
+      <p:sp>
+        <p:nvSpPr>
+          <p:cNvPr id="10" name="Abgerundetes Rechteck 9">
+            <a:extLst>
+              <a:ext uri="{FF2B5EF4-FFF2-40B4-BE49-F238E27FC236}">
+                <a16:creationId xmlns:a16="http://schemas.microsoft.com/office/drawing/2014/main" id="{49E03186-EAC6-0C44-9A51-640517BE3B02}"/>
+              </a:ext>
+            </a:extLst>
+          </p:cNvPr>
+          <p:cNvSpPr/>
+          <p:nvPr/>
+        </p:nvSpPr>
+        <p:spPr>
+          <a:xfrm>
+            <a:off x="251474" y="1127967"/>
+            <a:ext cx="2232248" cy="956505"/>
+          </a:xfrm>
+          <a:prstGeom prst="roundRect">
+            <a:avLst/>
+          </a:prstGeom>
+        </p:spPr>
+        <p:style>
+          <a:lnRef idx="2">
+            <a:schemeClr val="accent1">
+              <a:shade val="50000"/>
+            </a:schemeClr>
+          </a:lnRef>
+          <a:fillRef idx="1">
+            <a:schemeClr val="accent1"/>
+          </a:fillRef>
+          <a:effectRef idx="0">
+            <a:schemeClr val="accent1"/>
+          </a:effectRef>
+          <a:fontRef idx="minor">
+            <a:schemeClr val="lt1"/>
+          </a:fontRef>
+        </p:style>
+        <p:txBody>
+          <a:bodyPr rtlCol="0" anchor="ctr"/>
+          <a:lstStyle/>
+          <a:p>
+            <a:pPr algn="ctr"/>
+            <a:r>
+              <a:rPr lang="de-DE" dirty="0" err="1"/>
+              <a:t>draw</a:t>
+            </a:r>
+            <a:endParaRPr lang="de-DE" dirty="0"/>
+          </a:p>
+        </p:txBody>
+      </p:sp>
+      <p:sp>
+        <p:nvSpPr>
+          <p:cNvPr id="2" name="Textfeld 1">
+            <a:extLst>
+              <a:ext uri="{FF2B5EF4-FFF2-40B4-BE49-F238E27FC236}">
+                <a16:creationId xmlns:a16="http://schemas.microsoft.com/office/drawing/2014/main" id="{C366E013-AE33-6A46-8419-AFFD540121D0}"/>
+              </a:ext>
+            </a:extLst>
+          </p:cNvPr>
+          <p:cNvSpPr txBox="1"/>
+          <p:nvPr/>
+        </p:nvSpPr>
+        <p:spPr>
+          <a:xfrm>
+            <a:off x="3275856" y="4311508"/>
+            <a:ext cx="1514524" cy="646331"/>
+          </a:xfrm>
+          <a:prstGeom prst="rect">
+            <a:avLst/>
+          </a:prstGeom>
+          <a:noFill/>
+        </p:spPr>
+        <p:txBody>
+          <a:bodyPr wrap="square" rtlCol="0">
+            <a:spAutoFit/>
+          </a:bodyPr>
+          <a:lstStyle/>
+          <a:p>
+            <a:r>
+              <a:rPr lang="de-DE" dirty="0" err="1"/>
+              <a:t>AvrgXLeft</a:t>
+            </a:r>
+            <a:endParaRPr lang="de-DE" dirty="0"/>
+          </a:p>
+          <a:p>
+            <a:r>
+              <a:rPr lang="de-DE" dirty="0" err="1"/>
+              <a:t>AvrgYLeft</a:t>
+            </a:r>
+            <a:endParaRPr lang="de-DE" dirty="0"/>
+          </a:p>
+        </p:txBody>
+      </p:sp>
+      <p:sp>
+        <p:nvSpPr>
+          <p:cNvPr id="13" name="Textfeld 12">
+            <a:extLst>
+              <a:ext uri="{FF2B5EF4-FFF2-40B4-BE49-F238E27FC236}">
+                <a16:creationId xmlns:a16="http://schemas.microsoft.com/office/drawing/2014/main" id="{467941B9-F8F0-C34C-84CE-4CCA7F2CB522}"/>
+              </a:ext>
+            </a:extLst>
+          </p:cNvPr>
+          <p:cNvSpPr txBox="1"/>
+          <p:nvPr/>
+        </p:nvSpPr>
+        <p:spPr>
+          <a:xfrm>
+            <a:off x="6780567" y="4311507"/>
+            <a:ext cx="1514524" cy="646331"/>
+          </a:xfrm>
+          <a:prstGeom prst="rect">
+            <a:avLst/>
+          </a:prstGeom>
+          <a:noFill/>
+        </p:spPr>
+        <p:txBody>
+          <a:bodyPr wrap="square" rtlCol="0">
+            <a:spAutoFit/>
+          </a:bodyPr>
+          <a:lstStyle/>
+          <a:p>
+            <a:r>
+              <a:rPr lang="de-DE" dirty="0" err="1"/>
+              <a:t>AvrgXRight</a:t>
+            </a:r>
+            <a:endParaRPr lang="de-DE" dirty="0"/>
+          </a:p>
+          <a:p>
+            <a:r>
+              <a:rPr lang="de-DE" dirty="0" err="1"/>
+              <a:t>AvrgYRight</a:t>
+            </a:r>
+            <a:endParaRPr lang="de-DE" dirty="0"/>
+          </a:p>
+        </p:txBody>
+      </p:sp>
+      <p:cxnSp>
+        <p:nvCxnSpPr>
+          <p:cNvPr id="19" name="Gewinkelte Verbindung 18">
+            <a:extLst>
+              <a:ext uri="{FF2B5EF4-FFF2-40B4-BE49-F238E27FC236}">
+                <a16:creationId xmlns:a16="http://schemas.microsoft.com/office/drawing/2014/main" id="{B18CE037-1308-FE42-AE5A-08460A50667D}"/>
+              </a:ext>
+            </a:extLst>
+          </p:cNvPr>
+          <p:cNvCxnSpPr>
+            <a:stCxn id="5" idx="2"/>
+            <a:endCxn id="7" idx="0"/>
+          </p:cNvCxnSpPr>
+          <p:nvPr/>
+        </p:nvCxnSpPr>
+        <p:spPr>
+          <a:xfrm rot="5400000">
+            <a:off x="4254093" y="1644896"/>
+            <a:ext cx="707822" cy="1584176"/>
+          </a:xfrm>
+          <a:prstGeom prst="bentConnector3">
+            <a:avLst/>
+          </a:prstGeom>
+          <a:ln>
+            <a:tailEnd type="triangle"/>
+          </a:ln>
+        </p:spPr>
+        <p:style>
+          <a:lnRef idx="3">
+            <a:schemeClr val="accent1"/>
+          </a:lnRef>
+          <a:fillRef idx="0">
+            <a:schemeClr val="accent1"/>
+          </a:fillRef>
+          <a:effectRef idx="2">
+            <a:schemeClr val="accent1"/>
+          </a:effectRef>
+          <a:fontRef idx="minor">
+            <a:schemeClr val="tx1"/>
+          </a:fontRef>
+        </p:style>
+      </p:cxnSp>
+      <p:cxnSp>
+        <p:nvCxnSpPr>
+          <p:cNvPr id="21" name="Gewinkelte Verbindung 20">
+            <a:extLst>
+              <a:ext uri="{FF2B5EF4-FFF2-40B4-BE49-F238E27FC236}">
+                <a16:creationId xmlns:a16="http://schemas.microsoft.com/office/drawing/2014/main" id="{47049A8B-E7ED-C247-B38E-CE1282091F96}"/>
+              </a:ext>
+            </a:extLst>
+          </p:cNvPr>
+          <p:cNvCxnSpPr>
+            <a:stCxn id="5" idx="2"/>
+            <a:endCxn id="9" idx="0"/>
+          </p:cNvCxnSpPr>
+          <p:nvPr/>
+        </p:nvCxnSpPr>
+        <p:spPr>
+          <a:xfrm rot="16200000" flipH="1">
+            <a:off x="5995786" y="1487378"/>
+            <a:ext cx="707822" cy="1899211"/>
+          </a:xfrm>
+          <a:prstGeom prst="bentConnector3">
+            <a:avLst/>
+          </a:prstGeom>
+          <a:ln>
+            <a:tailEnd type="triangle"/>
+          </a:ln>
+        </p:spPr>
+        <p:style>
+          <a:lnRef idx="3">
+            <a:schemeClr val="accent1"/>
+          </a:lnRef>
+          <a:fillRef idx="0">
+            <a:schemeClr val="accent1"/>
+          </a:fillRef>
+          <a:effectRef idx="2">
+            <a:schemeClr val="accent1"/>
+          </a:effectRef>
+          <a:fontRef idx="minor">
+            <a:schemeClr val="tx1"/>
+          </a:fontRef>
+        </p:style>
+      </p:cxnSp>
+      <p:cxnSp>
+        <p:nvCxnSpPr>
+          <p:cNvPr id="26" name="Gerade Verbindung mit Pfeil 25">
+            <a:extLst>
+              <a:ext uri="{FF2B5EF4-FFF2-40B4-BE49-F238E27FC236}">
+                <a16:creationId xmlns:a16="http://schemas.microsoft.com/office/drawing/2014/main" id="{B3D39C90-BFC5-F840-B946-C3DEF1C490ED}"/>
+              </a:ext>
+            </a:extLst>
+          </p:cNvPr>
+          <p:cNvCxnSpPr>
+            <a:stCxn id="7" idx="2"/>
+          </p:cNvCxnSpPr>
+          <p:nvPr/>
+        </p:nvCxnSpPr>
+        <p:spPr>
+          <a:xfrm>
+            <a:off x="3815916" y="3747400"/>
+            <a:ext cx="0" cy="564107"/>
+          </a:xfrm>
+          <a:prstGeom prst="straightConnector1">
+            <a:avLst/>
+          </a:prstGeom>
+          <a:ln>
+            <a:tailEnd type="triangle"/>
+          </a:ln>
+        </p:spPr>
+        <p:style>
+          <a:lnRef idx="3">
+            <a:schemeClr val="accent1"/>
+          </a:lnRef>
+          <a:fillRef idx="0">
+            <a:schemeClr val="accent1"/>
+          </a:fillRef>
+          <a:effectRef idx="2">
+            <a:schemeClr val="accent1"/>
+          </a:effectRef>
+          <a:fontRef idx="minor">
+            <a:schemeClr val="tx1"/>
+          </a:fontRef>
+        </p:style>
+      </p:cxnSp>
+      <p:cxnSp>
+        <p:nvCxnSpPr>
+          <p:cNvPr id="28" name="Gerade Verbindung mit Pfeil 27">
+            <a:extLst>
+              <a:ext uri="{FF2B5EF4-FFF2-40B4-BE49-F238E27FC236}">
+                <a16:creationId xmlns:a16="http://schemas.microsoft.com/office/drawing/2014/main" id="{D51EBE71-4106-6F42-85E9-757BEFAA35F4}"/>
+              </a:ext>
+            </a:extLst>
+          </p:cNvPr>
+          <p:cNvCxnSpPr>
+            <a:stCxn id="9" idx="2"/>
+          </p:cNvCxnSpPr>
+          <p:nvPr/>
+        </p:nvCxnSpPr>
+        <p:spPr>
+          <a:xfrm>
+            <a:off x="7299303" y="3747400"/>
+            <a:ext cx="9001" cy="564107"/>
+          </a:xfrm>
+          <a:prstGeom prst="straightConnector1">
+            <a:avLst/>
+          </a:prstGeom>
+          <a:ln>
+            <a:tailEnd type="triangle"/>
+          </a:ln>
+        </p:spPr>
+        <p:style>
+          <a:lnRef idx="3">
+            <a:schemeClr val="accent1"/>
+          </a:lnRef>
+          <a:fillRef idx="0">
+            <a:schemeClr val="accent1"/>
+          </a:fillRef>
+          <a:effectRef idx="2">
+            <a:schemeClr val="accent1"/>
+          </a:effectRef>
+          <a:fontRef idx="minor">
+            <a:schemeClr val="tx1"/>
+          </a:fontRef>
+        </p:style>
+      </p:cxnSp>
+      <p:cxnSp>
+        <p:nvCxnSpPr>
+          <p:cNvPr id="33" name="Gewinkelte Verbindung 32">
+            <a:extLst>
+              <a:ext uri="{FF2B5EF4-FFF2-40B4-BE49-F238E27FC236}">
+                <a16:creationId xmlns:a16="http://schemas.microsoft.com/office/drawing/2014/main" id="{C19F0BD6-5E42-2744-8B58-3D7135D71E73}"/>
+              </a:ext>
+            </a:extLst>
+          </p:cNvPr>
+          <p:cNvCxnSpPr>
+            <a:stCxn id="13" idx="2"/>
+          </p:cNvCxnSpPr>
+          <p:nvPr/>
+        </p:nvCxnSpPr>
+        <p:spPr>
+          <a:xfrm rot="5400000">
+            <a:off x="3794998" y="1990425"/>
+            <a:ext cx="775418" cy="6710245"/>
+          </a:xfrm>
+          <a:prstGeom prst="bentConnector2">
+            <a:avLst/>
+          </a:prstGeom>
+          <a:ln>
+            <a:tailEnd type="triangle"/>
+          </a:ln>
+        </p:spPr>
+        <p:style>
+          <a:lnRef idx="3">
+            <a:schemeClr val="accent1"/>
+          </a:lnRef>
+          <a:fillRef idx="0">
+            <a:schemeClr val="accent1"/>
+          </a:fillRef>
+          <a:effectRef idx="2">
+            <a:schemeClr val="accent1"/>
+          </a:effectRef>
+          <a:fontRef idx="minor">
+            <a:schemeClr val="tx1"/>
+          </a:fontRef>
+        </p:style>
+      </p:cxnSp>
+      <p:cxnSp>
+        <p:nvCxnSpPr>
+          <p:cNvPr id="35" name="Gerade Verbindung 34">
+            <a:extLst>
+              <a:ext uri="{FF2B5EF4-FFF2-40B4-BE49-F238E27FC236}">
+                <a16:creationId xmlns:a16="http://schemas.microsoft.com/office/drawing/2014/main" id="{2FDC609C-1A34-F542-8084-62526DFDA5C2}"/>
+              </a:ext>
+            </a:extLst>
+          </p:cNvPr>
+          <p:cNvCxnSpPr/>
+          <p:nvPr/>
+        </p:nvCxnSpPr>
+        <p:spPr>
+          <a:xfrm>
+            <a:off x="3815916" y="4957838"/>
+            <a:ext cx="0" cy="772195"/>
+          </a:xfrm>
+          <a:prstGeom prst="line">
+            <a:avLst/>
+          </a:prstGeom>
+        </p:spPr>
+        <p:style>
+          <a:lnRef idx="3">
+            <a:schemeClr val="accent1"/>
+          </a:lnRef>
+          <a:fillRef idx="0">
+            <a:schemeClr val="accent1"/>
+          </a:fillRef>
+          <a:effectRef idx="2">
+            <a:schemeClr val="accent1"/>
+          </a:effectRef>
+          <a:fontRef idx="minor">
+            <a:schemeClr val="tx1"/>
+          </a:fontRef>
+        </p:style>
+      </p:cxnSp>
+      <p:cxnSp>
+        <p:nvCxnSpPr>
+          <p:cNvPr id="37" name="Gerade Verbindung mit Pfeil 36">
+            <a:extLst>
+              <a:ext uri="{FF2B5EF4-FFF2-40B4-BE49-F238E27FC236}">
+                <a16:creationId xmlns:a16="http://schemas.microsoft.com/office/drawing/2014/main" id="{C785965B-95B0-874F-B758-C1505F5F5825}"/>
+              </a:ext>
+            </a:extLst>
+          </p:cNvPr>
+          <p:cNvCxnSpPr>
+            <a:stCxn id="10" idx="3"/>
+            <a:endCxn id="5" idx="1"/>
+          </p:cNvCxnSpPr>
+          <p:nvPr/>
+        </p:nvCxnSpPr>
+        <p:spPr>
+          <a:xfrm flipV="1">
+            <a:off x="2483722" y="1604821"/>
+            <a:ext cx="1800246" cy="1399"/>
+          </a:xfrm>
+          <a:prstGeom prst="straightConnector1">
+            <a:avLst/>
+          </a:prstGeom>
+          <a:ln>
+            <a:tailEnd type="triangle"/>
+          </a:ln>
+        </p:spPr>
+        <p:style>
+          <a:lnRef idx="3">
+            <a:schemeClr val="accent1"/>
+          </a:lnRef>
+          <a:fillRef idx="0">
+            <a:schemeClr val="accent1"/>
+          </a:fillRef>
+          <a:effectRef idx="2">
+            <a:schemeClr val="accent1"/>
+          </a:effectRef>
+          <a:fontRef idx="minor">
+            <a:schemeClr val="tx1"/>
+          </a:fontRef>
+        </p:style>
+      </p:cxnSp>
+      <p:pic>
+        <p:nvPicPr>
+          <p:cNvPr id="8" name="Grafik 7">
+            <a:extLst>
+              <a:ext uri="{FF2B5EF4-FFF2-40B4-BE49-F238E27FC236}">
+                <a16:creationId xmlns:a16="http://schemas.microsoft.com/office/drawing/2014/main" id="{C21D9661-1379-2243-B384-089200DC77CC}"/>
+              </a:ext>
+            </a:extLst>
+          </p:cNvPr>
+          <p:cNvPicPr>
+            <a:picLocks noChangeAspect="1"/>
+          </p:cNvPicPr>
+          <p:nvPr/>
+        </p:nvPicPr>
+        <p:blipFill>
+          <a:blip r:embed="rId3">
+            <a:extLst>
+              <a:ext uri="{28A0092B-C50C-407E-A947-70E740481C1C}">
+                <a14:useLocalDpi xmlns:a14="http://schemas.microsoft.com/office/drawing/2010/main" val="0"/>
+              </a:ext>
+            </a:extLst>
+          </a:blip>
+          <a:stretch>
+            <a:fillRect/>
+          </a:stretch>
+        </p:blipFill>
+        <p:spPr>
+          <a:xfrm>
+            <a:off x="533400" y="2965450"/>
+            <a:ext cx="8077200" cy="927100"/>
+          </a:xfrm>
+          <a:prstGeom prst="rect">
+            <a:avLst/>
+          </a:prstGeom>
+          <a:ln>
+            <a:noFill/>
+          </a:ln>
+          <a:effectLst>
+            <a:outerShdw blurRad="292100" dist="139700" dir="2700000" algn="tl" rotWithShape="0">
+              <a:srgbClr val="333333">
+                <a:alpha val="65000"/>
+              </a:srgbClr>
+            </a:outerShdw>
+          </a:effectLst>
+        </p:spPr>
+      </p:pic>
+    </p:spTree>
+    <p:extLst>
+      <p:ext uri="{BB962C8B-B14F-4D97-AF65-F5344CB8AC3E}">
+        <p14:creationId xmlns:p14="http://schemas.microsoft.com/office/powerpoint/2010/main" val="3004307711"/>
+      </p:ext>
+    </p:extLst>
+  </p:cSld>
+  <p:clrMapOvr>
+    <a:masterClrMapping/>
+  </p:clrMapOvr>
+</p:sld>
+</file>
+
+<file path=ppt/slides/slide7.xml><?xml version="1.0" encoding="utf-8"?>
+<p:sld xmlns:a="http://schemas.openxmlformats.org/drawingml/2006/main" xmlns:r="http://schemas.openxmlformats.org/officeDocument/2006/relationships" xmlns:p="http://schemas.openxmlformats.org/presentationml/2006/main">
+  <p:cSld>
+    <p:spTree>
+      <p:nvGrpSpPr>
+        <p:cNvPr id="1" name=""/>
+        <p:cNvGrpSpPr/>
+        <p:nvPr/>
+      </p:nvGrpSpPr>
+      <p:grpSpPr>
+        <a:xfrm>
+          <a:off x="0" y="0"/>
+          <a:ext cx="0" cy="0"/>
+          <a:chOff x="0" y="0"/>
+          <a:chExt cx="0" cy="0"/>
+        </a:xfrm>
+      </p:grpSpPr>
+      <p:sp>
+        <p:nvSpPr>
+          <p:cNvPr id="3" name="Slide Number Placeholder 2">
+            <a:extLst>
+              <a:ext uri="{FF2B5EF4-FFF2-40B4-BE49-F238E27FC236}">
+                <a16:creationId xmlns:a16="http://schemas.microsoft.com/office/drawing/2014/main" id="{4DC56EF3-A049-C444-9150-96DD6F5E12C3}"/>
+              </a:ext>
+            </a:extLst>
+          </p:cNvPr>
+          <p:cNvSpPr>
+            <a:spLocks noGrp="1"/>
+          </p:cNvSpPr>
+          <p:nvPr>
+            <p:ph type="sldNum" sz="quarter" idx="12"/>
+          </p:nvPr>
+        </p:nvSpPr>
+        <p:spPr/>
+        <p:txBody>
+          <a:bodyPr/>
+          <a:lstStyle/>
+          <a:p>
+            <a:fld id="{29AD3987-26BA-49DC-BA24-72731371DC9F}" type="slidenum">
+              <a:rPr lang="de-DE" smtClean="0"/>
+              <a:pPr/>
+              <a:t>7</a:t>
             </a:fld>
             <a:endParaRPr lang="de-DE" dirty="0"/>
           </a:p>

--- a/template.pptx
+++ b/template.pptx
@@ -5,7 +5,7 @@
     <p:sldMasterId id="2147483660" r:id="rId1"/>
   </p:sldMasterIdLst>
   <p:notesMasterIdLst>
-    <p:notesMasterId r:id="rId9"/>
+    <p:notesMasterId r:id="rId15"/>
   </p:notesMasterIdLst>
   <p:sldIdLst>
     <p:sldId id="629" r:id="rId2"/>
@@ -15,6 +15,12 @@
     <p:sldId id="779" r:id="rId6"/>
     <p:sldId id="780" r:id="rId7"/>
     <p:sldId id="781" r:id="rId8"/>
+    <p:sldId id="783" r:id="rId9"/>
+    <p:sldId id="784" r:id="rId10"/>
+    <p:sldId id="785" r:id="rId11"/>
+    <p:sldId id="787" r:id="rId12"/>
+    <p:sldId id="786" r:id="rId13"/>
+    <p:sldId id="788" r:id="rId14"/>
   </p:sldIdLst>
   <p:sldSz cx="9144000" cy="6858000" type="screen4x3"/>
   <p:notesSz cx="6858000" cy="9144000"/>
@@ -217,7 +223,7 @@
           <a:p>
             <a:fld id="{647EC357-122F-48AB-88E5-025D5C11C6B3}" type="datetimeFigureOut">
               <a:rPr lang="en-US" smtClean="0"/>
-              <a:t>2/3/2019</a:t>
+              <a:t>2/3/19</a:t>
             </a:fld>
             <a:endParaRPr lang="en-US"/>
           </a:p>
@@ -1168,6 +1174,258 @@
 </p:notes>
 </file>
 
+<file path=ppt/notesSlides/notesSlide7.xml><?xml version="1.0" encoding="utf-8"?>
+<p:notes xmlns:a="http://schemas.openxmlformats.org/drawingml/2006/main" xmlns:r="http://schemas.openxmlformats.org/officeDocument/2006/relationships" xmlns:p="http://schemas.openxmlformats.org/presentationml/2006/main">
+  <p:cSld>
+    <p:spTree>
+      <p:nvGrpSpPr>
+        <p:cNvPr id="1" name=""/>
+        <p:cNvGrpSpPr/>
+        <p:nvPr/>
+      </p:nvGrpSpPr>
+      <p:grpSpPr>
+        <a:xfrm>
+          <a:off x="0" y="0"/>
+          <a:ext cx="0" cy="0"/>
+          <a:chOff x="0" y="0"/>
+          <a:chExt cx="0" cy="0"/>
+        </a:xfrm>
+      </p:grpSpPr>
+      <p:sp>
+        <p:nvSpPr>
+          <p:cNvPr id="2" name="Folienbildplatzhalter 1"/>
+          <p:cNvSpPr>
+            <a:spLocks noGrp="1" noRot="1" noChangeAspect="1"/>
+          </p:cNvSpPr>
+          <p:nvPr>
+            <p:ph type="sldImg"/>
+          </p:nvPr>
+        </p:nvSpPr>
+        <p:spPr/>
+      </p:sp>
+      <p:sp>
+        <p:nvSpPr>
+          <p:cNvPr id="3" name="Notizenplatzhalter 2"/>
+          <p:cNvSpPr>
+            <a:spLocks noGrp="1"/>
+          </p:cNvSpPr>
+          <p:nvPr>
+            <p:ph type="body" idx="1"/>
+          </p:nvPr>
+        </p:nvSpPr>
+        <p:spPr/>
+        <p:txBody>
+          <a:bodyPr/>
+          <a:lstStyle/>
+          <a:p>
+            <a:endParaRPr lang="de-DE" dirty="0"/>
+          </a:p>
+        </p:txBody>
+      </p:sp>
+      <p:sp>
+        <p:nvSpPr>
+          <p:cNvPr id="4" name="Foliennummernplatzhalter 3"/>
+          <p:cNvSpPr>
+            <a:spLocks noGrp="1"/>
+          </p:cNvSpPr>
+          <p:nvPr>
+            <p:ph type="sldNum" sz="quarter" idx="5"/>
+          </p:nvPr>
+        </p:nvSpPr>
+        <p:spPr/>
+        <p:txBody>
+          <a:bodyPr/>
+          <a:lstStyle/>
+          <a:p>
+            <a:fld id="{394E9D05-C789-4FAD-87B0-3F6DD2D06BCC}" type="slidenum">
+              <a:rPr lang="en-US" smtClean="0"/>
+              <a:t>8</a:t>
+            </a:fld>
+            <a:endParaRPr lang="en-US"/>
+          </a:p>
+        </p:txBody>
+      </p:sp>
+    </p:spTree>
+    <p:extLst>
+      <p:ext uri="{BB962C8B-B14F-4D97-AF65-F5344CB8AC3E}">
+        <p14:creationId xmlns:p14="http://schemas.microsoft.com/office/powerpoint/2010/main" val="1026283121"/>
+      </p:ext>
+    </p:extLst>
+  </p:cSld>
+  <p:clrMapOvr>
+    <a:masterClrMapping/>
+  </p:clrMapOvr>
+</p:notes>
+</file>
+
+<file path=ppt/notesSlides/notesSlide8.xml><?xml version="1.0" encoding="utf-8"?>
+<p:notes xmlns:a="http://schemas.openxmlformats.org/drawingml/2006/main" xmlns:r="http://schemas.openxmlformats.org/officeDocument/2006/relationships" xmlns:p="http://schemas.openxmlformats.org/presentationml/2006/main">
+  <p:cSld>
+    <p:spTree>
+      <p:nvGrpSpPr>
+        <p:cNvPr id="1" name=""/>
+        <p:cNvGrpSpPr/>
+        <p:nvPr/>
+      </p:nvGrpSpPr>
+      <p:grpSpPr>
+        <a:xfrm>
+          <a:off x="0" y="0"/>
+          <a:ext cx="0" cy="0"/>
+          <a:chOff x="0" y="0"/>
+          <a:chExt cx="0" cy="0"/>
+        </a:xfrm>
+      </p:grpSpPr>
+      <p:sp>
+        <p:nvSpPr>
+          <p:cNvPr id="2" name="Folienbildplatzhalter 1"/>
+          <p:cNvSpPr>
+            <a:spLocks noGrp="1" noRot="1" noChangeAspect="1"/>
+          </p:cNvSpPr>
+          <p:nvPr>
+            <p:ph type="sldImg"/>
+          </p:nvPr>
+        </p:nvSpPr>
+        <p:spPr/>
+      </p:sp>
+      <p:sp>
+        <p:nvSpPr>
+          <p:cNvPr id="3" name="Notizenplatzhalter 2"/>
+          <p:cNvSpPr>
+            <a:spLocks noGrp="1"/>
+          </p:cNvSpPr>
+          <p:nvPr>
+            <p:ph type="body" idx="1"/>
+          </p:nvPr>
+        </p:nvSpPr>
+        <p:spPr/>
+        <p:txBody>
+          <a:bodyPr/>
+          <a:lstStyle/>
+          <a:p>
+            <a:endParaRPr lang="de-DE" dirty="0"/>
+          </a:p>
+        </p:txBody>
+      </p:sp>
+      <p:sp>
+        <p:nvSpPr>
+          <p:cNvPr id="4" name="Foliennummernplatzhalter 3"/>
+          <p:cNvSpPr>
+            <a:spLocks noGrp="1"/>
+          </p:cNvSpPr>
+          <p:nvPr>
+            <p:ph type="sldNum" sz="quarter" idx="5"/>
+          </p:nvPr>
+        </p:nvSpPr>
+        <p:spPr/>
+        <p:txBody>
+          <a:bodyPr/>
+          <a:lstStyle/>
+          <a:p>
+            <a:fld id="{394E9D05-C789-4FAD-87B0-3F6DD2D06BCC}" type="slidenum">
+              <a:rPr lang="en-US" smtClean="0"/>
+              <a:t>12</a:t>
+            </a:fld>
+            <a:endParaRPr lang="en-US"/>
+          </a:p>
+        </p:txBody>
+      </p:sp>
+    </p:spTree>
+    <p:extLst>
+      <p:ext uri="{BB962C8B-B14F-4D97-AF65-F5344CB8AC3E}">
+        <p14:creationId xmlns:p14="http://schemas.microsoft.com/office/powerpoint/2010/main" val="1403223789"/>
+      </p:ext>
+    </p:extLst>
+  </p:cSld>
+  <p:clrMapOvr>
+    <a:masterClrMapping/>
+  </p:clrMapOvr>
+</p:notes>
+</file>
+
+<file path=ppt/notesSlides/notesSlide9.xml><?xml version="1.0" encoding="utf-8"?>
+<p:notes xmlns:a="http://schemas.openxmlformats.org/drawingml/2006/main" xmlns:r="http://schemas.openxmlformats.org/officeDocument/2006/relationships" xmlns:p="http://schemas.openxmlformats.org/presentationml/2006/main">
+  <p:cSld>
+    <p:spTree>
+      <p:nvGrpSpPr>
+        <p:cNvPr id="1" name=""/>
+        <p:cNvGrpSpPr/>
+        <p:nvPr/>
+      </p:nvGrpSpPr>
+      <p:grpSpPr>
+        <a:xfrm>
+          <a:off x="0" y="0"/>
+          <a:ext cx="0" cy="0"/>
+          <a:chOff x="0" y="0"/>
+          <a:chExt cx="0" cy="0"/>
+        </a:xfrm>
+      </p:grpSpPr>
+      <p:sp>
+        <p:nvSpPr>
+          <p:cNvPr id="2" name="Folienbildplatzhalter 1"/>
+          <p:cNvSpPr>
+            <a:spLocks noGrp="1" noRot="1" noChangeAspect="1"/>
+          </p:cNvSpPr>
+          <p:nvPr>
+            <p:ph type="sldImg"/>
+          </p:nvPr>
+        </p:nvSpPr>
+        <p:spPr/>
+      </p:sp>
+      <p:sp>
+        <p:nvSpPr>
+          <p:cNvPr id="3" name="Notizenplatzhalter 2"/>
+          <p:cNvSpPr>
+            <a:spLocks noGrp="1"/>
+          </p:cNvSpPr>
+          <p:nvPr>
+            <p:ph type="body" idx="1"/>
+          </p:nvPr>
+        </p:nvSpPr>
+        <p:spPr/>
+        <p:txBody>
+          <a:bodyPr/>
+          <a:lstStyle/>
+          <a:p>
+            <a:endParaRPr lang="de-DE" dirty="0"/>
+          </a:p>
+        </p:txBody>
+      </p:sp>
+      <p:sp>
+        <p:nvSpPr>
+          <p:cNvPr id="4" name="Foliennummernplatzhalter 3"/>
+          <p:cNvSpPr>
+            <a:spLocks noGrp="1"/>
+          </p:cNvSpPr>
+          <p:nvPr>
+            <p:ph type="sldNum" sz="quarter" idx="5"/>
+          </p:nvPr>
+        </p:nvSpPr>
+        <p:spPr/>
+        <p:txBody>
+          <a:bodyPr/>
+          <a:lstStyle/>
+          <a:p>
+            <a:fld id="{394E9D05-C789-4FAD-87B0-3F6DD2D06BCC}" type="slidenum">
+              <a:rPr lang="en-US" smtClean="0"/>
+              <a:t>13</a:t>
+            </a:fld>
+            <a:endParaRPr lang="en-US"/>
+          </a:p>
+        </p:txBody>
+      </p:sp>
+    </p:spTree>
+    <p:extLst>
+      <p:ext uri="{BB962C8B-B14F-4D97-AF65-F5344CB8AC3E}">
+        <p14:creationId xmlns:p14="http://schemas.microsoft.com/office/powerpoint/2010/main" val="2981327129"/>
+      </p:ext>
+    </p:extLst>
+  </p:cSld>
+  <p:clrMapOvr>
+    <a:masterClrMapping/>
+  </p:clrMapOvr>
+</p:notes>
+</file>
+
 <file path=ppt/slideLayouts/slideLayout1.xml><?xml version="1.0" encoding="utf-8"?>
 <p:sldLayout xmlns:a="http://schemas.openxmlformats.org/drawingml/2006/main" xmlns:r="http://schemas.openxmlformats.org/officeDocument/2006/relationships" xmlns:p="http://schemas.openxmlformats.org/presentationml/2006/main" type="title" preserve="1">
   <p:cSld name="2_Titelfolie">
@@ -1551,48 +1809,6 @@
             <a:r>
               <a:rPr lang="de-DE" dirty="0"/>
               <a:t>Titelmasterformat durch Klicken bearbeiten</a:t>
-            </a:r>
-          </a:p>
-        </p:txBody>
-      </p:sp>
-      <p:sp>
-        <p:nvSpPr>
-          <p:cNvPr id="7" name="TextBox 6">
-            <a:extLst>
-              <a:ext uri="{FF2B5EF4-FFF2-40B4-BE49-F238E27FC236}">
-                <a16:creationId xmlns:a16="http://schemas.microsoft.com/office/drawing/2014/main" id="{87090B01-5178-ED41-ADC8-9B54F01BC2FD}"/>
-              </a:ext>
-            </a:extLst>
-          </p:cNvPr>
-          <p:cNvSpPr txBox="1"/>
-          <p:nvPr userDrawn="1"/>
-        </p:nvSpPr>
-        <p:spPr>
-          <a:xfrm>
-            <a:off x="2915816" y="6456524"/>
-            <a:ext cx="1080745" cy="276999"/>
-          </a:xfrm>
-          <a:prstGeom prst="rect">
-            <a:avLst/>
-          </a:prstGeom>
-          <a:noFill/>
-        </p:spPr>
-        <p:txBody>
-          <a:bodyPr wrap="none" rtlCol="0">
-            <a:spAutoFit/>
-          </a:bodyPr>
-          <a:lstStyle/>
-          <a:p>
-            <a:r>
-              <a:rPr lang="en-GB" sz="1200" dirty="0">
-                <a:solidFill>
-                  <a:schemeClr val="bg1">
-                    <a:lumMod val="65000"/>
-                  </a:schemeClr>
-                </a:solidFill>
-                <a:latin typeface="+mj-lt"/>
-              </a:rPr>
-              <a:t>$author – title</a:t>
             </a:r>
           </a:p>
         </p:txBody>
@@ -2964,6 +3180,1446 @@
 </p:sld>
 </file>
 
+<file path=ppt/slides/slide10.xml><?xml version="1.0" encoding="utf-8"?>
+<p:sld xmlns:a="http://schemas.openxmlformats.org/drawingml/2006/main" xmlns:r="http://schemas.openxmlformats.org/officeDocument/2006/relationships" xmlns:p="http://schemas.openxmlformats.org/presentationml/2006/main">
+  <p:cSld>
+    <p:spTree>
+      <p:nvGrpSpPr>
+        <p:cNvPr id="1" name=""/>
+        <p:cNvGrpSpPr/>
+        <p:nvPr/>
+      </p:nvGrpSpPr>
+      <p:grpSpPr>
+        <a:xfrm>
+          <a:off x="0" y="0"/>
+          <a:ext cx="0" cy="0"/>
+          <a:chOff x="0" y="0"/>
+          <a:chExt cx="0" cy="0"/>
+        </a:xfrm>
+      </p:grpSpPr>
+      <p:grpSp>
+        <p:nvGrpSpPr>
+          <p:cNvPr id="20" name="Gruppieren 19">
+            <a:extLst>
+              <a:ext uri="{FF2B5EF4-FFF2-40B4-BE49-F238E27FC236}">
+                <a16:creationId xmlns:a16="http://schemas.microsoft.com/office/drawing/2014/main" id="{EB605610-0857-D944-ADA6-D3ABF7347FD5}"/>
+              </a:ext>
+            </a:extLst>
+          </p:cNvPr>
+          <p:cNvGrpSpPr/>
+          <p:nvPr/>
+        </p:nvGrpSpPr>
+        <p:grpSpPr>
+          <a:xfrm>
+            <a:off x="2843808" y="1107161"/>
+            <a:ext cx="3339371" cy="4901426"/>
+            <a:chOff x="2843808" y="775684"/>
+            <a:chExt cx="3339371" cy="5063143"/>
+          </a:xfrm>
+        </p:grpSpPr>
+        <p:sp>
+          <p:nvSpPr>
+            <p:cNvPr id="5" name="Rechteck 4">
+              <a:extLst>
+                <a:ext uri="{FF2B5EF4-FFF2-40B4-BE49-F238E27FC236}">
+                  <a16:creationId xmlns:a16="http://schemas.microsoft.com/office/drawing/2014/main" id="{D1D1308D-F7F0-434E-AB74-F34C4EE8A0AE}"/>
+                </a:ext>
+              </a:extLst>
+            </p:cNvPr>
+            <p:cNvSpPr/>
+            <p:nvPr/>
+          </p:nvSpPr>
+          <p:spPr>
+            <a:xfrm>
+              <a:off x="2843808" y="775684"/>
+              <a:ext cx="3339371" cy="5063143"/>
+            </a:xfrm>
+            <a:prstGeom prst="rect">
+              <a:avLst/>
+            </a:prstGeom>
+          </p:spPr>
+          <p:style>
+            <a:lnRef idx="2">
+              <a:schemeClr val="accent1">
+                <a:shade val="50000"/>
+              </a:schemeClr>
+            </a:lnRef>
+            <a:fillRef idx="1">
+              <a:schemeClr val="accent1"/>
+            </a:fillRef>
+            <a:effectRef idx="0">
+              <a:schemeClr val="accent1"/>
+            </a:effectRef>
+            <a:fontRef idx="minor">
+              <a:schemeClr val="lt1"/>
+            </a:fontRef>
+          </p:style>
+          <p:txBody>
+            <a:bodyPr rtlCol="0" anchor="ctr"/>
+            <a:lstStyle/>
+            <a:p>
+              <a:pPr algn="ctr"/>
+              <a:endParaRPr lang="de-DE"/>
+            </a:p>
+          </p:txBody>
+        </p:sp>
+        <p:sp>
+          <p:nvSpPr>
+            <p:cNvPr id="6" name="Rechteck 5">
+              <a:extLst>
+                <a:ext uri="{FF2B5EF4-FFF2-40B4-BE49-F238E27FC236}">
+                  <a16:creationId xmlns:a16="http://schemas.microsoft.com/office/drawing/2014/main" id="{6A2B9FDD-EF33-864D-959F-4B69190C43CA}"/>
+                </a:ext>
+              </a:extLst>
+            </p:cNvPr>
+            <p:cNvSpPr/>
+            <p:nvPr/>
+          </p:nvSpPr>
+          <p:spPr>
+            <a:xfrm>
+              <a:off x="3066433" y="1973113"/>
+              <a:ext cx="445249" cy="2994544"/>
+            </a:xfrm>
+            <a:prstGeom prst="rect">
+              <a:avLst/>
+            </a:prstGeom>
+          </p:spPr>
+          <p:style>
+            <a:lnRef idx="2">
+              <a:schemeClr val="accent3">
+                <a:shade val="50000"/>
+              </a:schemeClr>
+            </a:lnRef>
+            <a:fillRef idx="1">
+              <a:schemeClr val="accent3"/>
+            </a:fillRef>
+            <a:effectRef idx="0">
+              <a:schemeClr val="accent3"/>
+            </a:effectRef>
+            <a:fontRef idx="minor">
+              <a:schemeClr val="lt1"/>
+            </a:fontRef>
+          </p:style>
+          <p:txBody>
+            <a:bodyPr rtlCol="0" anchor="ctr"/>
+            <a:lstStyle/>
+            <a:p>
+              <a:pPr algn="ctr"/>
+              <a:endParaRPr lang="de-DE"/>
+            </a:p>
+          </p:txBody>
+        </p:sp>
+        <p:sp>
+          <p:nvSpPr>
+            <p:cNvPr id="7" name="Oval 6">
+              <a:extLst>
+                <a:ext uri="{FF2B5EF4-FFF2-40B4-BE49-F238E27FC236}">
+                  <a16:creationId xmlns:a16="http://schemas.microsoft.com/office/drawing/2014/main" id="{71BD4F82-613F-DF47-AA76-79B4D1273F79}"/>
+                </a:ext>
+              </a:extLst>
+            </p:cNvPr>
+            <p:cNvSpPr/>
+            <p:nvPr/>
+          </p:nvSpPr>
+          <p:spPr>
+            <a:xfrm>
+              <a:off x="3517317" y="2991310"/>
+              <a:ext cx="556562" cy="573825"/>
+            </a:xfrm>
+            <a:prstGeom prst="ellipse">
+              <a:avLst/>
+            </a:prstGeom>
+          </p:spPr>
+          <p:style>
+            <a:lnRef idx="2">
+              <a:schemeClr val="accent6"/>
+            </a:lnRef>
+            <a:fillRef idx="1">
+              <a:schemeClr val="lt1"/>
+            </a:fillRef>
+            <a:effectRef idx="0">
+              <a:schemeClr val="accent6"/>
+            </a:effectRef>
+            <a:fontRef idx="minor">
+              <a:schemeClr val="dk1"/>
+            </a:fontRef>
+          </p:style>
+          <p:txBody>
+            <a:bodyPr rtlCol="0" anchor="ctr"/>
+            <a:lstStyle/>
+            <a:p>
+              <a:pPr algn="ctr"/>
+              <a:endParaRPr lang="de-DE"/>
+            </a:p>
+          </p:txBody>
+        </p:sp>
+      </p:grpSp>
+      <p:sp>
+        <p:nvSpPr>
+          <p:cNvPr id="3" name="Foliennummernplatzhalter 2">
+            <a:extLst>
+              <a:ext uri="{FF2B5EF4-FFF2-40B4-BE49-F238E27FC236}">
+                <a16:creationId xmlns:a16="http://schemas.microsoft.com/office/drawing/2014/main" id="{893AA4D6-E833-364E-AE97-DC58324B8C62}"/>
+              </a:ext>
+            </a:extLst>
+          </p:cNvPr>
+          <p:cNvSpPr>
+            <a:spLocks noGrp="1"/>
+          </p:cNvSpPr>
+          <p:nvPr>
+            <p:ph type="sldNum" sz="quarter" idx="12"/>
+          </p:nvPr>
+        </p:nvSpPr>
+        <p:spPr/>
+        <p:txBody>
+          <a:bodyPr/>
+          <a:lstStyle/>
+          <a:p>
+            <a:fld id="{29AD3987-26BA-49DC-BA24-72731371DC9F}" type="slidenum">
+              <a:rPr lang="de-DE" smtClean="0"/>
+              <a:pPr/>
+              <a:t>10</a:t>
+            </a:fld>
+            <a:endParaRPr lang="de-DE" dirty="0"/>
+          </a:p>
+        </p:txBody>
+      </p:sp>
+      <p:sp>
+        <p:nvSpPr>
+          <p:cNvPr id="4" name="Titel 3">
+            <a:extLst>
+              <a:ext uri="{FF2B5EF4-FFF2-40B4-BE49-F238E27FC236}">
+                <a16:creationId xmlns:a16="http://schemas.microsoft.com/office/drawing/2014/main" id="{2AD2C3B6-4B3F-6947-88F0-5FC33DB83768}"/>
+              </a:ext>
+            </a:extLst>
+          </p:cNvPr>
+          <p:cNvSpPr>
+            <a:spLocks noGrp="1"/>
+          </p:cNvSpPr>
+          <p:nvPr>
+            <p:ph type="title"/>
+          </p:nvPr>
+        </p:nvSpPr>
+        <p:spPr/>
+        <p:txBody>
+          <a:bodyPr/>
+          <a:lstStyle/>
+          <a:p>
+            <a:r>
+              <a:rPr lang="de-DE" dirty="0" err="1"/>
+              <a:t>Pong</a:t>
+            </a:r>
+            <a:r>
+              <a:rPr lang="de-DE" dirty="0"/>
+              <a:t>-Implementierung</a:t>
+            </a:r>
+          </a:p>
+        </p:txBody>
+      </p:sp>
+      <p:pic>
+        <p:nvPicPr>
+          <p:cNvPr id="22" name="Grafik 21">
+            <a:extLst>
+              <a:ext uri="{FF2B5EF4-FFF2-40B4-BE49-F238E27FC236}">
+                <a16:creationId xmlns:a16="http://schemas.microsoft.com/office/drawing/2014/main" id="{65CAA11F-4743-FD4D-85A1-7678743B2236}"/>
+              </a:ext>
+            </a:extLst>
+          </p:cNvPr>
+          <p:cNvPicPr>
+            <a:picLocks noChangeAspect="1"/>
+          </p:cNvPicPr>
+          <p:nvPr/>
+        </p:nvPicPr>
+        <p:blipFill rotWithShape="1">
+          <a:blip r:embed="rId2">
+            <a:extLst>
+              <a:ext uri="{28A0092B-C50C-407E-A947-70E740481C1C}">
+                <a14:useLocalDpi xmlns:a14="http://schemas.microsoft.com/office/drawing/2010/main" val="0"/>
+              </a:ext>
+            </a:extLst>
+          </a:blip>
+          <a:srcRect t="-1" b="1"/>
+          <a:stretch/>
+        </p:blipFill>
+        <p:spPr>
+          <a:xfrm>
+            <a:off x="113822" y="5862157"/>
+            <a:ext cx="9030178" cy="573821"/>
+          </a:xfrm>
+          <a:prstGeom prst="rect">
+            <a:avLst/>
+          </a:prstGeom>
+        </p:spPr>
+      </p:pic>
+      <p:sp>
+        <p:nvSpPr>
+          <p:cNvPr id="23" name="Rechteck 22">
+            <a:extLst>
+              <a:ext uri="{FF2B5EF4-FFF2-40B4-BE49-F238E27FC236}">
+                <a16:creationId xmlns:a16="http://schemas.microsoft.com/office/drawing/2014/main" id="{F9674F04-2B8C-DD46-91B2-32D958FFEA04}"/>
+              </a:ext>
+            </a:extLst>
+          </p:cNvPr>
+          <p:cNvSpPr/>
+          <p:nvPr/>
+        </p:nvSpPr>
+        <p:spPr>
+          <a:xfrm>
+            <a:off x="984534" y="6118658"/>
+            <a:ext cx="3083846" cy="317320"/>
+          </a:xfrm>
+          <a:prstGeom prst="rect">
+            <a:avLst/>
+          </a:prstGeom>
+        </p:spPr>
+        <p:style>
+          <a:lnRef idx="2">
+            <a:schemeClr val="accent1">
+              <a:shade val="50000"/>
+            </a:schemeClr>
+          </a:lnRef>
+          <a:fillRef idx="1">
+            <a:schemeClr val="accent1"/>
+          </a:fillRef>
+          <a:effectRef idx="0">
+            <a:schemeClr val="accent1"/>
+          </a:effectRef>
+          <a:fontRef idx="minor">
+            <a:schemeClr val="lt1"/>
+          </a:fontRef>
+        </p:style>
+        <p:txBody>
+          <a:bodyPr rtlCol="0" anchor="ctr"/>
+          <a:lstStyle/>
+          <a:p>
+            <a:pPr algn="ctr"/>
+            <a:endParaRPr lang="de-DE"/>
+          </a:p>
+        </p:txBody>
+      </p:sp>
+      <p:grpSp>
+        <p:nvGrpSpPr>
+          <p:cNvPr id="48" name="Gruppieren 47">
+            <a:extLst>
+              <a:ext uri="{FF2B5EF4-FFF2-40B4-BE49-F238E27FC236}">
+                <a16:creationId xmlns:a16="http://schemas.microsoft.com/office/drawing/2014/main" id="{C1514CCE-E21D-2342-BD9E-A8CF2C4D18A6}"/>
+              </a:ext>
+            </a:extLst>
+          </p:cNvPr>
+          <p:cNvGrpSpPr/>
+          <p:nvPr/>
+        </p:nvGrpSpPr>
+        <p:grpSpPr>
+          <a:xfrm>
+            <a:off x="2843808" y="3363253"/>
+            <a:ext cx="667874" cy="199588"/>
+            <a:chOff x="2843808" y="3363253"/>
+            <a:chExt cx="667874" cy="199588"/>
+          </a:xfrm>
+        </p:grpSpPr>
+        <p:cxnSp>
+          <p:nvCxnSpPr>
+            <p:cNvPr id="12" name="Gerade Verbindung mit Pfeil 11">
+              <a:extLst>
+                <a:ext uri="{FF2B5EF4-FFF2-40B4-BE49-F238E27FC236}">
+                  <a16:creationId xmlns:a16="http://schemas.microsoft.com/office/drawing/2014/main" id="{08F73665-0365-D347-B7AB-D3BF295EA158}"/>
+                </a:ext>
+              </a:extLst>
+            </p:cNvPr>
+            <p:cNvCxnSpPr>
+              <a:cxnSpLocks/>
+            </p:cNvCxnSpPr>
+            <p:nvPr/>
+          </p:nvCxnSpPr>
+          <p:spPr>
+            <a:xfrm flipH="1">
+              <a:off x="2843808" y="3562841"/>
+              <a:ext cx="667874" cy="0"/>
+            </a:xfrm>
+            <a:prstGeom prst="straightConnector1">
+              <a:avLst/>
+            </a:prstGeom>
+            <a:ln>
+              <a:headEnd type="none" w="med" len="med"/>
+              <a:tailEnd type="arrow" w="med" len="med"/>
+            </a:ln>
+          </p:spPr>
+          <p:style>
+            <a:lnRef idx="3">
+              <a:schemeClr val="accent6"/>
+            </a:lnRef>
+            <a:fillRef idx="0">
+              <a:schemeClr val="accent6"/>
+            </a:fillRef>
+            <a:effectRef idx="2">
+              <a:schemeClr val="accent6"/>
+            </a:effectRef>
+            <a:fontRef idx="minor">
+              <a:schemeClr val="tx1"/>
+            </a:fontRef>
+          </p:style>
+        </p:cxnSp>
+        <p:cxnSp>
+          <p:nvCxnSpPr>
+            <p:cNvPr id="31" name="Gerade Verbindung mit Pfeil 30">
+              <a:extLst>
+                <a:ext uri="{FF2B5EF4-FFF2-40B4-BE49-F238E27FC236}">
+                  <a16:creationId xmlns:a16="http://schemas.microsoft.com/office/drawing/2014/main" id="{E5604837-FB4E-7548-99F5-7D2B249CC58A}"/>
+                </a:ext>
+              </a:extLst>
+            </p:cNvPr>
+            <p:cNvCxnSpPr>
+              <a:cxnSpLocks/>
+            </p:cNvCxnSpPr>
+            <p:nvPr/>
+          </p:nvCxnSpPr>
+          <p:spPr>
+            <a:xfrm>
+              <a:off x="2843808" y="3363253"/>
+              <a:ext cx="222625" cy="1377"/>
+            </a:xfrm>
+            <a:prstGeom prst="straightConnector1">
+              <a:avLst/>
+            </a:prstGeom>
+            <a:ln>
+              <a:headEnd type="none" w="med" len="med"/>
+              <a:tailEnd type="arrow" w="med" len="med"/>
+            </a:ln>
+          </p:spPr>
+          <p:style>
+            <a:lnRef idx="3">
+              <a:schemeClr val="accent6"/>
+            </a:lnRef>
+            <a:fillRef idx="0">
+              <a:schemeClr val="accent6"/>
+            </a:fillRef>
+            <a:effectRef idx="2">
+              <a:schemeClr val="accent6"/>
+            </a:effectRef>
+            <a:fontRef idx="minor">
+              <a:schemeClr val="tx1"/>
+            </a:fontRef>
+          </p:style>
+        </p:cxnSp>
+      </p:grpSp>
+      <p:sp>
+        <p:nvSpPr>
+          <p:cNvPr id="24" name="Rechteck 23">
+            <a:extLst>
+              <a:ext uri="{FF2B5EF4-FFF2-40B4-BE49-F238E27FC236}">
+                <a16:creationId xmlns:a16="http://schemas.microsoft.com/office/drawing/2014/main" id="{9AB1B72B-A9A5-E840-A735-ABED5BAE8E85}"/>
+              </a:ext>
+            </a:extLst>
+          </p:cNvPr>
+          <p:cNvSpPr/>
+          <p:nvPr/>
+        </p:nvSpPr>
+        <p:spPr>
+          <a:xfrm>
+            <a:off x="4068039" y="6118658"/>
+            <a:ext cx="1722164" cy="317320"/>
+          </a:xfrm>
+          <a:prstGeom prst="rect">
+            <a:avLst/>
+          </a:prstGeom>
+        </p:spPr>
+        <p:style>
+          <a:lnRef idx="2">
+            <a:schemeClr val="accent1">
+              <a:shade val="50000"/>
+            </a:schemeClr>
+          </a:lnRef>
+          <a:fillRef idx="1">
+            <a:schemeClr val="accent1"/>
+          </a:fillRef>
+          <a:effectRef idx="0">
+            <a:schemeClr val="accent1"/>
+          </a:effectRef>
+          <a:fontRef idx="minor">
+            <a:schemeClr val="lt1"/>
+          </a:fontRef>
+        </p:style>
+        <p:txBody>
+          <a:bodyPr rtlCol="0" anchor="ctr"/>
+          <a:lstStyle/>
+          <a:p>
+            <a:pPr algn="ctr"/>
+            <a:endParaRPr lang="de-DE"/>
+          </a:p>
+        </p:txBody>
+      </p:sp>
+      <p:sp>
+        <p:nvSpPr>
+          <p:cNvPr id="25" name="Rechteck 24">
+            <a:extLst>
+              <a:ext uri="{FF2B5EF4-FFF2-40B4-BE49-F238E27FC236}">
+                <a16:creationId xmlns:a16="http://schemas.microsoft.com/office/drawing/2014/main" id="{16C5096C-719F-C741-8B83-8AC78EBC0D3C}"/>
+              </a:ext>
+            </a:extLst>
+          </p:cNvPr>
+          <p:cNvSpPr/>
+          <p:nvPr/>
+        </p:nvSpPr>
+        <p:spPr>
+          <a:xfrm>
+            <a:off x="5789861" y="6124626"/>
+            <a:ext cx="3348639" cy="311352"/>
+          </a:xfrm>
+          <a:prstGeom prst="rect">
+            <a:avLst/>
+          </a:prstGeom>
+        </p:spPr>
+        <p:style>
+          <a:lnRef idx="2">
+            <a:schemeClr val="accent1">
+              <a:shade val="50000"/>
+            </a:schemeClr>
+          </a:lnRef>
+          <a:fillRef idx="1">
+            <a:schemeClr val="accent1"/>
+          </a:fillRef>
+          <a:effectRef idx="0">
+            <a:schemeClr val="accent1"/>
+          </a:effectRef>
+          <a:fontRef idx="minor">
+            <a:schemeClr val="lt1"/>
+          </a:fontRef>
+        </p:style>
+        <p:txBody>
+          <a:bodyPr rtlCol="0" anchor="ctr"/>
+          <a:lstStyle/>
+          <a:p>
+            <a:pPr algn="ctr"/>
+            <a:endParaRPr lang="de-DE"/>
+          </a:p>
+        </p:txBody>
+      </p:sp>
+      <p:cxnSp>
+        <p:nvCxnSpPr>
+          <p:cNvPr id="39" name="Gerade Verbindung mit Pfeil 38">
+            <a:extLst>
+              <a:ext uri="{FF2B5EF4-FFF2-40B4-BE49-F238E27FC236}">
+                <a16:creationId xmlns:a16="http://schemas.microsoft.com/office/drawing/2014/main" id="{9501897E-0772-E74D-9F87-79C1F1CCF983}"/>
+              </a:ext>
+            </a:extLst>
+          </p:cNvPr>
+          <p:cNvCxnSpPr>
+            <a:cxnSpLocks/>
+          </p:cNvCxnSpPr>
+          <p:nvPr/>
+        </p:nvCxnSpPr>
+        <p:spPr>
+          <a:xfrm>
+            <a:off x="3275856" y="1107160"/>
+            <a:ext cx="0" cy="1159184"/>
+          </a:xfrm>
+          <a:prstGeom prst="straightConnector1">
+            <a:avLst/>
+          </a:prstGeom>
+          <a:ln>
+            <a:headEnd type="none" w="med" len="med"/>
+            <a:tailEnd type="arrow" w="med" len="med"/>
+          </a:ln>
+        </p:spPr>
+        <p:style>
+          <a:lnRef idx="3">
+            <a:schemeClr val="accent6"/>
+          </a:lnRef>
+          <a:fillRef idx="0">
+            <a:schemeClr val="accent6"/>
+          </a:fillRef>
+          <a:effectRef idx="2">
+            <a:schemeClr val="accent6"/>
+          </a:effectRef>
+          <a:fontRef idx="minor">
+            <a:schemeClr val="tx1"/>
+          </a:fontRef>
+        </p:style>
+      </p:cxnSp>
+      <p:cxnSp>
+        <p:nvCxnSpPr>
+          <p:cNvPr id="44" name="Gerade Verbindung mit Pfeil 43">
+            <a:extLst>
+              <a:ext uri="{FF2B5EF4-FFF2-40B4-BE49-F238E27FC236}">
+                <a16:creationId xmlns:a16="http://schemas.microsoft.com/office/drawing/2014/main" id="{88E9348C-97F3-0846-B4B2-0E9AFB5B6C9A}"/>
+              </a:ext>
+            </a:extLst>
+          </p:cNvPr>
+          <p:cNvCxnSpPr>
+            <a:cxnSpLocks/>
+          </p:cNvCxnSpPr>
+          <p:nvPr/>
+        </p:nvCxnSpPr>
+        <p:spPr>
+          <a:xfrm flipV="1">
+            <a:off x="3289057" y="5165243"/>
+            <a:ext cx="0" cy="696914"/>
+          </a:xfrm>
+          <a:prstGeom prst="straightConnector1">
+            <a:avLst/>
+          </a:prstGeom>
+          <a:ln>
+            <a:headEnd type="none" w="med" len="med"/>
+            <a:tailEnd type="arrow" w="med" len="med"/>
+          </a:ln>
+        </p:spPr>
+        <p:style>
+          <a:lnRef idx="3">
+            <a:schemeClr val="accent6"/>
+          </a:lnRef>
+          <a:fillRef idx="0">
+            <a:schemeClr val="accent6"/>
+          </a:fillRef>
+          <a:effectRef idx="2">
+            <a:schemeClr val="accent6"/>
+          </a:effectRef>
+          <a:fontRef idx="minor">
+            <a:schemeClr val="tx1"/>
+          </a:fontRef>
+        </p:style>
+      </p:cxnSp>
+    </p:spTree>
+    <p:extLst>
+      <p:ext uri="{BB962C8B-B14F-4D97-AF65-F5344CB8AC3E}">
+        <p14:creationId xmlns:p14="http://schemas.microsoft.com/office/powerpoint/2010/main" val="499253051"/>
+      </p:ext>
+    </p:extLst>
+  </p:cSld>
+  <p:clrMapOvr>
+    <a:masterClrMapping/>
+  </p:clrMapOvr>
+  <p:timing>
+    <p:tnLst>
+      <p:par>
+        <p:cTn id="1" dur="indefinite" restart="never" nodeType="tmRoot">
+          <p:childTnLst>
+            <p:seq concurrent="1" nextAc="seek">
+              <p:cTn id="2" dur="indefinite" nodeType="mainSeq">
+                <p:childTnLst>
+                  <p:par>
+                    <p:cTn id="3" fill="hold">
+                      <p:stCondLst>
+                        <p:cond delay="indefinite"/>
+                      </p:stCondLst>
+                      <p:childTnLst>
+                        <p:par>
+                          <p:cTn id="4" fill="hold">
+                            <p:stCondLst>
+                              <p:cond delay="0"/>
+                            </p:stCondLst>
+                            <p:childTnLst>
+                              <p:par>
+                                <p:cTn id="5" presetID="1" presetClass="entr" presetSubtype="0" fill="hold" nodeType="clickEffect">
+                                  <p:stCondLst>
+                                    <p:cond delay="0"/>
+                                  </p:stCondLst>
+                                  <p:childTnLst>
+                                    <p:set>
+                                      <p:cBhvr>
+                                        <p:cTn id="6" dur="1" fill="hold">
+                                          <p:stCondLst>
+                                            <p:cond delay="0"/>
+                                          </p:stCondLst>
+                                        </p:cTn>
+                                        <p:tgtEl>
+                                          <p:spTgt spid="48"/>
+                                        </p:tgtEl>
+                                        <p:attrNameLst>
+                                          <p:attrName>style.visibility</p:attrName>
+                                        </p:attrNameLst>
+                                      </p:cBhvr>
+                                      <p:to>
+                                        <p:strVal val="visible"/>
+                                      </p:to>
+                                    </p:set>
+                                  </p:childTnLst>
+                                </p:cTn>
+                              </p:par>
+                            </p:childTnLst>
+                          </p:cTn>
+                        </p:par>
+                        <p:par>
+                          <p:cTn id="7" fill="hold">
+                            <p:stCondLst>
+                              <p:cond delay="0"/>
+                            </p:stCondLst>
+                            <p:childTnLst>
+                              <p:par>
+                                <p:cTn id="8" presetID="3" presetClass="exit" presetSubtype="10" fill="hold" grpId="0" nodeType="afterEffect">
+                                  <p:stCondLst>
+                                    <p:cond delay="0"/>
+                                  </p:stCondLst>
+                                  <p:childTnLst>
+                                    <p:animEffect transition="out" filter="blinds(horizontal)">
+                                      <p:cBhvr>
+                                        <p:cTn id="9" dur="500"/>
+                                        <p:tgtEl>
+                                          <p:spTgt spid="23"/>
+                                        </p:tgtEl>
+                                      </p:cBhvr>
+                                    </p:animEffect>
+                                    <p:set>
+                                      <p:cBhvr>
+                                        <p:cTn id="10" dur="1" fill="hold">
+                                          <p:stCondLst>
+                                            <p:cond delay="499"/>
+                                          </p:stCondLst>
+                                        </p:cTn>
+                                        <p:tgtEl>
+                                          <p:spTgt spid="23"/>
+                                        </p:tgtEl>
+                                        <p:attrNameLst>
+                                          <p:attrName>style.visibility</p:attrName>
+                                        </p:attrNameLst>
+                                      </p:cBhvr>
+                                      <p:to>
+                                        <p:strVal val="hidden"/>
+                                      </p:to>
+                                    </p:set>
+                                  </p:childTnLst>
+                                </p:cTn>
+                              </p:par>
+                            </p:childTnLst>
+                          </p:cTn>
+                        </p:par>
+                      </p:childTnLst>
+                    </p:cTn>
+                  </p:par>
+                  <p:par>
+                    <p:cTn id="11" fill="hold">
+                      <p:stCondLst>
+                        <p:cond delay="indefinite"/>
+                      </p:stCondLst>
+                      <p:childTnLst>
+                        <p:par>
+                          <p:cTn id="12" fill="hold">
+                            <p:stCondLst>
+                              <p:cond delay="0"/>
+                            </p:stCondLst>
+                            <p:childTnLst>
+                              <p:par>
+                                <p:cTn id="13" presetID="1" presetClass="entr" presetSubtype="0" fill="hold" nodeType="clickEffect">
+                                  <p:stCondLst>
+                                    <p:cond delay="0"/>
+                                  </p:stCondLst>
+                                  <p:childTnLst>
+                                    <p:set>
+                                      <p:cBhvr>
+                                        <p:cTn id="14" dur="1" fill="hold">
+                                          <p:stCondLst>
+                                            <p:cond delay="0"/>
+                                          </p:stCondLst>
+                                        </p:cTn>
+                                        <p:tgtEl>
+                                          <p:spTgt spid="39"/>
+                                        </p:tgtEl>
+                                        <p:attrNameLst>
+                                          <p:attrName>style.visibility</p:attrName>
+                                        </p:attrNameLst>
+                                      </p:cBhvr>
+                                      <p:to>
+                                        <p:strVal val="visible"/>
+                                      </p:to>
+                                    </p:set>
+                                  </p:childTnLst>
+                                </p:cTn>
+                              </p:par>
+                            </p:childTnLst>
+                          </p:cTn>
+                        </p:par>
+                        <p:par>
+                          <p:cTn id="15" fill="hold">
+                            <p:stCondLst>
+                              <p:cond delay="0"/>
+                            </p:stCondLst>
+                            <p:childTnLst>
+                              <p:par>
+                                <p:cTn id="16" presetID="3" presetClass="exit" presetSubtype="10" fill="hold" grpId="0" nodeType="afterEffect">
+                                  <p:stCondLst>
+                                    <p:cond delay="0"/>
+                                  </p:stCondLst>
+                                  <p:childTnLst>
+                                    <p:animEffect transition="out" filter="blinds(horizontal)">
+                                      <p:cBhvr>
+                                        <p:cTn id="17" dur="500"/>
+                                        <p:tgtEl>
+                                          <p:spTgt spid="24"/>
+                                        </p:tgtEl>
+                                      </p:cBhvr>
+                                    </p:animEffect>
+                                    <p:set>
+                                      <p:cBhvr>
+                                        <p:cTn id="18" dur="1" fill="hold">
+                                          <p:stCondLst>
+                                            <p:cond delay="499"/>
+                                          </p:stCondLst>
+                                        </p:cTn>
+                                        <p:tgtEl>
+                                          <p:spTgt spid="24"/>
+                                        </p:tgtEl>
+                                        <p:attrNameLst>
+                                          <p:attrName>style.visibility</p:attrName>
+                                        </p:attrNameLst>
+                                      </p:cBhvr>
+                                      <p:to>
+                                        <p:strVal val="hidden"/>
+                                      </p:to>
+                                    </p:set>
+                                  </p:childTnLst>
+                                </p:cTn>
+                              </p:par>
+                            </p:childTnLst>
+                          </p:cTn>
+                        </p:par>
+                      </p:childTnLst>
+                    </p:cTn>
+                  </p:par>
+                  <p:par>
+                    <p:cTn id="19" fill="hold">
+                      <p:stCondLst>
+                        <p:cond delay="indefinite"/>
+                      </p:stCondLst>
+                      <p:childTnLst>
+                        <p:par>
+                          <p:cTn id="20" fill="hold">
+                            <p:stCondLst>
+                              <p:cond delay="0"/>
+                            </p:stCondLst>
+                            <p:childTnLst>
+                              <p:par>
+                                <p:cTn id="21" presetID="1" presetClass="entr" presetSubtype="0" fill="hold" nodeType="clickEffect">
+                                  <p:stCondLst>
+                                    <p:cond delay="0"/>
+                                  </p:stCondLst>
+                                  <p:childTnLst>
+                                    <p:set>
+                                      <p:cBhvr>
+                                        <p:cTn id="22" dur="1" fill="hold">
+                                          <p:stCondLst>
+                                            <p:cond delay="0"/>
+                                          </p:stCondLst>
+                                        </p:cTn>
+                                        <p:tgtEl>
+                                          <p:spTgt spid="44"/>
+                                        </p:tgtEl>
+                                        <p:attrNameLst>
+                                          <p:attrName>style.visibility</p:attrName>
+                                        </p:attrNameLst>
+                                      </p:cBhvr>
+                                      <p:to>
+                                        <p:strVal val="visible"/>
+                                      </p:to>
+                                    </p:set>
+                                  </p:childTnLst>
+                                </p:cTn>
+                              </p:par>
+                            </p:childTnLst>
+                          </p:cTn>
+                        </p:par>
+                        <p:par>
+                          <p:cTn id="23" fill="hold">
+                            <p:stCondLst>
+                              <p:cond delay="0"/>
+                            </p:stCondLst>
+                            <p:childTnLst>
+                              <p:par>
+                                <p:cTn id="24" presetID="3" presetClass="exit" presetSubtype="10" fill="hold" grpId="0" nodeType="afterEffect">
+                                  <p:stCondLst>
+                                    <p:cond delay="0"/>
+                                  </p:stCondLst>
+                                  <p:childTnLst>
+                                    <p:animEffect transition="out" filter="blinds(horizontal)">
+                                      <p:cBhvr>
+                                        <p:cTn id="25" dur="500"/>
+                                        <p:tgtEl>
+                                          <p:spTgt spid="25"/>
+                                        </p:tgtEl>
+                                      </p:cBhvr>
+                                    </p:animEffect>
+                                    <p:set>
+                                      <p:cBhvr>
+                                        <p:cTn id="26" dur="1" fill="hold">
+                                          <p:stCondLst>
+                                            <p:cond delay="499"/>
+                                          </p:stCondLst>
+                                        </p:cTn>
+                                        <p:tgtEl>
+                                          <p:spTgt spid="25"/>
+                                        </p:tgtEl>
+                                        <p:attrNameLst>
+                                          <p:attrName>style.visibility</p:attrName>
+                                        </p:attrNameLst>
+                                      </p:cBhvr>
+                                      <p:to>
+                                        <p:strVal val="hidden"/>
+                                      </p:to>
+                                    </p:set>
+                                  </p:childTnLst>
+                                </p:cTn>
+                              </p:par>
+                            </p:childTnLst>
+                          </p:cTn>
+                        </p:par>
+                      </p:childTnLst>
+                    </p:cTn>
+                  </p:par>
+                </p:childTnLst>
+              </p:cTn>
+              <p:prevCondLst>
+                <p:cond evt="onPrev" delay="0">
+                  <p:tgtEl>
+                    <p:sldTgt/>
+                  </p:tgtEl>
+                </p:cond>
+              </p:prevCondLst>
+              <p:nextCondLst>
+                <p:cond evt="onNext" delay="0">
+                  <p:tgtEl>
+                    <p:sldTgt/>
+                  </p:tgtEl>
+                </p:cond>
+              </p:nextCondLst>
+            </p:seq>
+          </p:childTnLst>
+        </p:cTn>
+      </p:par>
+    </p:tnLst>
+    <p:bldLst>
+      <p:bldP spid="23" grpId="0" animBg="1"/>
+      <p:bldP spid="24" grpId="0" animBg="1"/>
+      <p:bldP spid="25" grpId="0" animBg="1"/>
+    </p:bldLst>
+  </p:timing>
+</p:sld>
+</file>
+
+<file path=ppt/slides/slide11.xml><?xml version="1.0" encoding="utf-8"?>
+<p:sld xmlns:a="http://schemas.openxmlformats.org/drawingml/2006/main" xmlns:r="http://schemas.openxmlformats.org/officeDocument/2006/relationships" xmlns:p="http://schemas.openxmlformats.org/presentationml/2006/main">
+  <p:cSld>
+    <p:spTree>
+      <p:nvGrpSpPr>
+        <p:cNvPr id="1" name=""/>
+        <p:cNvGrpSpPr/>
+        <p:nvPr/>
+      </p:nvGrpSpPr>
+      <p:grpSpPr>
+        <a:xfrm>
+          <a:off x="0" y="0"/>
+          <a:ext cx="0" cy="0"/>
+          <a:chOff x="0" y="0"/>
+          <a:chExt cx="0" cy="0"/>
+        </a:xfrm>
+      </p:grpSpPr>
+      <p:sp>
+        <p:nvSpPr>
+          <p:cNvPr id="2" name="Inhaltsplatzhalter 1">
+            <a:extLst>
+              <a:ext uri="{FF2B5EF4-FFF2-40B4-BE49-F238E27FC236}">
+                <a16:creationId xmlns:a16="http://schemas.microsoft.com/office/drawing/2014/main" id="{5E997634-8E26-CF42-8D27-C6713E2B18E4}"/>
+              </a:ext>
+            </a:extLst>
+          </p:cNvPr>
+          <p:cNvSpPr>
+            <a:spLocks noGrp="1"/>
+          </p:cNvSpPr>
+          <p:nvPr>
+            <p:ph idx="1"/>
+          </p:nvPr>
+        </p:nvSpPr>
+        <p:spPr/>
+        <p:txBody>
+          <a:bodyPr/>
+          <a:lstStyle/>
+          <a:p>
+            <a:r>
+              <a:rPr lang="de-DE" dirty="0"/>
+              <a:t>Festgelegte Ball- / Spielergeschwindigkeit in globalen Variablen</a:t>
+            </a:r>
+          </a:p>
+          <a:p>
+            <a:endParaRPr lang="de-DE" dirty="0"/>
+          </a:p>
+          <a:p>
+            <a:r>
+              <a:rPr lang="de-DE" dirty="0"/>
+              <a:t>Ballkollision mit den Banden</a:t>
+            </a:r>
+          </a:p>
+          <a:p>
+            <a:endParaRPr lang="de-DE" dirty="0"/>
+          </a:p>
+          <a:p>
+            <a:endParaRPr lang="de-DE" dirty="0"/>
+          </a:p>
+          <a:p>
+            <a:endParaRPr lang="de-DE" dirty="0"/>
+          </a:p>
+          <a:p>
+            <a:endParaRPr lang="de-DE" dirty="0"/>
+          </a:p>
+          <a:p>
+            <a:r>
+              <a:rPr lang="de-DE" dirty="0"/>
+              <a:t>Ballkollision mit einem Spieler</a:t>
+            </a:r>
+          </a:p>
+          <a:p>
+            <a:endParaRPr lang="de-DE" dirty="0"/>
+          </a:p>
+          <a:p>
+            <a:r>
+              <a:rPr lang="de-DE" dirty="0" err="1"/>
+              <a:t>Repositionierung</a:t>
+            </a:r>
+            <a:r>
+              <a:rPr lang="de-DE" dirty="0"/>
+              <a:t> bei Punktgewinn</a:t>
+            </a:r>
+          </a:p>
+          <a:p>
+            <a:pPr marL="0" indent="0">
+              <a:buNone/>
+            </a:pPr>
+            <a:endParaRPr lang="de-DE" dirty="0"/>
+          </a:p>
+        </p:txBody>
+      </p:sp>
+      <p:sp>
+        <p:nvSpPr>
+          <p:cNvPr id="3" name="Foliennummernplatzhalter 2">
+            <a:extLst>
+              <a:ext uri="{FF2B5EF4-FFF2-40B4-BE49-F238E27FC236}">
+                <a16:creationId xmlns:a16="http://schemas.microsoft.com/office/drawing/2014/main" id="{04034BF6-1F07-3248-AA26-9FFA7B12CF5B}"/>
+              </a:ext>
+            </a:extLst>
+          </p:cNvPr>
+          <p:cNvSpPr>
+            <a:spLocks noGrp="1"/>
+          </p:cNvSpPr>
+          <p:nvPr>
+            <p:ph type="sldNum" sz="quarter" idx="12"/>
+          </p:nvPr>
+        </p:nvSpPr>
+        <p:spPr/>
+        <p:txBody>
+          <a:bodyPr/>
+          <a:lstStyle/>
+          <a:p>
+            <a:fld id="{29AD3987-26BA-49DC-BA24-72731371DC9F}" type="slidenum">
+              <a:rPr lang="de-DE" smtClean="0"/>
+              <a:pPr/>
+              <a:t>11</a:t>
+            </a:fld>
+            <a:endParaRPr lang="de-DE" dirty="0"/>
+          </a:p>
+        </p:txBody>
+      </p:sp>
+      <p:sp>
+        <p:nvSpPr>
+          <p:cNvPr id="4" name="Titel 3">
+            <a:extLst>
+              <a:ext uri="{FF2B5EF4-FFF2-40B4-BE49-F238E27FC236}">
+                <a16:creationId xmlns:a16="http://schemas.microsoft.com/office/drawing/2014/main" id="{E110E7A1-E9F8-4E43-B712-FDFA3B564C7E}"/>
+              </a:ext>
+            </a:extLst>
+          </p:cNvPr>
+          <p:cNvSpPr>
+            <a:spLocks noGrp="1"/>
+          </p:cNvSpPr>
+          <p:nvPr>
+            <p:ph type="title"/>
+          </p:nvPr>
+        </p:nvSpPr>
+        <p:spPr/>
+        <p:txBody>
+          <a:bodyPr/>
+          <a:lstStyle/>
+          <a:p>
+            <a:r>
+              <a:rPr lang="de-DE" dirty="0" err="1"/>
+              <a:t>Pong</a:t>
+            </a:r>
+            <a:r>
+              <a:rPr lang="de-DE" dirty="0"/>
+              <a:t>-Implementierung</a:t>
+            </a:r>
+          </a:p>
+        </p:txBody>
+      </p:sp>
+      <p:pic>
+        <p:nvPicPr>
+          <p:cNvPr id="6" name="Grafik 5">
+            <a:extLst>
+              <a:ext uri="{FF2B5EF4-FFF2-40B4-BE49-F238E27FC236}">
+                <a16:creationId xmlns:a16="http://schemas.microsoft.com/office/drawing/2014/main" id="{A9E7EB4D-B629-884F-995D-E74F8E5D6AFB}"/>
+              </a:ext>
+            </a:extLst>
+          </p:cNvPr>
+          <p:cNvPicPr>
+            <a:picLocks noChangeAspect="1"/>
+          </p:cNvPicPr>
+          <p:nvPr/>
+        </p:nvPicPr>
+        <p:blipFill>
+          <a:blip r:embed="rId2">
+            <a:extLst>
+              <a:ext uri="{28A0092B-C50C-407E-A947-70E740481C1C}">
+                <a14:useLocalDpi xmlns:a14="http://schemas.microsoft.com/office/drawing/2010/main" val="0"/>
+              </a:ext>
+            </a:extLst>
+          </a:blip>
+          <a:stretch>
+            <a:fillRect/>
+          </a:stretch>
+        </p:blipFill>
+        <p:spPr>
+          <a:xfrm>
+            <a:off x="4232335" y="2204864"/>
+            <a:ext cx="3901688" cy="1996927"/>
+          </a:xfrm>
+          <a:prstGeom prst="rect">
+            <a:avLst/>
+          </a:prstGeom>
+        </p:spPr>
+      </p:pic>
+    </p:spTree>
+    <p:extLst>
+      <p:ext uri="{BB962C8B-B14F-4D97-AF65-F5344CB8AC3E}">
+        <p14:creationId xmlns:p14="http://schemas.microsoft.com/office/powerpoint/2010/main" val="2014594274"/>
+      </p:ext>
+    </p:extLst>
+  </p:cSld>
+  <p:clrMapOvr>
+    <a:masterClrMapping/>
+  </p:clrMapOvr>
+</p:sld>
+</file>
+
+<file path=ppt/slides/slide12.xml><?xml version="1.0" encoding="utf-8"?>
+<p:sld xmlns:a="http://schemas.openxmlformats.org/drawingml/2006/main" xmlns:r="http://schemas.openxmlformats.org/officeDocument/2006/relationships" xmlns:p="http://schemas.openxmlformats.org/presentationml/2006/main">
+  <p:cSld>
+    <p:spTree>
+      <p:nvGrpSpPr>
+        <p:cNvPr id="1" name=""/>
+        <p:cNvGrpSpPr/>
+        <p:nvPr/>
+      </p:nvGrpSpPr>
+      <p:grpSpPr>
+        <a:xfrm>
+          <a:off x="0" y="0"/>
+          <a:ext cx="0" cy="0"/>
+          <a:chOff x="0" y="0"/>
+          <a:chExt cx="0" cy="0"/>
+        </a:xfrm>
+      </p:grpSpPr>
+      <p:sp>
+        <p:nvSpPr>
+          <p:cNvPr id="2" name="Inhaltsplatzhalter 1">
+            <a:extLst>
+              <a:ext uri="{FF2B5EF4-FFF2-40B4-BE49-F238E27FC236}">
+                <a16:creationId xmlns:a16="http://schemas.microsoft.com/office/drawing/2014/main" id="{E2AEF8A4-AD83-C347-903C-83EE532D5590}"/>
+              </a:ext>
+            </a:extLst>
+          </p:cNvPr>
+          <p:cNvSpPr>
+            <a:spLocks noGrp="1"/>
+          </p:cNvSpPr>
+          <p:nvPr>
+            <p:ph idx="1"/>
+          </p:nvPr>
+        </p:nvSpPr>
+        <p:spPr/>
+        <p:txBody>
+          <a:bodyPr/>
+          <a:lstStyle/>
+          <a:p>
+            <a:r>
+              <a:rPr lang="de-DE" dirty="0"/>
+              <a:t>Steuern der Schläger:</a:t>
+            </a:r>
+          </a:p>
+        </p:txBody>
+      </p:sp>
+      <p:sp>
+        <p:nvSpPr>
+          <p:cNvPr id="3" name="Foliennummernplatzhalter 2">
+            <a:extLst>
+              <a:ext uri="{FF2B5EF4-FFF2-40B4-BE49-F238E27FC236}">
+                <a16:creationId xmlns:a16="http://schemas.microsoft.com/office/drawing/2014/main" id="{0976C0F6-E8BF-E44C-BA14-298687A0272E}"/>
+              </a:ext>
+            </a:extLst>
+          </p:cNvPr>
+          <p:cNvSpPr>
+            <a:spLocks noGrp="1"/>
+          </p:cNvSpPr>
+          <p:nvPr>
+            <p:ph type="sldNum" sz="quarter" idx="12"/>
+          </p:nvPr>
+        </p:nvSpPr>
+        <p:spPr/>
+        <p:txBody>
+          <a:bodyPr/>
+          <a:lstStyle/>
+          <a:p>
+            <a:fld id="{29AD3987-26BA-49DC-BA24-72731371DC9F}" type="slidenum">
+              <a:rPr lang="de-DE" smtClean="0"/>
+              <a:pPr/>
+              <a:t>12</a:t>
+            </a:fld>
+            <a:endParaRPr lang="de-DE" dirty="0"/>
+          </a:p>
+        </p:txBody>
+      </p:sp>
+      <p:sp>
+        <p:nvSpPr>
+          <p:cNvPr id="4" name="Titel 3">
+            <a:extLst>
+              <a:ext uri="{FF2B5EF4-FFF2-40B4-BE49-F238E27FC236}">
+                <a16:creationId xmlns:a16="http://schemas.microsoft.com/office/drawing/2014/main" id="{C8F5E5A2-BCFC-F544-96B6-FC477A92D3CD}"/>
+              </a:ext>
+            </a:extLst>
+          </p:cNvPr>
+          <p:cNvSpPr>
+            <a:spLocks noGrp="1"/>
+          </p:cNvSpPr>
+          <p:nvPr>
+            <p:ph type="title"/>
+          </p:nvPr>
+        </p:nvSpPr>
+        <p:spPr/>
+        <p:txBody>
+          <a:bodyPr/>
+          <a:lstStyle/>
+          <a:p>
+            <a:r>
+              <a:rPr lang="de-DE" dirty="0" err="1"/>
+              <a:t>Pong</a:t>
+            </a:r>
+            <a:r>
+              <a:rPr lang="de-DE" dirty="0"/>
+              <a:t>-Implementierung</a:t>
+            </a:r>
+          </a:p>
+        </p:txBody>
+      </p:sp>
+      <p:pic>
+        <p:nvPicPr>
+          <p:cNvPr id="5" name="Grafik 4">
+            <a:extLst>
+              <a:ext uri="{FF2B5EF4-FFF2-40B4-BE49-F238E27FC236}">
+                <a16:creationId xmlns:a16="http://schemas.microsoft.com/office/drawing/2014/main" id="{0834BD63-4A5A-B240-AC68-D607889DD7DE}"/>
+              </a:ext>
+            </a:extLst>
+          </p:cNvPr>
+          <p:cNvPicPr>
+            <a:picLocks noChangeAspect="1"/>
+          </p:cNvPicPr>
+          <p:nvPr/>
+        </p:nvPicPr>
+        <p:blipFill>
+          <a:blip r:embed="rId3"/>
+          <a:stretch>
+            <a:fillRect/>
+          </a:stretch>
+        </p:blipFill>
+        <p:spPr>
+          <a:xfrm>
+            <a:off x="1715683" y="2204864"/>
+            <a:ext cx="5712634" cy="3672408"/>
+          </a:xfrm>
+          <a:prstGeom prst="rect">
+            <a:avLst/>
+          </a:prstGeom>
+        </p:spPr>
+      </p:pic>
+    </p:spTree>
+    <p:extLst>
+      <p:ext uri="{BB962C8B-B14F-4D97-AF65-F5344CB8AC3E}">
+        <p14:creationId xmlns:p14="http://schemas.microsoft.com/office/powerpoint/2010/main" val="2920438166"/>
+      </p:ext>
+    </p:extLst>
+  </p:cSld>
+  <p:clrMapOvr>
+    <a:masterClrMapping/>
+  </p:clrMapOvr>
+</p:sld>
+</file>
+
+<file path=ppt/slides/slide13.xml><?xml version="1.0" encoding="utf-8"?>
+<p:sld xmlns:a="http://schemas.openxmlformats.org/drawingml/2006/main" xmlns:r="http://schemas.openxmlformats.org/officeDocument/2006/relationships" xmlns:p="http://schemas.openxmlformats.org/presentationml/2006/main">
+  <p:cSld>
+    <p:spTree>
+      <p:nvGrpSpPr>
+        <p:cNvPr id="1" name=""/>
+        <p:cNvGrpSpPr/>
+        <p:nvPr/>
+      </p:nvGrpSpPr>
+      <p:grpSpPr>
+        <a:xfrm>
+          <a:off x="0" y="0"/>
+          <a:ext cx="0" cy="0"/>
+          <a:chOff x="0" y="0"/>
+          <a:chExt cx="0" cy="0"/>
+        </a:xfrm>
+      </p:grpSpPr>
+      <p:pic>
+        <p:nvPicPr>
+          <p:cNvPr id="6" name="Inhaltsplatzhalter 5">
+            <a:extLst>
+              <a:ext uri="{FF2B5EF4-FFF2-40B4-BE49-F238E27FC236}">
+                <a16:creationId xmlns:a16="http://schemas.microsoft.com/office/drawing/2014/main" id="{294E91FE-73A6-4243-86BF-3EA76EF08BAF}"/>
+              </a:ext>
+            </a:extLst>
+          </p:cNvPr>
+          <p:cNvPicPr>
+            <a:picLocks noGrp="1" noChangeAspect="1"/>
+          </p:cNvPicPr>
+          <p:nvPr>
+            <p:ph idx="1"/>
+          </p:nvPr>
+        </p:nvPicPr>
+        <p:blipFill>
+          <a:blip r:embed="rId3">
+            <a:extLst>
+              <a:ext uri="{28A0092B-C50C-407E-A947-70E740481C1C}">
+                <a14:useLocalDpi xmlns:a14="http://schemas.microsoft.com/office/drawing/2010/main" val="0"/>
+              </a:ext>
+            </a:extLst>
+          </a:blip>
+          <a:stretch>
+            <a:fillRect/>
+          </a:stretch>
+        </p:blipFill>
+        <p:spPr>
+          <a:xfrm>
+            <a:off x="1034279" y="1196752"/>
+            <a:ext cx="7075442" cy="4030315"/>
+          </a:xfrm>
+        </p:spPr>
+      </p:pic>
+      <p:sp>
+        <p:nvSpPr>
+          <p:cNvPr id="3" name="Foliennummernplatzhalter 2">
+            <a:extLst>
+              <a:ext uri="{FF2B5EF4-FFF2-40B4-BE49-F238E27FC236}">
+                <a16:creationId xmlns:a16="http://schemas.microsoft.com/office/drawing/2014/main" id="{48860B24-84E4-B840-B8E1-CB733FE42CEA}"/>
+              </a:ext>
+            </a:extLst>
+          </p:cNvPr>
+          <p:cNvSpPr>
+            <a:spLocks noGrp="1"/>
+          </p:cNvSpPr>
+          <p:nvPr>
+            <p:ph type="sldNum" sz="quarter" idx="12"/>
+          </p:nvPr>
+        </p:nvSpPr>
+        <p:spPr/>
+        <p:txBody>
+          <a:bodyPr/>
+          <a:lstStyle/>
+          <a:p>
+            <a:fld id="{29AD3987-26BA-49DC-BA24-72731371DC9F}" type="slidenum">
+              <a:rPr lang="de-DE" smtClean="0"/>
+              <a:pPr/>
+              <a:t>13</a:t>
+            </a:fld>
+            <a:endParaRPr lang="de-DE" dirty="0"/>
+          </a:p>
+        </p:txBody>
+      </p:sp>
+      <p:sp>
+        <p:nvSpPr>
+          <p:cNvPr id="7" name="Textfeld 6">
+            <a:extLst>
+              <a:ext uri="{FF2B5EF4-FFF2-40B4-BE49-F238E27FC236}">
+                <a16:creationId xmlns:a16="http://schemas.microsoft.com/office/drawing/2014/main" id="{62F8D125-A8D6-0242-B344-59C527A79990}"/>
+              </a:ext>
+            </a:extLst>
+          </p:cNvPr>
+          <p:cNvSpPr txBox="1"/>
+          <p:nvPr/>
+        </p:nvSpPr>
+        <p:spPr>
+          <a:xfrm>
+            <a:off x="3068706" y="5805264"/>
+            <a:ext cx="3006588" cy="169277"/>
+          </a:xfrm>
+          <a:prstGeom prst="rect">
+            <a:avLst/>
+          </a:prstGeom>
+          <a:noFill/>
+        </p:spPr>
+        <p:txBody>
+          <a:bodyPr wrap="square" rtlCol="0">
+            <a:spAutoFit/>
+          </a:bodyPr>
+          <a:lstStyle/>
+          <a:p>
+            <a:r>
+              <a:rPr lang="de-DE" sz="500" dirty="0"/>
+              <a:t>http://</a:t>
+            </a:r>
+            <a:r>
+              <a:rPr lang="de-DE" sz="500" dirty="0" err="1"/>
+              <a:t>kenes-exhibitions.com</a:t>
+            </a:r>
+            <a:r>
+              <a:rPr lang="de-DE" sz="500" dirty="0"/>
+              <a:t>/</a:t>
+            </a:r>
+            <a:r>
+              <a:rPr lang="de-DE" sz="500" dirty="0" err="1"/>
+              <a:t>cybersecurity</a:t>
+            </a:r>
+            <a:r>
+              <a:rPr lang="de-DE" sz="500" dirty="0"/>
+              <a:t>/</a:t>
+            </a:r>
+            <a:r>
+              <a:rPr lang="de-DE" sz="500" dirty="0" err="1"/>
+              <a:t>wp</a:t>
+            </a:r>
+            <a:r>
+              <a:rPr lang="de-DE" sz="500" dirty="0"/>
+              <a:t>-content/</a:t>
+            </a:r>
+            <a:r>
+              <a:rPr lang="de-DE" sz="500" dirty="0" err="1"/>
+              <a:t>uploads</a:t>
+            </a:r>
+            <a:r>
+              <a:rPr lang="de-DE" sz="500" dirty="0"/>
+              <a:t>/2016/11/livedemo-cyber-</a:t>
+            </a:r>
+            <a:r>
+              <a:rPr lang="de-DE" sz="500" dirty="0" err="1"/>
+              <a:t>security</a:t>
+            </a:r>
+            <a:r>
+              <a:rPr lang="de-DE" sz="500" dirty="0"/>
+              <a:t>-</a:t>
+            </a:r>
+            <a:r>
+              <a:rPr lang="de-DE" sz="500" dirty="0" err="1"/>
+              <a:t>india.png</a:t>
+            </a:r>
+            <a:endParaRPr lang="de-DE" sz="500" dirty="0"/>
+          </a:p>
+        </p:txBody>
+      </p:sp>
+    </p:spTree>
+    <p:extLst>
+      <p:ext uri="{BB962C8B-B14F-4D97-AF65-F5344CB8AC3E}">
+        <p14:creationId xmlns:p14="http://schemas.microsoft.com/office/powerpoint/2010/main" val="3640971965"/>
+      </p:ext>
+    </p:extLst>
+  </p:cSld>
+  <p:clrMapOvr>
+    <a:masterClrMapping/>
+  </p:clrMapOvr>
+</p:sld>
+</file>
+
 <file path=ppt/slides/slide2.xml><?xml version="1.0" encoding="utf-8"?>
 <p:sld xmlns:a="http://schemas.openxmlformats.org/drawingml/2006/main" xmlns:r="http://schemas.openxmlformats.org/officeDocument/2006/relationships" xmlns:p="http://schemas.openxmlformats.org/presentationml/2006/main">
   <p:cSld>
@@ -6367,6 +8023,997 @@
     <p:extLst>
       <p:ext uri="{BB962C8B-B14F-4D97-AF65-F5344CB8AC3E}">
         <p14:creationId xmlns:p14="http://schemas.microsoft.com/office/powerpoint/2010/main" val="1363330997"/>
+      </p:ext>
+    </p:extLst>
+  </p:cSld>
+  <p:clrMapOvr>
+    <a:masterClrMapping/>
+  </p:clrMapOvr>
+</p:sld>
+</file>
+
+<file path=ppt/slides/slide8.xml><?xml version="1.0" encoding="utf-8"?>
+<p:sld xmlns:a="http://schemas.openxmlformats.org/drawingml/2006/main" xmlns:r="http://schemas.openxmlformats.org/officeDocument/2006/relationships" xmlns:p="http://schemas.openxmlformats.org/presentationml/2006/main">
+  <p:cSld>
+    <p:spTree>
+      <p:nvGrpSpPr>
+        <p:cNvPr id="1" name=""/>
+        <p:cNvGrpSpPr/>
+        <p:nvPr/>
+      </p:nvGrpSpPr>
+      <p:grpSpPr>
+        <a:xfrm>
+          <a:off x="0" y="0"/>
+          <a:ext cx="0" cy="0"/>
+          <a:chOff x="0" y="0"/>
+          <a:chExt cx="0" cy="0"/>
+        </a:xfrm>
+      </p:grpSpPr>
+      <p:sp>
+        <p:nvSpPr>
+          <p:cNvPr id="3" name="Foliennummernplatzhalter 2">
+            <a:extLst>
+              <a:ext uri="{FF2B5EF4-FFF2-40B4-BE49-F238E27FC236}">
+                <a16:creationId xmlns:a16="http://schemas.microsoft.com/office/drawing/2014/main" id="{7D1F25F2-6EDC-0A4C-ACE0-8AAF5A33B8C7}"/>
+              </a:ext>
+            </a:extLst>
+          </p:cNvPr>
+          <p:cNvSpPr>
+            <a:spLocks noGrp="1"/>
+          </p:cNvSpPr>
+          <p:nvPr>
+            <p:ph type="sldNum" sz="quarter" idx="12"/>
+          </p:nvPr>
+        </p:nvSpPr>
+        <p:spPr/>
+        <p:txBody>
+          <a:bodyPr/>
+          <a:lstStyle/>
+          <a:p>
+            <a:fld id="{29AD3987-26BA-49DC-BA24-72731371DC9F}" type="slidenum">
+              <a:rPr lang="de-DE" smtClean="0"/>
+              <a:pPr/>
+              <a:t>8</a:t>
+            </a:fld>
+            <a:endParaRPr lang="de-DE" dirty="0"/>
+          </a:p>
+        </p:txBody>
+      </p:sp>
+      <p:sp>
+        <p:nvSpPr>
+          <p:cNvPr id="4" name="Titel 3">
+            <a:extLst>
+              <a:ext uri="{FF2B5EF4-FFF2-40B4-BE49-F238E27FC236}">
+                <a16:creationId xmlns:a16="http://schemas.microsoft.com/office/drawing/2014/main" id="{2AB25FCA-1E22-1946-9D99-0B3ED3A495DE}"/>
+              </a:ext>
+            </a:extLst>
+          </p:cNvPr>
+          <p:cNvSpPr>
+            <a:spLocks noGrp="1"/>
+          </p:cNvSpPr>
+          <p:nvPr>
+            <p:ph type="title"/>
+          </p:nvPr>
+        </p:nvSpPr>
+        <p:spPr/>
+        <p:txBody>
+          <a:bodyPr/>
+          <a:lstStyle/>
+          <a:p>
+            <a:r>
+              <a:rPr lang="de-DE" dirty="0" err="1"/>
+              <a:t>Pong</a:t>
+            </a:r>
+            <a:r>
+              <a:rPr lang="de-DE" dirty="0"/>
+              <a:t>-Implementierung</a:t>
+            </a:r>
+          </a:p>
+        </p:txBody>
+      </p:sp>
+      <p:sp>
+        <p:nvSpPr>
+          <p:cNvPr id="8" name="Inhaltsplatzhalter 7">
+            <a:extLst>
+              <a:ext uri="{FF2B5EF4-FFF2-40B4-BE49-F238E27FC236}">
+                <a16:creationId xmlns:a16="http://schemas.microsoft.com/office/drawing/2014/main" id="{91C76783-EA7E-894B-88AC-AE29665FFC84}"/>
+              </a:ext>
+            </a:extLst>
+          </p:cNvPr>
+          <p:cNvSpPr>
+            <a:spLocks noGrp="1"/>
+          </p:cNvSpPr>
+          <p:nvPr>
+            <p:ph idx="1"/>
+          </p:nvPr>
+        </p:nvSpPr>
+        <p:spPr/>
+        <p:txBody>
+          <a:bodyPr/>
+          <a:lstStyle/>
+          <a:p>
+            <a:r>
+              <a:rPr lang="de-DE" dirty="0"/>
+              <a:t>Wie zeigen wir dem Spieler, dass wir sein Objekt </a:t>
+            </a:r>
+            <a:br>
+              <a:rPr lang="de-DE" dirty="0"/>
+            </a:br>
+            <a:r>
+              <a:rPr lang="de-DE" dirty="0" err="1"/>
+              <a:t>tracken</a:t>
+            </a:r>
+            <a:r>
+              <a:rPr lang="de-DE" dirty="0"/>
+              <a:t>?</a:t>
+            </a:r>
+          </a:p>
+          <a:p>
+            <a:endParaRPr lang="de-DE" dirty="0"/>
+          </a:p>
+          <a:p>
+            <a:endParaRPr lang="de-DE" dirty="0"/>
+          </a:p>
+          <a:p>
+            <a:r>
+              <a:rPr lang="de-DE" dirty="0"/>
+              <a:t>Aufbau des Spielfelds:</a:t>
+            </a:r>
+          </a:p>
+        </p:txBody>
+      </p:sp>
+      <p:pic>
+        <p:nvPicPr>
+          <p:cNvPr id="9" name="Inhaltsplatzhalter 5">
+            <a:extLst>
+              <a:ext uri="{FF2B5EF4-FFF2-40B4-BE49-F238E27FC236}">
+                <a16:creationId xmlns:a16="http://schemas.microsoft.com/office/drawing/2014/main" id="{6DBE70E3-0FBE-954C-A698-265E9C3C7A5E}"/>
+              </a:ext>
+            </a:extLst>
+          </p:cNvPr>
+          <p:cNvPicPr>
+            <a:picLocks noChangeAspect="1"/>
+          </p:cNvPicPr>
+          <p:nvPr/>
+        </p:nvPicPr>
+        <p:blipFill rotWithShape="1">
+          <a:blip r:embed="rId3">
+            <a:extLst>
+              <a:ext uri="{28A0092B-C50C-407E-A947-70E740481C1C}">
+                <a14:useLocalDpi xmlns:a14="http://schemas.microsoft.com/office/drawing/2010/main" val="0"/>
+              </a:ext>
+            </a:extLst>
+          </a:blip>
+          <a:srcRect r="14244"/>
+          <a:stretch/>
+        </p:blipFill>
+        <p:spPr>
+          <a:xfrm>
+            <a:off x="6577455" y="1322767"/>
+            <a:ext cx="1920748" cy="1548808"/>
+          </a:xfrm>
+          <a:prstGeom prst="rect">
+            <a:avLst/>
+          </a:prstGeom>
+        </p:spPr>
+      </p:pic>
+      <p:grpSp>
+        <p:nvGrpSpPr>
+          <p:cNvPr id="32" name="Gruppieren 31">
+            <a:extLst>
+              <a:ext uri="{FF2B5EF4-FFF2-40B4-BE49-F238E27FC236}">
+                <a16:creationId xmlns:a16="http://schemas.microsoft.com/office/drawing/2014/main" id="{4563CEEC-FF48-7F46-977C-F5D30913D884}"/>
+              </a:ext>
+            </a:extLst>
+          </p:cNvPr>
+          <p:cNvGrpSpPr/>
+          <p:nvPr/>
+        </p:nvGrpSpPr>
+        <p:grpSpPr>
+          <a:xfrm>
+            <a:off x="1367644" y="3573016"/>
+            <a:ext cx="6408712" cy="2664296"/>
+            <a:chOff x="1367644" y="3573016"/>
+            <a:chExt cx="6408712" cy="2664296"/>
+          </a:xfrm>
+        </p:grpSpPr>
+        <p:sp>
+          <p:nvSpPr>
+            <p:cNvPr id="15" name="Rechteck 14">
+              <a:extLst>
+                <a:ext uri="{FF2B5EF4-FFF2-40B4-BE49-F238E27FC236}">
+                  <a16:creationId xmlns:a16="http://schemas.microsoft.com/office/drawing/2014/main" id="{7DADC8BD-9AD1-2A48-A60F-E44AB225D72B}"/>
+                </a:ext>
+              </a:extLst>
+            </p:cNvPr>
+            <p:cNvSpPr/>
+            <p:nvPr/>
+          </p:nvSpPr>
+          <p:spPr>
+            <a:xfrm>
+              <a:off x="1491781" y="4015700"/>
+              <a:ext cx="216024" cy="889464"/>
+            </a:xfrm>
+            <a:prstGeom prst="rect">
+              <a:avLst/>
+            </a:prstGeom>
+          </p:spPr>
+          <p:style>
+            <a:lnRef idx="2">
+              <a:schemeClr val="accent3">
+                <a:shade val="50000"/>
+              </a:schemeClr>
+            </a:lnRef>
+            <a:fillRef idx="1">
+              <a:schemeClr val="accent3"/>
+            </a:fillRef>
+            <a:effectRef idx="0">
+              <a:schemeClr val="accent3"/>
+            </a:effectRef>
+            <a:fontRef idx="minor">
+              <a:schemeClr val="lt1"/>
+            </a:fontRef>
+          </p:style>
+          <p:txBody>
+            <a:bodyPr rtlCol="0" anchor="ctr"/>
+            <a:lstStyle/>
+            <a:p>
+              <a:pPr algn="ctr"/>
+              <a:endParaRPr lang="de-DE"/>
+            </a:p>
+          </p:txBody>
+        </p:sp>
+        <p:sp>
+          <p:nvSpPr>
+            <p:cNvPr id="16" name="Rechteck 15">
+              <a:extLst>
+                <a:ext uri="{FF2B5EF4-FFF2-40B4-BE49-F238E27FC236}">
+                  <a16:creationId xmlns:a16="http://schemas.microsoft.com/office/drawing/2014/main" id="{E50510FB-E628-914B-A5C1-CCB7A9C7BA50}"/>
+                </a:ext>
+              </a:extLst>
+            </p:cNvPr>
+            <p:cNvSpPr/>
+            <p:nvPr/>
+          </p:nvSpPr>
+          <p:spPr>
+            <a:xfrm>
+              <a:off x="7452320" y="5025380"/>
+              <a:ext cx="216024" cy="889464"/>
+            </a:xfrm>
+            <a:prstGeom prst="rect">
+              <a:avLst/>
+            </a:prstGeom>
+          </p:spPr>
+          <p:style>
+            <a:lnRef idx="2">
+              <a:schemeClr val="accent3">
+                <a:shade val="50000"/>
+              </a:schemeClr>
+            </a:lnRef>
+            <a:fillRef idx="1">
+              <a:schemeClr val="accent3"/>
+            </a:fillRef>
+            <a:effectRef idx="0">
+              <a:schemeClr val="accent3"/>
+            </a:effectRef>
+            <a:fontRef idx="minor">
+              <a:schemeClr val="lt1"/>
+            </a:fontRef>
+          </p:style>
+          <p:txBody>
+            <a:bodyPr rtlCol="0" anchor="ctr"/>
+            <a:lstStyle/>
+            <a:p>
+              <a:pPr algn="ctr"/>
+              <a:endParaRPr lang="de-DE"/>
+            </a:p>
+          </p:txBody>
+        </p:sp>
+        <p:grpSp>
+          <p:nvGrpSpPr>
+            <p:cNvPr id="31" name="Gruppieren 30">
+              <a:extLst>
+                <a:ext uri="{FF2B5EF4-FFF2-40B4-BE49-F238E27FC236}">
+                  <a16:creationId xmlns:a16="http://schemas.microsoft.com/office/drawing/2014/main" id="{07565C6D-D5A0-1B4D-B576-4653F2823D84}"/>
+                </a:ext>
+              </a:extLst>
+            </p:cNvPr>
+            <p:cNvGrpSpPr/>
+            <p:nvPr/>
+          </p:nvGrpSpPr>
+          <p:grpSpPr>
+            <a:xfrm>
+              <a:off x="1367644" y="3573016"/>
+              <a:ext cx="6408712" cy="2664296"/>
+              <a:chOff x="1367644" y="3573016"/>
+              <a:chExt cx="6408712" cy="2664296"/>
+            </a:xfrm>
+          </p:grpSpPr>
+          <p:sp>
+            <p:nvSpPr>
+              <p:cNvPr id="10" name="Rechteck 9">
+                <a:extLst>
+                  <a:ext uri="{FF2B5EF4-FFF2-40B4-BE49-F238E27FC236}">
+                    <a16:creationId xmlns:a16="http://schemas.microsoft.com/office/drawing/2014/main" id="{BEEDEFC3-E26D-4547-A1E8-3D9573E63E65}"/>
+                  </a:ext>
+                </a:extLst>
+              </p:cNvPr>
+              <p:cNvSpPr/>
+              <p:nvPr/>
+            </p:nvSpPr>
+            <p:spPr>
+              <a:xfrm>
+                <a:off x="2463887" y="3573016"/>
+                <a:ext cx="4232351" cy="2664296"/>
+              </a:xfrm>
+              <a:prstGeom prst="rect">
+                <a:avLst/>
+              </a:prstGeom>
+            </p:spPr>
+            <p:style>
+              <a:lnRef idx="2">
+                <a:schemeClr val="accent1">
+                  <a:shade val="50000"/>
+                </a:schemeClr>
+              </a:lnRef>
+              <a:fillRef idx="1">
+                <a:schemeClr val="accent1"/>
+              </a:fillRef>
+              <a:effectRef idx="0">
+                <a:schemeClr val="accent1"/>
+              </a:effectRef>
+              <a:fontRef idx="minor">
+                <a:schemeClr val="lt1"/>
+              </a:fontRef>
+            </p:style>
+            <p:txBody>
+              <a:bodyPr rtlCol="0" anchor="ctr"/>
+              <a:lstStyle/>
+              <a:p>
+                <a:pPr algn="ctr"/>
+                <a:endParaRPr lang="de-DE" dirty="0"/>
+              </a:p>
+            </p:txBody>
+          </p:sp>
+          <p:cxnSp>
+            <p:nvCxnSpPr>
+              <p:cNvPr id="12" name="Gerade Verbindung 11">
+                <a:extLst>
+                  <a:ext uri="{FF2B5EF4-FFF2-40B4-BE49-F238E27FC236}">
+                    <a16:creationId xmlns:a16="http://schemas.microsoft.com/office/drawing/2014/main" id="{EBF02127-A773-DB4F-BC32-0B4304A0DA36}"/>
+                  </a:ext>
+                </a:extLst>
+              </p:cNvPr>
+              <p:cNvCxnSpPr>
+                <a:cxnSpLocks/>
+                <a:stCxn id="10" idx="0"/>
+                <a:endCxn id="10" idx="2"/>
+              </p:cNvCxnSpPr>
+              <p:nvPr/>
+            </p:nvCxnSpPr>
+            <p:spPr>
+              <a:xfrm>
+                <a:off x="4580063" y="3573016"/>
+                <a:ext cx="0" cy="2664296"/>
+              </a:xfrm>
+              <a:prstGeom prst="line">
+                <a:avLst/>
+              </a:prstGeom>
+            </p:spPr>
+            <p:style>
+              <a:lnRef idx="1">
+                <a:schemeClr val="accent6"/>
+              </a:lnRef>
+              <a:fillRef idx="0">
+                <a:schemeClr val="accent6"/>
+              </a:fillRef>
+              <a:effectRef idx="0">
+                <a:schemeClr val="accent6"/>
+              </a:effectRef>
+              <a:fontRef idx="minor">
+                <a:schemeClr val="tx1"/>
+              </a:fontRef>
+            </p:style>
+          </p:cxnSp>
+          <p:sp>
+            <p:nvSpPr>
+              <p:cNvPr id="13" name="Oval 12">
+                <a:extLst>
+                  <a:ext uri="{FF2B5EF4-FFF2-40B4-BE49-F238E27FC236}">
+                    <a16:creationId xmlns:a16="http://schemas.microsoft.com/office/drawing/2014/main" id="{DF2EA258-FBF3-5B45-B413-3237FA4EF780}"/>
+                  </a:ext>
+                </a:extLst>
+              </p:cNvPr>
+              <p:cNvSpPr/>
+              <p:nvPr/>
+            </p:nvSpPr>
+            <p:spPr>
+              <a:xfrm>
+                <a:off x="3635896" y="4113076"/>
+                <a:ext cx="1872208" cy="1584176"/>
+              </a:xfrm>
+              <a:prstGeom prst="ellipse">
+                <a:avLst/>
+              </a:prstGeom>
+              <a:noFill/>
+              <a:ln w="9525" cap="flat" cmpd="sng" algn="ctr">
+                <a:solidFill>
+                  <a:schemeClr val="accent6"/>
+                </a:solidFill>
+                <a:prstDash val="solid"/>
+                <a:round/>
+                <a:headEnd type="none" w="med" len="med"/>
+                <a:tailEnd type="none" w="med" len="med"/>
+              </a:ln>
+            </p:spPr>
+            <p:style>
+              <a:lnRef idx="0">
+                <a:scrgbClr r="0" g="0" b="0"/>
+              </a:lnRef>
+              <a:fillRef idx="0">
+                <a:scrgbClr r="0" g="0" b="0"/>
+              </a:fillRef>
+              <a:effectRef idx="0">
+                <a:scrgbClr r="0" g="0" b="0"/>
+              </a:effectRef>
+              <a:fontRef idx="minor">
+                <a:schemeClr val="accent6"/>
+              </a:fontRef>
+            </p:style>
+            <p:txBody>
+              <a:bodyPr rtlCol="0" anchor="ctr"/>
+              <a:lstStyle/>
+              <a:p>
+                <a:pPr algn="ctr"/>
+                <a:endParaRPr lang="de-DE"/>
+              </a:p>
+            </p:txBody>
+          </p:sp>
+          <p:sp>
+            <p:nvSpPr>
+              <p:cNvPr id="18" name="Rechteck 17">
+                <a:extLst>
+                  <a:ext uri="{FF2B5EF4-FFF2-40B4-BE49-F238E27FC236}">
+                    <a16:creationId xmlns:a16="http://schemas.microsoft.com/office/drawing/2014/main" id="{A6170A5A-E863-A740-A11B-E4BE120584D8}"/>
+                  </a:ext>
+                </a:extLst>
+              </p:cNvPr>
+              <p:cNvSpPr/>
+              <p:nvPr/>
+            </p:nvSpPr>
+            <p:spPr>
+              <a:xfrm>
+                <a:off x="1367644" y="3573016"/>
+                <a:ext cx="1112370" cy="2664296"/>
+              </a:xfrm>
+              <a:prstGeom prst="rect">
+                <a:avLst/>
+              </a:prstGeom>
+              <a:noFill/>
+              <a:ln w="9525" cap="flat" cmpd="sng" algn="ctr">
+                <a:solidFill>
+                  <a:schemeClr val="accent1"/>
+                </a:solidFill>
+                <a:prstDash val="solid"/>
+                <a:round/>
+                <a:headEnd type="none" w="med" len="med"/>
+                <a:tailEnd type="none" w="med" len="med"/>
+              </a:ln>
+            </p:spPr>
+            <p:style>
+              <a:lnRef idx="0">
+                <a:scrgbClr r="0" g="0" b="0"/>
+              </a:lnRef>
+              <a:fillRef idx="0">
+                <a:scrgbClr r="0" g="0" b="0"/>
+              </a:fillRef>
+              <a:effectRef idx="0">
+                <a:scrgbClr r="0" g="0" b="0"/>
+              </a:effectRef>
+              <a:fontRef idx="minor">
+                <a:schemeClr val="accent1"/>
+              </a:fontRef>
+            </p:style>
+            <p:txBody>
+              <a:bodyPr rtlCol="0" anchor="ctr"/>
+              <a:lstStyle/>
+              <a:p>
+                <a:pPr algn="ctr"/>
+                <a:endParaRPr lang="de-DE"/>
+              </a:p>
+            </p:txBody>
+          </p:sp>
+          <p:sp>
+            <p:nvSpPr>
+              <p:cNvPr id="22" name="Rechteck 21">
+                <a:extLst>
+                  <a:ext uri="{FF2B5EF4-FFF2-40B4-BE49-F238E27FC236}">
+                    <a16:creationId xmlns:a16="http://schemas.microsoft.com/office/drawing/2014/main" id="{89306983-226F-2D46-8687-A90674903E6D}"/>
+                  </a:ext>
+                </a:extLst>
+              </p:cNvPr>
+              <p:cNvSpPr/>
+              <p:nvPr/>
+            </p:nvSpPr>
+            <p:spPr>
+              <a:xfrm>
+                <a:off x="6680113" y="3573016"/>
+                <a:ext cx="1096243" cy="2664296"/>
+              </a:xfrm>
+              <a:prstGeom prst="rect">
+                <a:avLst/>
+              </a:prstGeom>
+              <a:noFill/>
+              <a:ln w="9525" cap="flat" cmpd="sng" algn="ctr">
+                <a:solidFill>
+                  <a:schemeClr val="accent1"/>
+                </a:solidFill>
+                <a:prstDash val="solid"/>
+                <a:round/>
+                <a:headEnd type="none" w="med" len="med"/>
+                <a:tailEnd type="none" w="med" len="med"/>
+              </a:ln>
+            </p:spPr>
+            <p:style>
+              <a:lnRef idx="0">
+                <a:scrgbClr r="0" g="0" b="0"/>
+              </a:lnRef>
+              <a:fillRef idx="0">
+                <a:scrgbClr r="0" g="0" b="0"/>
+              </a:fillRef>
+              <a:effectRef idx="0">
+                <a:scrgbClr r="0" g="0" b="0"/>
+              </a:effectRef>
+              <a:fontRef idx="minor">
+                <a:schemeClr val="accent1"/>
+              </a:fontRef>
+            </p:style>
+            <p:txBody>
+              <a:bodyPr rtlCol="0" anchor="ctr"/>
+              <a:lstStyle/>
+              <a:p>
+                <a:pPr algn="ctr"/>
+                <a:endParaRPr lang="de-DE"/>
+              </a:p>
+            </p:txBody>
+          </p:sp>
+        </p:grpSp>
+        <p:sp>
+          <p:nvSpPr>
+            <p:cNvPr id="17" name="Oval 16">
+              <a:extLst>
+                <a:ext uri="{FF2B5EF4-FFF2-40B4-BE49-F238E27FC236}">
+                  <a16:creationId xmlns:a16="http://schemas.microsoft.com/office/drawing/2014/main" id="{5E1D15A2-2BD5-9141-873B-AC05F060C3E5}"/>
+                </a:ext>
+              </a:extLst>
+            </p:cNvPr>
+            <p:cNvSpPr/>
+            <p:nvPr/>
+          </p:nvSpPr>
+          <p:spPr>
+            <a:xfrm>
+              <a:off x="4427984" y="4755046"/>
+              <a:ext cx="288032" cy="300236"/>
+            </a:xfrm>
+            <a:prstGeom prst="ellipse">
+              <a:avLst/>
+            </a:prstGeom>
+          </p:spPr>
+          <p:style>
+            <a:lnRef idx="2">
+              <a:schemeClr val="accent6"/>
+            </a:lnRef>
+            <a:fillRef idx="1">
+              <a:schemeClr val="lt1"/>
+            </a:fillRef>
+            <a:effectRef idx="0">
+              <a:schemeClr val="accent6"/>
+            </a:effectRef>
+            <a:fontRef idx="minor">
+              <a:schemeClr val="dk1"/>
+            </a:fontRef>
+          </p:style>
+          <p:txBody>
+            <a:bodyPr rtlCol="0" anchor="ctr"/>
+            <a:lstStyle/>
+            <a:p>
+              <a:pPr algn="ctr"/>
+              <a:endParaRPr lang="de-DE"/>
+            </a:p>
+          </p:txBody>
+        </p:sp>
+      </p:grpSp>
+    </p:spTree>
+    <p:extLst>
+      <p:ext uri="{BB962C8B-B14F-4D97-AF65-F5344CB8AC3E}">
+        <p14:creationId xmlns:p14="http://schemas.microsoft.com/office/powerpoint/2010/main" val="3879596440"/>
+      </p:ext>
+    </p:extLst>
+  </p:cSld>
+  <p:clrMapOvr>
+    <a:masterClrMapping/>
+  </p:clrMapOvr>
+  <p:timing>
+    <p:tnLst>
+      <p:par>
+        <p:cTn id="1" dur="indefinite" restart="never" nodeType="tmRoot">
+          <p:childTnLst>
+            <p:seq concurrent="1" nextAc="seek">
+              <p:cTn id="2" dur="indefinite" nodeType="mainSeq">
+                <p:childTnLst>
+                  <p:par>
+                    <p:cTn id="3" fill="hold">
+                      <p:stCondLst>
+                        <p:cond delay="indefinite"/>
+                        <p:cond evt="onBegin" delay="0">
+                          <p:tn val="2"/>
+                        </p:cond>
+                      </p:stCondLst>
+                      <p:childTnLst>
+                        <p:par>
+                          <p:cTn id="4" fill="hold">
+                            <p:stCondLst>
+                              <p:cond delay="0"/>
+                            </p:stCondLst>
+                            <p:childTnLst>
+                              <p:par>
+                                <p:cTn id="5" presetID="1" presetClass="entr" presetSubtype="0" fill="hold" nodeType="afterEffect">
+                                  <p:stCondLst>
+                                    <p:cond delay="0"/>
+                                  </p:stCondLst>
+                                  <p:childTnLst>
+                                    <p:set>
+                                      <p:cBhvr>
+                                        <p:cTn id="6" dur="1" fill="hold">
+                                          <p:stCondLst>
+                                            <p:cond delay="0"/>
+                                          </p:stCondLst>
+                                        </p:cTn>
+                                        <p:tgtEl>
+                                          <p:spTgt spid="8">
+                                            <p:txEl>
+                                              <p:pRg st="0" end="0"/>
+                                            </p:txEl>
+                                          </p:spTgt>
+                                        </p:tgtEl>
+                                        <p:attrNameLst>
+                                          <p:attrName>style.visibility</p:attrName>
+                                        </p:attrNameLst>
+                                      </p:cBhvr>
+                                      <p:to>
+                                        <p:strVal val="visible"/>
+                                      </p:to>
+                                    </p:set>
+                                  </p:childTnLst>
+                                </p:cTn>
+                              </p:par>
+                              <p:par>
+                                <p:cTn id="7" presetID="1" presetClass="entr" presetSubtype="0" fill="hold" nodeType="withEffect">
+                                  <p:stCondLst>
+                                    <p:cond delay="0"/>
+                                  </p:stCondLst>
+                                  <p:childTnLst>
+                                    <p:set>
+                                      <p:cBhvr>
+                                        <p:cTn id="8" dur="1" fill="hold">
+                                          <p:stCondLst>
+                                            <p:cond delay="0"/>
+                                          </p:stCondLst>
+                                        </p:cTn>
+                                        <p:tgtEl>
+                                          <p:spTgt spid="9"/>
+                                        </p:tgtEl>
+                                        <p:attrNameLst>
+                                          <p:attrName>style.visibility</p:attrName>
+                                        </p:attrNameLst>
+                                      </p:cBhvr>
+                                      <p:to>
+                                        <p:strVal val="visible"/>
+                                      </p:to>
+                                    </p:set>
+                                  </p:childTnLst>
+                                </p:cTn>
+                              </p:par>
+                            </p:childTnLst>
+                          </p:cTn>
+                        </p:par>
+                      </p:childTnLst>
+                    </p:cTn>
+                  </p:par>
+                  <p:par>
+                    <p:cTn id="9" fill="hold">
+                      <p:stCondLst>
+                        <p:cond delay="indefinite"/>
+                      </p:stCondLst>
+                      <p:childTnLst>
+                        <p:par>
+                          <p:cTn id="10" fill="hold">
+                            <p:stCondLst>
+                              <p:cond delay="0"/>
+                            </p:stCondLst>
+                            <p:childTnLst>
+                              <p:par>
+                                <p:cTn id="11" presetID="1" presetClass="entr" presetSubtype="0" fill="hold" nodeType="clickEffect">
+                                  <p:stCondLst>
+                                    <p:cond delay="0"/>
+                                  </p:stCondLst>
+                                  <p:childTnLst>
+                                    <p:set>
+                                      <p:cBhvr>
+                                        <p:cTn id="12" dur="1" fill="hold">
+                                          <p:stCondLst>
+                                            <p:cond delay="0"/>
+                                          </p:stCondLst>
+                                        </p:cTn>
+                                        <p:tgtEl>
+                                          <p:spTgt spid="8">
+                                            <p:txEl>
+                                              <p:pRg st="3" end="3"/>
+                                            </p:txEl>
+                                          </p:spTgt>
+                                        </p:tgtEl>
+                                        <p:attrNameLst>
+                                          <p:attrName>style.visibility</p:attrName>
+                                        </p:attrNameLst>
+                                      </p:cBhvr>
+                                      <p:to>
+                                        <p:strVal val="visible"/>
+                                      </p:to>
+                                    </p:set>
+                                  </p:childTnLst>
+                                </p:cTn>
+                              </p:par>
+                              <p:par>
+                                <p:cTn id="13" presetID="1" presetClass="entr" presetSubtype="0" fill="hold" nodeType="withEffect">
+                                  <p:stCondLst>
+                                    <p:cond delay="0"/>
+                                  </p:stCondLst>
+                                  <p:childTnLst>
+                                    <p:set>
+                                      <p:cBhvr>
+                                        <p:cTn id="14" dur="1" fill="hold">
+                                          <p:stCondLst>
+                                            <p:cond delay="0"/>
+                                          </p:stCondLst>
+                                        </p:cTn>
+                                        <p:tgtEl>
+                                          <p:spTgt spid="32"/>
+                                        </p:tgtEl>
+                                        <p:attrNameLst>
+                                          <p:attrName>style.visibility</p:attrName>
+                                        </p:attrNameLst>
+                                      </p:cBhvr>
+                                      <p:to>
+                                        <p:strVal val="visible"/>
+                                      </p:to>
+                                    </p:set>
+                                  </p:childTnLst>
+                                </p:cTn>
+                              </p:par>
+                            </p:childTnLst>
+                          </p:cTn>
+                        </p:par>
+                      </p:childTnLst>
+                    </p:cTn>
+                  </p:par>
+                </p:childTnLst>
+              </p:cTn>
+              <p:prevCondLst>
+                <p:cond evt="onPrev" delay="0">
+                  <p:tgtEl>
+                    <p:sldTgt/>
+                  </p:tgtEl>
+                </p:cond>
+              </p:prevCondLst>
+              <p:nextCondLst>
+                <p:cond evt="onNext" delay="0">
+                  <p:tgtEl>
+                    <p:sldTgt/>
+                  </p:tgtEl>
+                </p:cond>
+              </p:nextCondLst>
+            </p:seq>
+          </p:childTnLst>
+        </p:cTn>
+      </p:par>
+    </p:tnLst>
+  </p:timing>
+</p:sld>
+</file>
+
+<file path=ppt/slides/slide9.xml><?xml version="1.0" encoding="utf-8"?>
+<p:sld xmlns:a="http://schemas.openxmlformats.org/drawingml/2006/main" xmlns:r="http://schemas.openxmlformats.org/officeDocument/2006/relationships" xmlns:p="http://schemas.openxmlformats.org/presentationml/2006/main">
+  <p:cSld>
+    <p:spTree>
+      <p:nvGrpSpPr>
+        <p:cNvPr id="1" name=""/>
+        <p:cNvGrpSpPr/>
+        <p:nvPr/>
+      </p:nvGrpSpPr>
+      <p:grpSpPr>
+        <a:xfrm>
+          <a:off x="0" y="0"/>
+          <a:ext cx="0" cy="0"/>
+          <a:chOff x="0" y="0"/>
+          <a:chExt cx="0" cy="0"/>
+        </a:xfrm>
+      </p:grpSpPr>
+      <p:sp>
+        <p:nvSpPr>
+          <p:cNvPr id="2" name="Inhaltsplatzhalter 1">
+            <a:extLst>
+              <a:ext uri="{FF2B5EF4-FFF2-40B4-BE49-F238E27FC236}">
+                <a16:creationId xmlns:a16="http://schemas.microsoft.com/office/drawing/2014/main" id="{5E997634-8E26-CF42-8D27-C6713E2B18E4}"/>
+              </a:ext>
+            </a:extLst>
+          </p:cNvPr>
+          <p:cNvSpPr>
+            <a:spLocks noGrp="1"/>
+          </p:cNvSpPr>
+          <p:nvPr>
+            <p:ph idx="1"/>
+          </p:nvPr>
+        </p:nvSpPr>
+        <p:spPr/>
+        <p:txBody>
+          <a:bodyPr/>
+          <a:lstStyle/>
+          <a:p>
+            <a:r>
+              <a:rPr lang="de-DE" dirty="0"/>
+              <a:t>Festgelegte Ball- / Spielergeschwindigkeit in globalen Variablen</a:t>
+            </a:r>
+          </a:p>
+          <a:p>
+            <a:endParaRPr lang="de-DE" dirty="0"/>
+          </a:p>
+          <a:p>
+            <a:r>
+              <a:rPr lang="de-DE" dirty="0"/>
+              <a:t>Ballkollision mit den Banden</a:t>
+            </a:r>
+          </a:p>
+          <a:p>
+            <a:endParaRPr lang="de-DE" dirty="0"/>
+          </a:p>
+          <a:p>
+            <a:endParaRPr lang="de-DE" dirty="0"/>
+          </a:p>
+          <a:p>
+            <a:endParaRPr lang="de-DE" dirty="0"/>
+          </a:p>
+          <a:p>
+            <a:endParaRPr lang="de-DE" dirty="0"/>
+          </a:p>
+          <a:p>
+            <a:r>
+              <a:rPr lang="de-DE" dirty="0"/>
+              <a:t>Ballkollision mit einem Spieler</a:t>
+            </a:r>
+          </a:p>
+          <a:p>
+            <a:endParaRPr lang="de-DE" dirty="0"/>
+          </a:p>
+          <a:p>
+            <a:r>
+              <a:rPr lang="de-DE" dirty="0" err="1"/>
+              <a:t>Repositionierung</a:t>
+            </a:r>
+            <a:r>
+              <a:rPr lang="de-DE" dirty="0"/>
+              <a:t> bei Punktgewinn</a:t>
+            </a:r>
+          </a:p>
+          <a:p>
+            <a:pPr marL="0" indent="0">
+              <a:buNone/>
+            </a:pPr>
+            <a:endParaRPr lang="de-DE" dirty="0"/>
+          </a:p>
+        </p:txBody>
+      </p:sp>
+      <p:sp>
+        <p:nvSpPr>
+          <p:cNvPr id="3" name="Foliennummernplatzhalter 2">
+            <a:extLst>
+              <a:ext uri="{FF2B5EF4-FFF2-40B4-BE49-F238E27FC236}">
+                <a16:creationId xmlns:a16="http://schemas.microsoft.com/office/drawing/2014/main" id="{04034BF6-1F07-3248-AA26-9FFA7B12CF5B}"/>
+              </a:ext>
+            </a:extLst>
+          </p:cNvPr>
+          <p:cNvSpPr>
+            <a:spLocks noGrp="1"/>
+          </p:cNvSpPr>
+          <p:nvPr>
+            <p:ph type="sldNum" sz="quarter" idx="12"/>
+          </p:nvPr>
+        </p:nvSpPr>
+        <p:spPr/>
+        <p:txBody>
+          <a:bodyPr/>
+          <a:lstStyle/>
+          <a:p>
+            <a:fld id="{29AD3987-26BA-49DC-BA24-72731371DC9F}" type="slidenum">
+              <a:rPr lang="de-DE" smtClean="0"/>
+              <a:pPr/>
+              <a:t>9</a:t>
+            </a:fld>
+            <a:endParaRPr lang="de-DE" dirty="0"/>
+          </a:p>
+        </p:txBody>
+      </p:sp>
+      <p:sp>
+        <p:nvSpPr>
+          <p:cNvPr id="4" name="Titel 3">
+            <a:extLst>
+              <a:ext uri="{FF2B5EF4-FFF2-40B4-BE49-F238E27FC236}">
+                <a16:creationId xmlns:a16="http://schemas.microsoft.com/office/drawing/2014/main" id="{E110E7A1-E9F8-4E43-B712-FDFA3B564C7E}"/>
+              </a:ext>
+            </a:extLst>
+          </p:cNvPr>
+          <p:cNvSpPr>
+            <a:spLocks noGrp="1"/>
+          </p:cNvSpPr>
+          <p:nvPr>
+            <p:ph type="title"/>
+          </p:nvPr>
+        </p:nvSpPr>
+        <p:spPr/>
+        <p:txBody>
+          <a:bodyPr/>
+          <a:lstStyle/>
+          <a:p>
+            <a:r>
+              <a:rPr lang="de-DE" dirty="0" err="1"/>
+              <a:t>Pong</a:t>
+            </a:r>
+            <a:r>
+              <a:rPr lang="de-DE" dirty="0"/>
+              <a:t>-Implementierung</a:t>
+            </a:r>
+          </a:p>
+        </p:txBody>
+      </p:sp>
+      <p:pic>
+        <p:nvPicPr>
+          <p:cNvPr id="6" name="Grafik 5">
+            <a:extLst>
+              <a:ext uri="{FF2B5EF4-FFF2-40B4-BE49-F238E27FC236}">
+                <a16:creationId xmlns:a16="http://schemas.microsoft.com/office/drawing/2014/main" id="{A9E7EB4D-B629-884F-995D-E74F8E5D6AFB}"/>
+              </a:ext>
+            </a:extLst>
+          </p:cNvPr>
+          <p:cNvPicPr>
+            <a:picLocks noChangeAspect="1"/>
+          </p:cNvPicPr>
+          <p:nvPr/>
+        </p:nvPicPr>
+        <p:blipFill>
+          <a:blip r:embed="rId2">
+            <a:extLst>
+              <a:ext uri="{28A0092B-C50C-407E-A947-70E740481C1C}">
+                <a14:useLocalDpi xmlns:a14="http://schemas.microsoft.com/office/drawing/2010/main" val="0"/>
+              </a:ext>
+            </a:extLst>
+          </a:blip>
+          <a:stretch>
+            <a:fillRect/>
+          </a:stretch>
+        </p:blipFill>
+        <p:spPr>
+          <a:xfrm>
+            <a:off x="4232335" y="2204864"/>
+            <a:ext cx="3901688" cy="1996927"/>
+          </a:xfrm>
+          <a:prstGeom prst="rect">
+            <a:avLst/>
+          </a:prstGeom>
+        </p:spPr>
+      </p:pic>
+    </p:spTree>
+    <p:extLst>
+      <p:ext uri="{BB962C8B-B14F-4D97-AF65-F5344CB8AC3E}">
+        <p14:creationId xmlns:p14="http://schemas.microsoft.com/office/powerpoint/2010/main" val="1145090543"/>
       </p:ext>
     </p:extLst>
   </p:cSld>
